--- a/Hyperparameter optimization using Optuna.pptx
+++ b/Hyperparameter optimization using Optuna.pptx
@@ -9,11 +9,12 @@
     <p:sldId id="259" r:id="rId3"/>
     <p:sldId id="260" r:id="rId4"/>
     <p:sldId id="261" r:id="rId5"/>
-    <p:sldId id="257" r:id="rId6"/>
-    <p:sldId id="262" r:id="rId7"/>
-    <p:sldId id="264" r:id="rId8"/>
-    <p:sldId id="263" r:id="rId9"/>
-    <p:sldId id="265" r:id="rId10"/>
+    <p:sldId id="266" r:id="rId6"/>
+    <p:sldId id="257" r:id="rId7"/>
+    <p:sldId id="262" r:id="rId8"/>
+    <p:sldId id="264" r:id="rId9"/>
+    <p:sldId id="263" r:id="rId10"/>
+    <p:sldId id="265" r:id="rId11"/>
   </p:sldIdLst>
   <p:sldSz cx="12192000" cy="6858000"/>
   <p:notesSz cx="6858000" cy="9144000"/>
@@ -112,6 +113,11 @@
       </a:defRPr>
     </a:lvl9pPr>
   </p:defaultTextStyle>
+  <p:extLst>
+    <p:ext uri="{EFAFB233-063F-42B5-8137-9DF3F51BA10A}">
+      <p15:sldGuideLst xmlns:p15="http://schemas.microsoft.com/office/powerpoint/2012/main"/>
+    </p:ext>
+  </p:extLst>
 </p:presentation>
 </file>
 
@@ -264,7 +270,7 @@
           <a:p>
             <a:fld id="{D933234A-431E-4522-8F11-CED50FE00763}" type="datetimeFigureOut">
               <a:rPr lang="en-AU" smtClean="0"/>
-              <a:t>11/10/2025</a:t>
+              <a:t>12/10/2025</a:t>
             </a:fld>
             <a:endParaRPr lang="en-AU"/>
           </a:p>
@@ -464,7 +470,7 @@
           <a:p>
             <a:fld id="{D933234A-431E-4522-8F11-CED50FE00763}" type="datetimeFigureOut">
               <a:rPr lang="en-AU" smtClean="0"/>
-              <a:t>11/10/2025</a:t>
+              <a:t>12/10/2025</a:t>
             </a:fld>
             <a:endParaRPr lang="en-AU"/>
           </a:p>
@@ -674,7 +680,7 @@
           <a:p>
             <a:fld id="{D933234A-431E-4522-8F11-CED50FE00763}" type="datetimeFigureOut">
               <a:rPr lang="en-AU" smtClean="0"/>
-              <a:t>11/10/2025</a:t>
+              <a:t>12/10/2025</a:t>
             </a:fld>
             <a:endParaRPr lang="en-AU"/>
           </a:p>
@@ -874,7 +880,7 @@
           <a:p>
             <a:fld id="{D933234A-431E-4522-8F11-CED50FE00763}" type="datetimeFigureOut">
               <a:rPr lang="en-AU" smtClean="0"/>
-              <a:t>11/10/2025</a:t>
+              <a:t>12/10/2025</a:t>
             </a:fld>
             <a:endParaRPr lang="en-AU"/>
           </a:p>
@@ -1150,7 +1156,7 @@
           <a:p>
             <a:fld id="{D933234A-431E-4522-8F11-CED50FE00763}" type="datetimeFigureOut">
               <a:rPr lang="en-AU" smtClean="0"/>
-              <a:t>11/10/2025</a:t>
+              <a:t>12/10/2025</a:t>
             </a:fld>
             <a:endParaRPr lang="en-AU"/>
           </a:p>
@@ -1418,7 +1424,7 @@
           <a:p>
             <a:fld id="{D933234A-431E-4522-8F11-CED50FE00763}" type="datetimeFigureOut">
               <a:rPr lang="en-AU" smtClean="0"/>
-              <a:t>11/10/2025</a:t>
+              <a:t>12/10/2025</a:t>
             </a:fld>
             <a:endParaRPr lang="en-AU"/>
           </a:p>
@@ -1833,7 +1839,7 @@
           <a:p>
             <a:fld id="{D933234A-431E-4522-8F11-CED50FE00763}" type="datetimeFigureOut">
               <a:rPr lang="en-AU" smtClean="0"/>
-              <a:t>11/10/2025</a:t>
+              <a:t>12/10/2025</a:t>
             </a:fld>
             <a:endParaRPr lang="en-AU"/>
           </a:p>
@@ -1975,7 +1981,7 @@
           <a:p>
             <a:fld id="{D933234A-431E-4522-8F11-CED50FE00763}" type="datetimeFigureOut">
               <a:rPr lang="en-AU" smtClean="0"/>
-              <a:t>11/10/2025</a:t>
+              <a:t>12/10/2025</a:t>
             </a:fld>
             <a:endParaRPr lang="en-AU"/>
           </a:p>
@@ -2088,7 +2094,7 @@
           <a:p>
             <a:fld id="{D933234A-431E-4522-8F11-CED50FE00763}" type="datetimeFigureOut">
               <a:rPr lang="en-AU" smtClean="0"/>
-              <a:t>11/10/2025</a:t>
+              <a:t>12/10/2025</a:t>
             </a:fld>
             <a:endParaRPr lang="en-AU"/>
           </a:p>
@@ -2401,7 +2407,7 @@
           <a:p>
             <a:fld id="{D933234A-431E-4522-8F11-CED50FE00763}" type="datetimeFigureOut">
               <a:rPr lang="en-AU" smtClean="0"/>
-              <a:t>11/10/2025</a:t>
+              <a:t>12/10/2025</a:t>
             </a:fld>
             <a:endParaRPr lang="en-AU"/>
           </a:p>
@@ -2690,7 +2696,7 @@
           <a:p>
             <a:fld id="{D933234A-431E-4522-8F11-CED50FE00763}" type="datetimeFigureOut">
               <a:rPr lang="en-AU" smtClean="0"/>
-              <a:t>11/10/2025</a:t>
+              <a:t>12/10/2025</a:t>
             </a:fld>
             <a:endParaRPr lang="en-AU"/>
           </a:p>
@@ -2933,7 +2939,7 @@
           <a:p>
             <a:fld id="{D933234A-431E-4522-8F11-CED50FE00763}" type="datetimeFigureOut">
               <a:rPr lang="en-AU" smtClean="0"/>
-              <a:t>11/10/2025</a:t>
+              <a:t>12/10/2025</a:t>
             </a:fld>
             <a:endParaRPr lang="en-AU"/>
           </a:p>
@@ -3449,6 +3455,71 @@
 </p:sld>
 </file>
 
+<file path=ppt/slides/slide10.xml><?xml version="1.0" encoding="utf-8"?>
+<p:sld xmlns:a="http://schemas.openxmlformats.org/drawingml/2006/main" xmlns:r="http://schemas.openxmlformats.org/officeDocument/2006/relationships" xmlns:p="http://schemas.openxmlformats.org/presentationml/2006/main">
+  <p:cSld>
+    <p:spTree>
+      <p:nvGrpSpPr>
+        <p:cNvPr id="1" name="">
+          <a:extLst>
+            <a:ext uri="{FF2B5EF4-FFF2-40B4-BE49-F238E27FC236}">
+              <a16:creationId xmlns:a16="http://schemas.microsoft.com/office/drawing/2014/main" id="{29A2FD24-1F4E-BF8A-FF3B-64888CA91CD9}"/>
+            </a:ext>
+          </a:extLst>
+        </p:cNvPr>
+        <p:cNvGrpSpPr/>
+        <p:nvPr/>
+      </p:nvGrpSpPr>
+      <p:grpSpPr>
+        <a:xfrm>
+          <a:off x="0" y="0"/>
+          <a:ext cx="0" cy="0"/>
+          <a:chOff x="0" y="0"/>
+          <a:chExt cx="0" cy="0"/>
+        </a:xfrm>
+      </p:grpSpPr>
+      <p:sp>
+        <p:nvSpPr>
+          <p:cNvPr id="2" name="Title 1">
+            <a:extLst>
+              <a:ext uri="{FF2B5EF4-FFF2-40B4-BE49-F238E27FC236}">
+                <a16:creationId xmlns:a16="http://schemas.microsoft.com/office/drawing/2014/main" id="{37882D76-4AC8-BBDB-99AE-D117F803CAA4}"/>
+              </a:ext>
+            </a:extLst>
+          </p:cNvPr>
+          <p:cNvSpPr>
+            <a:spLocks noGrp="1"/>
+          </p:cNvSpPr>
+          <p:nvPr>
+            <p:ph type="title"/>
+          </p:nvPr>
+        </p:nvSpPr>
+        <p:spPr/>
+        <p:txBody>
+          <a:bodyPr/>
+          <a:lstStyle/>
+          <a:p>
+            <a:r>
+              <a:rPr lang="en-US" dirty="0"/>
+              <a:t>Objective function – multi objective</a:t>
+            </a:r>
+            <a:endParaRPr lang="en-AU" dirty="0"/>
+          </a:p>
+        </p:txBody>
+      </p:sp>
+    </p:spTree>
+    <p:extLst>
+      <p:ext uri="{BB962C8B-B14F-4D97-AF65-F5344CB8AC3E}">
+        <p14:creationId xmlns:p14="http://schemas.microsoft.com/office/powerpoint/2010/main" val="1224710799"/>
+      </p:ext>
+    </p:extLst>
+  </p:cSld>
+  <p:clrMapOvr>
+    <a:masterClrMapping/>
+  </p:clrMapOvr>
+</p:sld>
+</file>
+
 <file path=ppt/slides/slide2.xml><?xml version="1.0" encoding="utf-8"?>
 <p:sld xmlns:a="http://schemas.openxmlformats.org/drawingml/2006/main" xmlns:r="http://schemas.openxmlformats.org/officeDocument/2006/relationships" xmlns:p="http://schemas.openxmlformats.org/presentationml/2006/main">
   <p:cSld>
@@ -3776,6 +3847,97 @@
           <p:cNvPr id="2" name="Title 1">
             <a:extLst>
               <a:ext uri="{FF2B5EF4-FFF2-40B4-BE49-F238E27FC236}">
+                <a16:creationId xmlns:a16="http://schemas.microsoft.com/office/drawing/2014/main" id="{7C8037A6-C3CD-DFC0-1F38-58FB94035E86}"/>
+              </a:ext>
+            </a:extLst>
+          </p:cNvPr>
+          <p:cNvSpPr>
+            <a:spLocks noGrp="1"/>
+          </p:cNvSpPr>
+          <p:nvPr>
+            <p:ph type="title"/>
+          </p:nvPr>
+        </p:nvSpPr>
+        <p:spPr/>
+        <p:txBody>
+          <a:bodyPr/>
+          <a:lstStyle/>
+          <a:p>
+            <a:r>
+              <a:rPr lang="en-AU" dirty="0" err="1"/>
+              <a:t>xgboost</a:t>
+            </a:r>
+            <a:endParaRPr lang="en-AU" dirty="0"/>
+          </a:p>
+        </p:txBody>
+      </p:sp>
+      <p:pic>
+        <p:nvPicPr>
+          <p:cNvPr id="5" name="Content Placeholder 4">
+            <a:extLst>
+              <a:ext uri="{FF2B5EF4-FFF2-40B4-BE49-F238E27FC236}">
+                <a16:creationId xmlns:a16="http://schemas.microsoft.com/office/drawing/2014/main" id="{C72CFAE3-0843-7C2E-4D53-441E7E2233AD}"/>
+              </a:ext>
+            </a:extLst>
+          </p:cNvPr>
+          <p:cNvPicPr>
+            <a:picLocks noGrp="1" noChangeAspect="1"/>
+          </p:cNvPicPr>
+          <p:nvPr>
+            <p:ph idx="1"/>
+          </p:nvPr>
+        </p:nvPicPr>
+        <p:blipFill>
+          <a:blip r:embed="rId2"/>
+          <a:stretch>
+            <a:fillRect/>
+          </a:stretch>
+        </p:blipFill>
+        <p:spPr>
+          <a:xfrm>
+            <a:off x="2409825" y="2396331"/>
+            <a:ext cx="7372350" cy="3209925"/>
+          </a:xfrm>
+          <a:prstGeom prst="rect">
+            <a:avLst/>
+          </a:prstGeom>
+        </p:spPr>
+      </p:pic>
+    </p:spTree>
+    <p:extLst>
+      <p:ext uri="{BB962C8B-B14F-4D97-AF65-F5344CB8AC3E}">
+        <p14:creationId xmlns:p14="http://schemas.microsoft.com/office/powerpoint/2010/main" val="3952180696"/>
+      </p:ext>
+    </p:extLst>
+  </p:cSld>
+  <p:clrMapOvr>
+    <a:masterClrMapping/>
+  </p:clrMapOvr>
+</p:sld>
+</file>
+
+<file path=ppt/slides/slide6.xml><?xml version="1.0" encoding="utf-8"?>
+<p:sld xmlns:a="http://schemas.openxmlformats.org/drawingml/2006/main" xmlns:r="http://schemas.openxmlformats.org/officeDocument/2006/relationships" xmlns:p="http://schemas.openxmlformats.org/presentationml/2006/main">
+  <p:cSld>
+    <p:spTree>
+      <p:nvGrpSpPr>
+        <p:cNvPr id="1" name=""/>
+        <p:cNvGrpSpPr/>
+        <p:nvPr/>
+      </p:nvGrpSpPr>
+      <p:grpSpPr>
+        <a:xfrm>
+          <a:off x="0" y="0"/>
+          <a:ext cx="0" cy="0"/>
+          <a:chOff x="0" y="0"/>
+          <a:chExt cx="0" cy="0"/>
+        </a:xfrm>
+      </p:grpSpPr>
+      <p:sp>
+        <p:nvSpPr>
+          <p:cNvPr id="2" name="Title 1">
+            <a:extLst>
+              <a:ext uri="{FF2B5EF4-FFF2-40B4-BE49-F238E27FC236}">
                 <a16:creationId xmlns:a16="http://schemas.microsoft.com/office/drawing/2014/main" id="{816E70AC-98CB-0333-F8F1-206CCBF01D66}"/>
               </a:ext>
             </a:extLst>
@@ -4166,7 +4328,7 @@
 </p:sld>
 </file>
 
-<file path=ppt/slides/slide6.xml><?xml version="1.0" encoding="utf-8"?>
+<file path=ppt/slides/slide7.xml><?xml version="1.0" encoding="utf-8"?>
 <p:sld xmlns:a="http://schemas.openxmlformats.org/drawingml/2006/main" xmlns:r="http://schemas.openxmlformats.org/officeDocument/2006/relationships" xmlns:p="http://schemas.openxmlformats.org/presentationml/2006/main">
   <p:cSld>
     <p:spTree>
@@ -4584,7 +4746,7 @@
 </p:sld>
 </file>
 
-<file path=ppt/slides/slide7.xml><?xml version="1.0" encoding="utf-8"?>
+<file path=ppt/slides/slide8.xml><?xml version="1.0" encoding="utf-8"?>
 <p:sld xmlns:a="http://schemas.openxmlformats.org/drawingml/2006/main" xmlns:r="http://schemas.openxmlformats.org/officeDocument/2006/relationships" xmlns:p="http://schemas.openxmlformats.org/presentationml/2006/main">
   <p:cSld>
     <p:spTree>
@@ -4643,7 +4805,7 @@
 </p:sld>
 </file>
 
-<file path=ppt/slides/slide8.xml><?xml version="1.0" encoding="utf-8"?>
+<file path=ppt/slides/slide9.xml><?xml version="1.0" encoding="utf-8"?>
 <p:sld xmlns:a="http://schemas.openxmlformats.org/drawingml/2006/main" xmlns:r="http://schemas.openxmlformats.org/officeDocument/2006/relationships" xmlns:p="http://schemas.openxmlformats.org/presentationml/2006/main">
   <p:cSld>
     <p:spTree>
@@ -5052,71 +5214,6 @@
     <p:extLst>
       <p:ext uri="{BB962C8B-B14F-4D97-AF65-F5344CB8AC3E}">
         <p14:creationId xmlns:p14="http://schemas.microsoft.com/office/powerpoint/2010/main" val="3134122353"/>
-      </p:ext>
-    </p:extLst>
-  </p:cSld>
-  <p:clrMapOvr>
-    <a:masterClrMapping/>
-  </p:clrMapOvr>
-</p:sld>
-</file>
-
-<file path=ppt/slides/slide9.xml><?xml version="1.0" encoding="utf-8"?>
-<p:sld xmlns:a="http://schemas.openxmlformats.org/drawingml/2006/main" xmlns:r="http://schemas.openxmlformats.org/officeDocument/2006/relationships" xmlns:p="http://schemas.openxmlformats.org/presentationml/2006/main">
-  <p:cSld>
-    <p:spTree>
-      <p:nvGrpSpPr>
-        <p:cNvPr id="1" name="">
-          <a:extLst>
-            <a:ext uri="{FF2B5EF4-FFF2-40B4-BE49-F238E27FC236}">
-              <a16:creationId xmlns:a16="http://schemas.microsoft.com/office/drawing/2014/main" id="{29A2FD24-1F4E-BF8A-FF3B-64888CA91CD9}"/>
-            </a:ext>
-          </a:extLst>
-        </p:cNvPr>
-        <p:cNvGrpSpPr/>
-        <p:nvPr/>
-      </p:nvGrpSpPr>
-      <p:grpSpPr>
-        <a:xfrm>
-          <a:off x="0" y="0"/>
-          <a:ext cx="0" cy="0"/>
-          <a:chOff x="0" y="0"/>
-          <a:chExt cx="0" cy="0"/>
-        </a:xfrm>
-      </p:grpSpPr>
-      <p:sp>
-        <p:nvSpPr>
-          <p:cNvPr id="2" name="Title 1">
-            <a:extLst>
-              <a:ext uri="{FF2B5EF4-FFF2-40B4-BE49-F238E27FC236}">
-                <a16:creationId xmlns:a16="http://schemas.microsoft.com/office/drawing/2014/main" id="{37882D76-4AC8-BBDB-99AE-D117F803CAA4}"/>
-              </a:ext>
-            </a:extLst>
-          </p:cNvPr>
-          <p:cNvSpPr>
-            <a:spLocks noGrp="1"/>
-          </p:cNvSpPr>
-          <p:nvPr>
-            <p:ph type="title"/>
-          </p:nvPr>
-        </p:nvSpPr>
-        <p:spPr/>
-        <p:txBody>
-          <a:bodyPr/>
-          <a:lstStyle/>
-          <a:p>
-            <a:r>
-              <a:rPr lang="en-US" dirty="0"/>
-              <a:t>Objective function – multi objective</a:t>
-            </a:r>
-            <a:endParaRPr lang="en-AU" dirty="0"/>
-          </a:p>
-        </p:txBody>
-      </p:sp>
-    </p:spTree>
-    <p:extLst>
-      <p:ext uri="{BB962C8B-B14F-4D97-AF65-F5344CB8AC3E}">
-        <p14:creationId xmlns:p14="http://schemas.microsoft.com/office/powerpoint/2010/main" val="1224710799"/>
       </p:ext>
     </p:extLst>
   </p:cSld>

--- a/Hyperparameter optimization using Optuna.pptx
+++ b/Hyperparameter optimization using Optuna.pptx
@@ -8,13 +8,16 @@
     <p:sldId id="256" r:id="rId2"/>
     <p:sldId id="259" r:id="rId3"/>
     <p:sldId id="260" r:id="rId4"/>
-    <p:sldId id="261" r:id="rId5"/>
-    <p:sldId id="266" r:id="rId6"/>
-    <p:sldId id="257" r:id="rId7"/>
-    <p:sldId id="262" r:id="rId8"/>
+    <p:sldId id="267" r:id="rId5"/>
+    <p:sldId id="268" r:id="rId6"/>
+    <p:sldId id="266" r:id="rId7"/>
+    <p:sldId id="269" r:id="rId8"/>
     <p:sldId id="264" r:id="rId9"/>
-    <p:sldId id="263" r:id="rId10"/>
-    <p:sldId id="265" r:id="rId11"/>
+    <p:sldId id="265" r:id="rId10"/>
+    <p:sldId id="273" r:id="rId11"/>
+    <p:sldId id="271" r:id="rId12"/>
+    <p:sldId id="272" r:id="rId13"/>
+    <p:sldId id="274" r:id="rId14"/>
   </p:sldIdLst>
   <p:sldSz cx="12192000" cy="6858000"/>
   <p:notesSz cx="6858000" cy="9144000"/>
@@ -270,7 +273,7 @@
           <a:p>
             <a:fld id="{D933234A-431E-4522-8F11-CED50FE00763}" type="datetimeFigureOut">
               <a:rPr lang="en-AU" smtClean="0"/>
-              <a:t>12/10/2025</a:t>
+              <a:t>25/10/2025</a:t>
             </a:fld>
             <a:endParaRPr lang="en-AU"/>
           </a:p>
@@ -470,7 +473,7 @@
           <a:p>
             <a:fld id="{D933234A-431E-4522-8F11-CED50FE00763}" type="datetimeFigureOut">
               <a:rPr lang="en-AU" smtClean="0"/>
-              <a:t>12/10/2025</a:t>
+              <a:t>25/10/2025</a:t>
             </a:fld>
             <a:endParaRPr lang="en-AU"/>
           </a:p>
@@ -680,7 +683,7 @@
           <a:p>
             <a:fld id="{D933234A-431E-4522-8F11-CED50FE00763}" type="datetimeFigureOut">
               <a:rPr lang="en-AU" smtClean="0"/>
-              <a:t>12/10/2025</a:t>
+              <a:t>25/10/2025</a:t>
             </a:fld>
             <a:endParaRPr lang="en-AU"/>
           </a:p>
@@ -880,7 +883,7 @@
           <a:p>
             <a:fld id="{D933234A-431E-4522-8F11-CED50FE00763}" type="datetimeFigureOut">
               <a:rPr lang="en-AU" smtClean="0"/>
-              <a:t>12/10/2025</a:t>
+              <a:t>25/10/2025</a:t>
             </a:fld>
             <a:endParaRPr lang="en-AU"/>
           </a:p>
@@ -1156,7 +1159,7 @@
           <a:p>
             <a:fld id="{D933234A-431E-4522-8F11-CED50FE00763}" type="datetimeFigureOut">
               <a:rPr lang="en-AU" smtClean="0"/>
-              <a:t>12/10/2025</a:t>
+              <a:t>25/10/2025</a:t>
             </a:fld>
             <a:endParaRPr lang="en-AU"/>
           </a:p>
@@ -1424,7 +1427,7 @@
           <a:p>
             <a:fld id="{D933234A-431E-4522-8F11-CED50FE00763}" type="datetimeFigureOut">
               <a:rPr lang="en-AU" smtClean="0"/>
-              <a:t>12/10/2025</a:t>
+              <a:t>25/10/2025</a:t>
             </a:fld>
             <a:endParaRPr lang="en-AU"/>
           </a:p>
@@ -1839,7 +1842,7 @@
           <a:p>
             <a:fld id="{D933234A-431E-4522-8F11-CED50FE00763}" type="datetimeFigureOut">
               <a:rPr lang="en-AU" smtClean="0"/>
-              <a:t>12/10/2025</a:t>
+              <a:t>25/10/2025</a:t>
             </a:fld>
             <a:endParaRPr lang="en-AU"/>
           </a:p>
@@ -1981,7 +1984,7 @@
           <a:p>
             <a:fld id="{D933234A-431E-4522-8F11-CED50FE00763}" type="datetimeFigureOut">
               <a:rPr lang="en-AU" smtClean="0"/>
-              <a:t>12/10/2025</a:t>
+              <a:t>25/10/2025</a:t>
             </a:fld>
             <a:endParaRPr lang="en-AU"/>
           </a:p>
@@ -2094,7 +2097,7 @@
           <a:p>
             <a:fld id="{D933234A-431E-4522-8F11-CED50FE00763}" type="datetimeFigureOut">
               <a:rPr lang="en-AU" smtClean="0"/>
-              <a:t>12/10/2025</a:t>
+              <a:t>25/10/2025</a:t>
             </a:fld>
             <a:endParaRPr lang="en-AU"/>
           </a:p>
@@ -2407,7 +2410,7 @@
           <a:p>
             <a:fld id="{D933234A-431E-4522-8F11-CED50FE00763}" type="datetimeFigureOut">
               <a:rPr lang="en-AU" smtClean="0"/>
-              <a:t>12/10/2025</a:t>
+              <a:t>25/10/2025</a:t>
             </a:fld>
             <a:endParaRPr lang="en-AU"/>
           </a:p>
@@ -2696,7 +2699,7 @@
           <a:p>
             <a:fld id="{D933234A-431E-4522-8F11-CED50FE00763}" type="datetimeFigureOut">
               <a:rPr lang="en-AU" smtClean="0"/>
-              <a:t>12/10/2025</a:t>
+              <a:t>25/10/2025</a:t>
             </a:fld>
             <a:endParaRPr lang="en-AU"/>
           </a:p>
@@ -2939,7 +2942,7 @@
           <a:p>
             <a:fld id="{D933234A-431E-4522-8F11-CED50FE00763}" type="datetimeFigureOut">
               <a:rPr lang="en-AU" smtClean="0"/>
-              <a:t>12/10/2025</a:t>
+              <a:t>25/10/2025</a:t>
             </a:fld>
             <a:endParaRPr lang="en-AU"/>
           </a:p>
@@ -3410,34 +3413,6 @@
           <a:bodyPr/>
           <a:lstStyle/>
           <a:p>
-            <a:r>
-              <a:rPr lang="en-US" dirty="0"/>
-              <a:t>Amit Saha</a:t>
-            </a:r>
-          </a:p>
-          <a:p>
-            <a:r>
-              <a:rPr lang="en-US" dirty="0">
-                <a:hlinkClick r:id="rId2"/>
-              </a:rPr>
-              <a:t>asah0916@uni.Sydney.edu.au</a:t>
-            </a:r>
-            <a:r>
-              <a:rPr lang="en-US" dirty="0"/>
-              <a:t> </a:t>
-            </a:r>
-          </a:p>
-          <a:p>
-            <a:r>
-              <a:rPr lang="en-US" dirty="0">
-                <a:hlinkClick r:id="rId3"/>
-              </a:rPr>
-              <a:t>https://echorand.me</a:t>
-            </a:r>
-            <a:r>
-              <a:rPr lang="en-US" dirty="0"/>
-              <a:t> </a:t>
-            </a:r>
             <a:endParaRPr lang="en-AU" dirty="0"/>
           </a:p>
         </p:txBody>
@@ -3460,10 +3435,75 @@
   <p:cSld>
     <p:spTree>
       <p:nvGrpSpPr>
+        <p:cNvPr id="1" name=""/>
+        <p:cNvGrpSpPr/>
+        <p:nvPr/>
+      </p:nvGrpSpPr>
+      <p:grpSpPr>
+        <a:xfrm>
+          <a:off x="0" y="0"/>
+          <a:ext cx="0" cy="0"/>
+          <a:chOff x="0" y="0"/>
+          <a:chExt cx="0" cy="0"/>
+        </a:xfrm>
+      </p:grpSpPr>
+      <p:sp>
+        <p:nvSpPr>
+          <p:cNvPr id="3" name="TextBox 2">
+            <a:extLst>
+              <a:ext uri="{FF2B5EF4-FFF2-40B4-BE49-F238E27FC236}">
+                <a16:creationId xmlns:a16="http://schemas.microsoft.com/office/drawing/2014/main" id="{E768AB6B-972C-9BC5-D5FE-536F655FE47A}"/>
+              </a:ext>
+            </a:extLst>
+          </p:cNvPr>
+          <p:cNvSpPr txBox="1"/>
+          <p:nvPr/>
+        </p:nvSpPr>
+        <p:spPr>
+          <a:xfrm>
+            <a:off x="2250040" y="3328827"/>
+            <a:ext cx="1744388" cy="769441"/>
+          </a:xfrm>
+          <a:prstGeom prst="rect">
+            <a:avLst/>
+          </a:prstGeom>
+          <a:noFill/>
+        </p:spPr>
+        <p:txBody>
+          <a:bodyPr wrap="none" rtlCol="0">
+            <a:spAutoFit/>
+          </a:bodyPr>
+          <a:lstStyle/>
+          <a:p>
+            <a:r>
+              <a:rPr lang="en-AU" sz="4400" dirty="0"/>
+              <a:t>DEMO</a:t>
+            </a:r>
+          </a:p>
+        </p:txBody>
+      </p:sp>
+    </p:spTree>
+    <p:extLst>
+      <p:ext uri="{BB962C8B-B14F-4D97-AF65-F5344CB8AC3E}">
+        <p14:creationId xmlns:p14="http://schemas.microsoft.com/office/powerpoint/2010/main" val="4069189448"/>
+      </p:ext>
+    </p:extLst>
+  </p:cSld>
+  <p:clrMapOvr>
+    <a:masterClrMapping/>
+  </p:clrMapOvr>
+</p:sld>
+</file>
+
+<file path=ppt/slides/slide11.xml><?xml version="1.0" encoding="utf-8"?>
+<p:sld xmlns:a="http://schemas.openxmlformats.org/drawingml/2006/main" xmlns:r="http://schemas.openxmlformats.org/officeDocument/2006/relationships" xmlns:p="http://schemas.openxmlformats.org/presentationml/2006/main">
+  <p:cSld>
+    <p:spTree>
+      <p:nvGrpSpPr>
         <p:cNvPr id="1" name="">
           <a:extLst>
             <a:ext uri="{FF2B5EF4-FFF2-40B4-BE49-F238E27FC236}">
-              <a16:creationId xmlns:a16="http://schemas.microsoft.com/office/drawing/2014/main" id="{29A2FD24-1F4E-BF8A-FF3B-64888CA91CD9}"/>
+              <a16:creationId xmlns:a16="http://schemas.microsoft.com/office/drawing/2014/main" id="{AAB0BCF9-776E-423F-6FEB-4D7D365045B1}"/>
             </a:ext>
           </a:extLst>
         </p:cNvPr>
@@ -3483,7 +3523,7 @@
           <p:cNvPr id="2" name="Title 1">
             <a:extLst>
               <a:ext uri="{FF2B5EF4-FFF2-40B4-BE49-F238E27FC236}">
-                <a16:creationId xmlns:a16="http://schemas.microsoft.com/office/drawing/2014/main" id="{37882D76-4AC8-BBDB-99AE-D117F803CAA4}"/>
+                <a16:creationId xmlns:a16="http://schemas.microsoft.com/office/drawing/2014/main" id="{86123EB3-5EB4-B0C0-50FA-A3FB49CEB7A4}"/>
               </a:ext>
             </a:extLst>
           </p:cNvPr>
@@ -3507,10 +3547,223 @@
           </a:p>
         </p:txBody>
       </p:sp>
+      <p:pic>
+        <p:nvPicPr>
+          <p:cNvPr id="4" name="Picture 3" descr="A computer screen with colorful text&#10;&#10;AI-generated content may be incorrect.">
+            <a:extLst>
+              <a:ext uri="{FF2B5EF4-FFF2-40B4-BE49-F238E27FC236}">
+                <a16:creationId xmlns:a16="http://schemas.microsoft.com/office/drawing/2014/main" id="{7C93068E-C6EE-31B4-8836-C68A3FA02B63}"/>
+              </a:ext>
+            </a:extLst>
+          </p:cNvPr>
+          <p:cNvPicPr>
+            <a:picLocks noChangeAspect="1"/>
+          </p:cNvPicPr>
+          <p:nvPr/>
+        </p:nvPicPr>
+        <p:blipFill>
+          <a:blip r:embed="rId2">
+            <a:extLst>
+              <a:ext uri="{28A0092B-C50C-407E-A947-70E740481C1C}">
+                <a14:useLocalDpi xmlns:a14="http://schemas.microsoft.com/office/drawing/2010/main" val="0"/>
+              </a:ext>
+            </a:extLst>
+          </a:blip>
+          <a:stretch>
+            <a:fillRect/>
+          </a:stretch>
+        </p:blipFill>
+        <p:spPr>
+          <a:xfrm>
+            <a:off x="268614" y="1939247"/>
+            <a:ext cx="11654771" cy="2979505"/>
+          </a:xfrm>
+          <a:prstGeom prst="rect">
+            <a:avLst/>
+          </a:prstGeom>
+        </p:spPr>
+      </p:pic>
     </p:spTree>
     <p:extLst>
       <p:ext uri="{BB962C8B-B14F-4D97-AF65-F5344CB8AC3E}">
-        <p14:creationId xmlns:p14="http://schemas.microsoft.com/office/powerpoint/2010/main" val="1224710799"/>
+        <p14:creationId xmlns:p14="http://schemas.microsoft.com/office/powerpoint/2010/main" val="3890150911"/>
+      </p:ext>
+    </p:extLst>
+  </p:cSld>
+  <p:clrMapOvr>
+    <a:masterClrMapping/>
+  </p:clrMapOvr>
+</p:sld>
+</file>
+
+<file path=ppt/slides/slide12.xml><?xml version="1.0" encoding="utf-8"?>
+<p:sld xmlns:a="http://schemas.openxmlformats.org/drawingml/2006/main" xmlns:r="http://schemas.openxmlformats.org/officeDocument/2006/relationships" xmlns:p="http://schemas.openxmlformats.org/presentationml/2006/main">
+  <p:cSld>
+    <p:spTree>
+      <p:nvGrpSpPr>
+        <p:cNvPr id="1" name="">
+          <a:extLst>
+            <a:ext uri="{FF2B5EF4-FFF2-40B4-BE49-F238E27FC236}">
+              <a16:creationId xmlns:a16="http://schemas.microsoft.com/office/drawing/2014/main" id="{70B3060A-2F7D-29AF-2EE2-24512A68BE39}"/>
+            </a:ext>
+          </a:extLst>
+        </p:cNvPr>
+        <p:cNvGrpSpPr/>
+        <p:nvPr/>
+      </p:nvGrpSpPr>
+      <p:grpSpPr>
+        <a:xfrm>
+          <a:off x="0" y="0"/>
+          <a:ext cx="0" cy="0"/>
+          <a:chOff x="0" y="0"/>
+          <a:chExt cx="0" cy="0"/>
+        </a:xfrm>
+      </p:grpSpPr>
+      <p:sp>
+        <p:nvSpPr>
+          <p:cNvPr id="2" name="Title 1">
+            <a:extLst>
+              <a:ext uri="{FF2B5EF4-FFF2-40B4-BE49-F238E27FC236}">
+                <a16:creationId xmlns:a16="http://schemas.microsoft.com/office/drawing/2014/main" id="{271D776A-82D3-9FF0-2DEE-2B2BAF80AA96}"/>
+              </a:ext>
+            </a:extLst>
+          </p:cNvPr>
+          <p:cNvSpPr>
+            <a:spLocks noGrp="1"/>
+          </p:cNvSpPr>
+          <p:nvPr>
+            <p:ph type="title"/>
+          </p:nvPr>
+        </p:nvSpPr>
+        <p:spPr>
+          <a:xfrm>
+            <a:off x="119009" y="-57498"/>
+            <a:ext cx="10515600" cy="1325563"/>
+          </a:xfrm>
+        </p:spPr>
+        <p:txBody>
+          <a:bodyPr/>
+          <a:lstStyle/>
+          <a:p>
+            <a:r>
+              <a:rPr lang="en-US" dirty="0"/>
+              <a:t>Study definition – multi objective</a:t>
+            </a:r>
+            <a:endParaRPr lang="en-AU" dirty="0"/>
+          </a:p>
+        </p:txBody>
+      </p:sp>
+      <p:pic>
+        <p:nvPicPr>
+          <p:cNvPr id="4" name="Picture 3" descr="A screen shot of a computer program&#10;&#10;AI-generated content may be incorrect.">
+            <a:extLst>
+              <a:ext uri="{FF2B5EF4-FFF2-40B4-BE49-F238E27FC236}">
+                <a16:creationId xmlns:a16="http://schemas.microsoft.com/office/drawing/2014/main" id="{AFC2BA6C-9F02-A58B-7AA9-6BA04590ABB8}"/>
+              </a:ext>
+            </a:extLst>
+          </p:cNvPr>
+          <p:cNvPicPr>
+            <a:picLocks noChangeAspect="1"/>
+          </p:cNvPicPr>
+          <p:nvPr/>
+        </p:nvPicPr>
+        <p:blipFill>
+          <a:blip r:embed="rId2">
+            <a:extLst>
+              <a:ext uri="{28A0092B-C50C-407E-A947-70E740481C1C}">
+                <a14:useLocalDpi xmlns:a14="http://schemas.microsoft.com/office/drawing/2010/main" val="0"/>
+              </a:ext>
+            </a:extLst>
+          </a:blip>
+          <a:stretch>
+            <a:fillRect/>
+          </a:stretch>
+        </p:blipFill>
+        <p:spPr>
+          <a:xfrm>
+            <a:off x="554804" y="1442726"/>
+            <a:ext cx="10515600" cy="5141534"/>
+          </a:xfrm>
+          <a:prstGeom prst="rect">
+            <a:avLst/>
+          </a:prstGeom>
+        </p:spPr>
+      </p:pic>
+    </p:spTree>
+    <p:extLst>
+      <p:ext uri="{BB962C8B-B14F-4D97-AF65-F5344CB8AC3E}">
+        <p14:creationId xmlns:p14="http://schemas.microsoft.com/office/powerpoint/2010/main" val="1834462976"/>
+      </p:ext>
+    </p:extLst>
+  </p:cSld>
+  <p:clrMapOvr>
+    <a:masterClrMapping/>
+  </p:clrMapOvr>
+</p:sld>
+</file>
+
+<file path=ppt/slides/slide13.xml><?xml version="1.0" encoding="utf-8"?>
+<p:sld xmlns:a="http://schemas.openxmlformats.org/drawingml/2006/main" xmlns:r="http://schemas.openxmlformats.org/officeDocument/2006/relationships" xmlns:p="http://schemas.openxmlformats.org/presentationml/2006/main">
+  <p:cSld>
+    <p:spTree>
+      <p:nvGrpSpPr>
+        <p:cNvPr id="1" name="">
+          <a:extLst>
+            <a:ext uri="{FF2B5EF4-FFF2-40B4-BE49-F238E27FC236}">
+              <a16:creationId xmlns:a16="http://schemas.microsoft.com/office/drawing/2014/main" id="{FE1358B8-4B08-1DFB-6E20-36B5DA8ADBB0}"/>
+            </a:ext>
+          </a:extLst>
+        </p:cNvPr>
+        <p:cNvGrpSpPr/>
+        <p:nvPr/>
+      </p:nvGrpSpPr>
+      <p:grpSpPr>
+        <a:xfrm>
+          <a:off x="0" y="0"/>
+          <a:ext cx="0" cy="0"/>
+          <a:chOff x="0" y="0"/>
+          <a:chExt cx="0" cy="0"/>
+        </a:xfrm>
+      </p:grpSpPr>
+      <p:sp>
+        <p:nvSpPr>
+          <p:cNvPr id="3" name="TextBox 2">
+            <a:extLst>
+              <a:ext uri="{FF2B5EF4-FFF2-40B4-BE49-F238E27FC236}">
+                <a16:creationId xmlns:a16="http://schemas.microsoft.com/office/drawing/2014/main" id="{2F055C59-3092-ADAB-4562-A0BB4DC3EEF3}"/>
+              </a:ext>
+            </a:extLst>
+          </p:cNvPr>
+          <p:cNvSpPr txBox="1"/>
+          <p:nvPr/>
+        </p:nvSpPr>
+        <p:spPr>
+          <a:xfrm>
+            <a:off x="2250040" y="3328827"/>
+            <a:ext cx="1744388" cy="769441"/>
+          </a:xfrm>
+          <a:prstGeom prst="rect">
+            <a:avLst/>
+          </a:prstGeom>
+          <a:noFill/>
+        </p:spPr>
+        <p:txBody>
+          <a:bodyPr wrap="none" rtlCol="0">
+            <a:spAutoFit/>
+          </a:bodyPr>
+          <a:lstStyle/>
+          <a:p>
+            <a:r>
+              <a:rPr lang="en-AU" sz="4400" dirty="0"/>
+              <a:t>DEMO</a:t>
+            </a:r>
+          </a:p>
+        </p:txBody>
+      </p:sp>
+    </p:spTree>
+    <p:extLst>
+      <p:ext uri="{BB962C8B-B14F-4D97-AF65-F5344CB8AC3E}">
+        <p14:creationId xmlns:p14="http://schemas.microsoft.com/office/powerpoint/2010/main" val="662839923"/>
       </p:ext>
     </p:extLst>
   </p:cSld>
@@ -3704,8 +3957,16 @@
           </a:p>
           <a:p>
             <a:r>
+              <a:rPr lang="en-US" u="sng" dirty="0"/>
+              <a:t>Study</a:t>
+            </a:r>
+            <a:r>
               <a:rPr lang="en-US" dirty="0"/>
-              <a:t>Study – set up range of the parameters, which sampling (optimization algorithm) algorithm to use, and whether to maximize or minimize objectives</a:t>
+              <a:t> – set up range of the parameters, which sampling (optimization algorithm) algorithm to use, and whether to maximize or minimize </a:t>
+            </a:r>
+            <a:r>
+              <a:rPr lang="en-US" u="sng" dirty="0"/>
+              <a:t>objectives</a:t>
             </a:r>
           </a:p>
           <a:p>
@@ -3713,8 +3974,12 @@
           </a:p>
           <a:p>
             <a:r>
+              <a:rPr lang="en-US" u="sng" dirty="0"/>
+              <a:t>Trial</a:t>
+            </a:r>
+            <a:r>
               <a:rPr lang="en-US" dirty="0"/>
-              <a:t>Trial – a single run of the ML algorithm + the parameters chosen from the study configuration</a:t>
+              <a:t> – a single run of the ML algorithm + the parameters chosen from the study configuration</a:t>
             </a:r>
             <a:endParaRPr lang="en-AU" dirty="0"/>
           </a:p>
@@ -3738,7 +4003,13 @@
   <p:cSld>
     <p:spTree>
       <p:nvGrpSpPr>
-        <p:cNvPr id="1" name=""/>
+        <p:cNvPr id="1" name="">
+          <a:extLst>
+            <a:ext uri="{FF2B5EF4-FFF2-40B4-BE49-F238E27FC236}">
+              <a16:creationId xmlns:a16="http://schemas.microsoft.com/office/drawing/2014/main" id="{0074287A-FEB6-D5B3-7A99-7A7156429718}"/>
+            </a:ext>
+          </a:extLst>
+        </p:cNvPr>
         <p:cNvGrpSpPr/>
         <p:nvPr/>
       </p:nvGrpSpPr>
@@ -3755,15 +4026,15 @@
           <p:cNvPr id="2" name="Title 1">
             <a:extLst>
               <a:ext uri="{FF2B5EF4-FFF2-40B4-BE49-F238E27FC236}">
-                <a16:creationId xmlns:a16="http://schemas.microsoft.com/office/drawing/2014/main" id="{EBD34836-5F3C-3015-6B2D-7A151B27624C}"/>
-              </a:ext>
-            </a:extLst>
-          </p:cNvPr>
-          <p:cNvSpPr>
-            <a:spLocks noGrp="1"/>
-          </p:cNvSpPr>
-          <p:nvPr>
-            <p:ph type="ctrTitle"/>
+                <a16:creationId xmlns:a16="http://schemas.microsoft.com/office/drawing/2014/main" id="{FB9B1D6A-4015-A580-7750-79DE1F95987C}"/>
+              </a:ext>
+            </a:extLst>
+          </p:cNvPr>
+          <p:cNvSpPr>
+            <a:spLocks noGrp="1"/>
+          </p:cNvSpPr>
+          <p:nvPr>
+            <p:ph type="title"/>
           </p:nvPr>
         </p:nvSpPr>
         <p:spPr/>
@@ -3773,7 +4044,7 @@
           <a:p>
             <a:r>
               <a:rPr lang="en-US" dirty="0"/>
-              <a:t>Demos</a:t>
+              <a:t>Today’s demo</a:t>
             </a:r>
             <a:endParaRPr lang="en-AU" dirty="0"/>
           </a:p>
@@ -3781,41 +4052,49 @@
       </p:sp>
       <p:sp>
         <p:nvSpPr>
-          <p:cNvPr id="3" name="Subtitle 2">
-            <a:extLst>
-              <a:ext uri="{FF2B5EF4-FFF2-40B4-BE49-F238E27FC236}">
-                <a16:creationId xmlns:a16="http://schemas.microsoft.com/office/drawing/2014/main" id="{49F0DF3B-FD5D-3DFF-00BF-D38CB47C3C2F}"/>
-              </a:ext>
-            </a:extLst>
-          </p:cNvPr>
-          <p:cNvSpPr>
-            <a:spLocks noGrp="1"/>
-          </p:cNvSpPr>
-          <p:nvPr>
-            <p:ph type="subTitle" idx="1"/>
-          </p:nvPr>
-        </p:nvSpPr>
-        <p:spPr/>
-        <p:txBody>
-          <a:bodyPr/>
-          <a:lstStyle/>
-          <a:p>
-            <a:r>
-              <a:rPr lang="en-US" dirty="0" err="1"/>
+          <p:cNvPr id="3" name="Content Placeholder 2">
+            <a:extLst>
+              <a:ext uri="{FF2B5EF4-FFF2-40B4-BE49-F238E27FC236}">
+                <a16:creationId xmlns:a16="http://schemas.microsoft.com/office/drawing/2014/main" id="{F2A523F7-69CC-B6E7-1744-C7691AAB65D0}"/>
+              </a:ext>
+            </a:extLst>
+          </p:cNvPr>
+          <p:cNvSpPr>
+            <a:spLocks noGrp="1"/>
+          </p:cNvSpPr>
+          <p:nvPr>
+            <p:ph idx="1"/>
+          </p:nvPr>
+        </p:nvSpPr>
+        <p:spPr/>
+        <p:txBody>
+          <a:bodyPr/>
+          <a:lstStyle/>
+          <a:p>
+            <a:r>
+              <a:rPr lang="en-AU" dirty="0" err="1"/>
               <a:t>Xgboost</a:t>
             </a:r>
             <a:r>
-              <a:rPr lang="en-US" dirty="0"/>
-              <a:t> + UCI adult dataset</a:t>
-            </a:r>
+              <a:rPr lang="en-AU" dirty="0"/>
+              <a:t> as the ML algorithm</a:t>
+            </a:r>
+          </a:p>
+          <a:p>
             <a:endParaRPr lang="en-AU" dirty="0"/>
+          </a:p>
+          <a:p>
+            <a:r>
+              <a:rPr lang="en-AU" dirty="0"/>
+              <a:t>UCI adult dataset</a:t>
+            </a:r>
           </a:p>
         </p:txBody>
       </p:sp>
     </p:spTree>
     <p:extLst>
       <p:ext uri="{BB962C8B-B14F-4D97-AF65-F5344CB8AC3E}">
-        <p14:creationId xmlns:p14="http://schemas.microsoft.com/office/powerpoint/2010/main" val="3742219349"/>
+        <p14:creationId xmlns:p14="http://schemas.microsoft.com/office/powerpoint/2010/main" val="1977406335"/>
       </p:ext>
     </p:extLst>
   </p:cSld>
@@ -3826,6 +4105,95 @@
 </file>
 
 <file path=ppt/slides/slide5.xml><?xml version="1.0" encoding="utf-8"?>
+<p:sld xmlns:a="http://schemas.openxmlformats.org/drawingml/2006/main" xmlns:r="http://schemas.openxmlformats.org/officeDocument/2006/relationships" xmlns:p="http://schemas.openxmlformats.org/presentationml/2006/main">
+  <p:cSld>
+    <p:spTree>
+      <p:nvGrpSpPr>
+        <p:cNvPr id="1" name="">
+          <a:extLst>
+            <a:ext uri="{FF2B5EF4-FFF2-40B4-BE49-F238E27FC236}">
+              <a16:creationId xmlns:a16="http://schemas.microsoft.com/office/drawing/2014/main" id="{28DC40B3-A447-B00C-9825-634DC01DBDC5}"/>
+            </a:ext>
+          </a:extLst>
+        </p:cNvPr>
+        <p:cNvGrpSpPr/>
+        <p:nvPr/>
+      </p:nvGrpSpPr>
+      <p:grpSpPr>
+        <a:xfrm>
+          <a:off x="0" y="0"/>
+          <a:ext cx="0" cy="0"/>
+          <a:chOff x="0" y="0"/>
+          <a:chExt cx="0" cy="0"/>
+        </a:xfrm>
+      </p:grpSpPr>
+      <p:sp>
+        <p:nvSpPr>
+          <p:cNvPr id="2" name="Title 1">
+            <a:extLst>
+              <a:ext uri="{FF2B5EF4-FFF2-40B4-BE49-F238E27FC236}">
+                <a16:creationId xmlns:a16="http://schemas.microsoft.com/office/drawing/2014/main" id="{F88650E7-9C82-1FCC-3E75-7AE39F8F978D}"/>
+              </a:ext>
+            </a:extLst>
+          </p:cNvPr>
+          <p:cNvSpPr>
+            <a:spLocks noGrp="1"/>
+          </p:cNvSpPr>
+          <p:nvPr>
+            <p:ph type="title"/>
+          </p:nvPr>
+        </p:nvSpPr>
+        <p:spPr/>
+        <p:txBody>
+          <a:bodyPr/>
+          <a:lstStyle/>
+          <a:p>
+            <a:r>
+              <a:rPr lang="en-AU" dirty="0"/>
+              <a:t>UCI adult dataset</a:t>
+            </a:r>
+          </a:p>
+        </p:txBody>
+      </p:sp>
+      <p:sp>
+        <p:nvSpPr>
+          <p:cNvPr id="4" name="Content Placeholder 3">
+            <a:extLst>
+              <a:ext uri="{FF2B5EF4-FFF2-40B4-BE49-F238E27FC236}">
+                <a16:creationId xmlns:a16="http://schemas.microsoft.com/office/drawing/2014/main" id="{204C816E-FDCA-8248-2870-FB6904A08359}"/>
+              </a:ext>
+            </a:extLst>
+          </p:cNvPr>
+          <p:cNvSpPr>
+            <a:spLocks noGrp="1"/>
+          </p:cNvSpPr>
+          <p:nvPr>
+            <p:ph idx="1"/>
+          </p:nvPr>
+        </p:nvSpPr>
+        <p:spPr/>
+        <p:txBody>
+          <a:bodyPr/>
+          <a:lstStyle/>
+          <a:p>
+            <a:endParaRPr lang="en-AU"/>
+          </a:p>
+        </p:txBody>
+      </p:sp>
+    </p:spTree>
+    <p:extLst>
+      <p:ext uri="{BB962C8B-B14F-4D97-AF65-F5344CB8AC3E}">
+        <p14:creationId xmlns:p14="http://schemas.microsoft.com/office/powerpoint/2010/main" val="4250730261"/>
+      </p:ext>
+    </p:extLst>
+  </p:cSld>
+  <p:clrMapOvr>
+    <a:masterClrMapping/>
+  </p:clrMapOvr>
+</p:sld>
+</file>
+
+<file path=ppt/slides/slide6.xml><?xml version="1.0" encoding="utf-8"?>
 <p:sld xmlns:a="http://schemas.openxmlformats.org/drawingml/2006/main" xmlns:r="http://schemas.openxmlformats.org/officeDocument/2006/relationships" xmlns:p="http://schemas.openxmlformats.org/presentationml/2006/main">
   <p:cSld>
     <p:spTree>
@@ -3916,7 +4284,7 @@
 </p:sld>
 </file>
 
-<file path=ppt/slides/slide6.xml><?xml version="1.0" encoding="utf-8"?>
+<file path=ppt/slides/slide7.xml><?xml version="1.0" encoding="utf-8"?>
 <p:sld xmlns:a="http://schemas.openxmlformats.org/drawingml/2006/main" xmlns:r="http://schemas.openxmlformats.org/officeDocument/2006/relationships" xmlns:p="http://schemas.openxmlformats.org/presentationml/2006/main">
   <p:cSld>
     <p:spTree>
@@ -3938,7 +4306,7 @@
           <p:cNvPr id="2" name="Title 1">
             <a:extLst>
               <a:ext uri="{FF2B5EF4-FFF2-40B4-BE49-F238E27FC236}">
-                <a16:creationId xmlns:a16="http://schemas.microsoft.com/office/drawing/2014/main" id="{816E70AC-98CB-0333-F8F1-206CCBF01D66}"/>
+                <a16:creationId xmlns:a16="http://schemas.microsoft.com/office/drawing/2014/main" id="{2625DF89-B9C1-3858-1D6E-23AE73371E5F}"/>
               </a:ext>
             </a:extLst>
           </p:cNvPr>
@@ -3955,8 +4323,8 @@
           <a:lstStyle/>
           <a:p>
             <a:r>
-              <a:rPr lang="en-US" dirty="0"/>
-              <a:t>Creating a study</a:t>
+              <a:rPr lang="en-AU" dirty="0" err="1"/>
+              <a:t>xgboost</a:t>
             </a:r>
             <a:endParaRPr lang="en-AU" dirty="0"/>
           </a:p>
@@ -3964,779 +4332,48 @@
       </p:sp>
       <p:sp>
         <p:nvSpPr>
-          <p:cNvPr id="3" name="TextBox 2">
-            <a:extLst>
-              <a:ext uri="{FF2B5EF4-FFF2-40B4-BE49-F238E27FC236}">
-                <a16:creationId xmlns:a16="http://schemas.microsoft.com/office/drawing/2014/main" id="{C2597BA2-E978-3DCF-2211-18B826BF852B}"/>
-              </a:ext>
-            </a:extLst>
-          </p:cNvPr>
-          <p:cNvSpPr txBox="1"/>
-          <p:nvPr/>
-        </p:nvSpPr>
-        <p:spPr>
-          <a:xfrm>
-            <a:off x="1818525" y="1690688"/>
-            <a:ext cx="8979613" cy="3785652"/>
-          </a:xfrm>
-          <a:prstGeom prst="rect">
-            <a:avLst/>
-          </a:prstGeom>
-          <a:noFill/>
-        </p:spPr>
-        <p:txBody>
-          <a:bodyPr wrap="square" rtlCol="0">
-            <a:spAutoFit/>
-          </a:bodyPr>
-          <a:lstStyle/>
-          <a:p>
-            <a:r>
-              <a:rPr lang="en-AU" sz="2000" dirty="0">
-                <a:latin typeface="Cascadia Mono" panose="020B0609020000020004" pitchFamily="49" charset="0"/>
-                <a:ea typeface="Cascadia Mono" panose="020B0609020000020004" pitchFamily="49" charset="0"/>
-                <a:cs typeface="Cascadia Mono" panose="020B0609020000020004" pitchFamily="49" charset="0"/>
-              </a:rPr>
-              <a:t>def </a:t>
-            </a:r>
-            <a:r>
-              <a:rPr lang="en-AU" sz="2000" dirty="0" err="1">
-                <a:latin typeface="Cascadia Mono" panose="020B0609020000020004" pitchFamily="49" charset="0"/>
-                <a:ea typeface="Cascadia Mono" panose="020B0609020000020004" pitchFamily="49" charset="0"/>
-                <a:cs typeface="Cascadia Mono" panose="020B0609020000020004" pitchFamily="49" charset="0"/>
-              </a:rPr>
-              <a:t>create_study</a:t>
-            </a:r>
-            <a:r>
-              <a:rPr lang="en-AU" sz="2000" dirty="0">
-                <a:latin typeface="Cascadia Mono" panose="020B0609020000020004" pitchFamily="49" charset="0"/>
-                <a:ea typeface="Cascadia Mono" panose="020B0609020000020004" pitchFamily="49" charset="0"/>
-                <a:cs typeface="Cascadia Mono" panose="020B0609020000020004" pitchFamily="49" charset="0"/>
-              </a:rPr>
-              <a:t>(</a:t>
-            </a:r>
-          </a:p>
-          <a:p>
-            <a:r>
-              <a:rPr lang="en-AU" sz="2000" dirty="0">
-                <a:latin typeface="Cascadia Mono" panose="020B0609020000020004" pitchFamily="49" charset="0"/>
-                <a:ea typeface="Cascadia Mono" panose="020B0609020000020004" pitchFamily="49" charset="0"/>
-                <a:cs typeface="Cascadia Mono" panose="020B0609020000020004" pitchFamily="49" charset="0"/>
-              </a:rPr>
-              <a:t>    *,</a:t>
-            </a:r>
-          </a:p>
-          <a:p>
-            <a:r>
-              <a:rPr lang="en-AU" sz="2000" dirty="0">
-                <a:latin typeface="Cascadia Mono" panose="020B0609020000020004" pitchFamily="49" charset="0"/>
-                <a:ea typeface="Cascadia Mono" panose="020B0609020000020004" pitchFamily="49" charset="0"/>
-                <a:cs typeface="Cascadia Mono" panose="020B0609020000020004" pitchFamily="49" charset="0"/>
-              </a:rPr>
-              <a:t>    </a:t>
-            </a:r>
-            <a:r>
-              <a:rPr lang="en-AU" sz="2000" dirty="0">
-                <a:solidFill>
-                  <a:schemeClr val="bg2"/>
-                </a:solidFill>
-                <a:latin typeface="Cascadia Mono" panose="020B0609020000020004" pitchFamily="49" charset="0"/>
-                <a:ea typeface="Cascadia Mono" panose="020B0609020000020004" pitchFamily="49" charset="0"/>
-                <a:cs typeface="Cascadia Mono" panose="020B0609020000020004" pitchFamily="49" charset="0"/>
-              </a:rPr>
-              <a:t>storage: str | </a:t>
-            </a:r>
-            <a:r>
-              <a:rPr lang="en-AU" sz="2000" dirty="0" err="1">
-                <a:solidFill>
-                  <a:schemeClr val="bg2"/>
-                </a:solidFill>
-                <a:latin typeface="Cascadia Mono" panose="020B0609020000020004" pitchFamily="49" charset="0"/>
-                <a:ea typeface="Cascadia Mono" panose="020B0609020000020004" pitchFamily="49" charset="0"/>
-                <a:cs typeface="Cascadia Mono" panose="020B0609020000020004" pitchFamily="49" charset="0"/>
-              </a:rPr>
-              <a:t>storages.BaseStorage</a:t>
-            </a:r>
-            <a:r>
-              <a:rPr lang="en-AU" sz="2000" dirty="0">
-                <a:solidFill>
-                  <a:schemeClr val="bg2"/>
-                </a:solidFill>
-                <a:latin typeface="Cascadia Mono" panose="020B0609020000020004" pitchFamily="49" charset="0"/>
-                <a:ea typeface="Cascadia Mono" panose="020B0609020000020004" pitchFamily="49" charset="0"/>
-                <a:cs typeface="Cascadia Mono" panose="020B0609020000020004" pitchFamily="49" charset="0"/>
-              </a:rPr>
-              <a:t> | None = None,</a:t>
-            </a:r>
-          </a:p>
-          <a:p>
-            <a:r>
-              <a:rPr lang="en-AU" sz="2000" dirty="0">
-                <a:latin typeface="Cascadia Mono" panose="020B0609020000020004" pitchFamily="49" charset="0"/>
-                <a:ea typeface="Cascadia Mono" panose="020B0609020000020004" pitchFamily="49" charset="0"/>
-                <a:cs typeface="Cascadia Mono" panose="020B0609020000020004" pitchFamily="49" charset="0"/>
-              </a:rPr>
-              <a:t>    </a:t>
-            </a:r>
-            <a:r>
-              <a:rPr lang="en-AU" sz="2000" b="1" u="sng" dirty="0">
-                <a:latin typeface="Cascadia Mono" panose="020B0609020000020004" pitchFamily="49" charset="0"/>
-                <a:ea typeface="Cascadia Mono" panose="020B0609020000020004" pitchFamily="49" charset="0"/>
-                <a:cs typeface="Cascadia Mono" panose="020B0609020000020004" pitchFamily="49" charset="0"/>
-              </a:rPr>
-              <a:t>sampler</a:t>
-            </a:r>
-            <a:r>
-              <a:rPr lang="en-AU" sz="2000" u="sng" dirty="0">
-                <a:latin typeface="Cascadia Mono" panose="020B0609020000020004" pitchFamily="49" charset="0"/>
-                <a:ea typeface="Cascadia Mono" panose="020B0609020000020004" pitchFamily="49" charset="0"/>
-                <a:cs typeface="Cascadia Mono" panose="020B0609020000020004" pitchFamily="49" charset="0"/>
-              </a:rPr>
-              <a:t>: "</a:t>
-            </a:r>
-            <a:r>
-              <a:rPr lang="en-AU" sz="2000" u="sng" dirty="0" err="1">
-                <a:latin typeface="Cascadia Mono" panose="020B0609020000020004" pitchFamily="49" charset="0"/>
-                <a:ea typeface="Cascadia Mono" panose="020B0609020000020004" pitchFamily="49" charset="0"/>
-                <a:cs typeface="Cascadia Mono" panose="020B0609020000020004" pitchFamily="49" charset="0"/>
-              </a:rPr>
-              <a:t>samplers.BaseSampler</a:t>
-            </a:r>
-            <a:r>
-              <a:rPr lang="en-AU" sz="2000" u="sng" dirty="0">
-                <a:latin typeface="Cascadia Mono" panose="020B0609020000020004" pitchFamily="49" charset="0"/>
-                <a:ea typeface="Cascadia Mono" panose="020B0609020000020004" pitchFamily="49" charset="0"/>
-                <a:cs typeface="Cascadia Mono" panose="020B0609020000020004" pitchFamily="49" charset="0"/>
-              </a:rPr>
-              <a:t>" | None = None,</a:t>
-            </a:r>
-          </a:p>
-          <a:p>
-            <a:r>
-              <a:rPr lang="en-AU" sz="2000" dirty="0">
-                <a:latin typeface="Cascadia Mono" panose="020B0609020000020004" pitchFamily="49" charset="0"/>
-                <a:ea typeface="Cascadia Mono" panose="020B0609020000020004" pitchFamily="49" charset="0"/>
-                <a:cs typeface="Cascadia Mono" panose="020B0609020000020004" pitchFamily="49" charset="0"/>
-              </a:rPr>
-              <a:t>    </a:t>
-            </a:r>
-            <a:r>
-              <a:rPr lang="en-AU" sz="2000" dirty="0">
-                <a:solidFill>
-                  <a:schemeClr val="bg2"/>
-                </a:solidFill>
-                <a:latin typeface="Cascadia Mono" panose="020B0609020000020004" pitchFamily="49" charset="0"/>
-                <a:ea typeface="Cascadia Mono" panose="020B0609020000020004" pitchFamily="49" charset="0"/>
-                <a:cs typeface="Cascadia Mono" panose="020B0609020000020004" pitchFamily="49" charset="0"/>
-              </a:rPr>
-              <a:t>pruner: </a:t>
-            </a:r>
-            <a:r>
-              <a:rPr lang="en-AU" sz="2000" dirty="0" err="1">
-                <a:solidFill>
-                  <a:schemeClr val="bg2"/>
-                </a:solidFill>
-                <a:latin typeface="Cascadia Mono" panose="020B0609020000020004" pitchFamily="49" charset="0"/>
-                <a:ea typeface="Cascadia Mono" panose="020B0609020000020004" pitchFamily="49" charset="0"/>
-                <a:cs typeface="Cascadia Mono" panose="020B0609020000020004" pitchFamily="49" charset="0"/>
-              </a:rPr>
-              <a:t>pruners.BasePruner</a:t>
-            </a:r>
-            <a:r>
-              <a:rPr lang="en-AU" sz="2000" dirty="0">
-                <a:solidFill>
-                  <a:schemeClr val="bg2"/>
-                </a:solidFill>
-                <a:latin typeface="Cascadia Mono" panose="020B0609020000020004" pitchFamily="49" charset="0"/>
-                <a:ea typeface="Cascadia Mono" panose="020B0609020000020004" pitchFamily="49" charset="0"/>
-                <a:cs typeface="Cascadia Mono" panose="020B0609020000020004" pitchFamily="49" charset="0"/>
-              </a:rPr>
-              <a:t> | None = None,</a:t>
-            </a:r>
-          </a:p>
-          <a:p>
-            <a:r>
-              <a:rPr lang="en-AU" sz="2000" dirty="0">
-                <a:solidFill>
-                  <a:schemeClr val="bg2"/>
-                </a:solidFill>
-                <a:latin typeface="Cascadia Mono" panose="020B0609020000020004" pitchFamily="49" charset="0"/>
-                <a:ea typeface="Cascadia Mono" panose="020B0609020000020004" pitchFamily="49" charset="0"/>
-                <a:cs typeface="Cascadia Mono" panose="020B0609020000020004" pitchFamily="49" charset="0"/>
-              </a:rPr>
-              <a:t>    </a:t>
-            </a:r>
-            <a:r>
-              <a:rPr lang="en-AU" sz="2000" dirty="0" err="1">
-                <a:solidFill>
-                  <a:schemeClr val="bg2"/>
-                </a:solidFill>
-                <a:latin typeface="Cascadia Mono" panose="020B0609020000020004" pitchFamily="49" charset="0"/>
-                <a:ea typeface="Cascadia Mono" panose="020B0609020000020004" pitchFamily="49" charset="0"/>
-                <a:cs typeface="Cascadia Mono" panose="020B0609020000020004" pitchFamily="49" charset="0"/>
-              </a:rPr>
-              <a:t>study_name</a:t>
-            </a:r>
-            <a:r>
-              <a:rPr lang="en-AU" sz="2000" dirty="0">
-                <a:solidFill>
-                  <a:schemeClr val="bg2"/>
-                </a:solidFill>
-                <a:latin typeface="Cascadia Mono" panose="020B0609020000020004" pitchFamily="49" charset="0"/>
-                <a:ea typeface="Cascadia Mono" panose="020B0609020000020004" pitchFamily="49" charset="0"/>
-                <a:cs typeface="Cascadia Mono" panose="020B0609020000020004" pitchFamily="49" charset="0"/>
-              </a:rPr>
-              <a:t>: str | None = None,</a:t>
-            </a:r>
-          </a:p>
-          <a:p>
-            <a:r>
-              <a:rPr lang="en-AU" sz="2000" dirty="0">
-                <a:latin typeface="Cascadia Mono" panose="020B0609020000020004" pitchFamily="49" charset="0"/>
-                <a:ea typeface="Cascadia Mono" panose="020B0609020000020004" pitchFamily="49" charset="0"/>
-                <a:cs typeface="Cascadia Mono" panose="020B0609020000020004" pitchFamily="49" charset="0"/>
-              </a:rPr>
-              <a:t>    </a:t>
-            </a:r>
-            <a:r>
-              <a:rPr lang="en-AU" sz="2000" b="1" u="sng" dirty="0">
-                <a:latin typeface="Cascadia Mono" panose="020B0609020000020004" pitchFamily="49" charset="0"/>
-                <a:ea typeface="Cascadia Mono" panose="020B0609020000020004" pitchFamily="49" charset="0"/>
-                <a:cs typeface="Cascadia Mono" panose="020B0609020000020004" pitchFamily="49" charset="0"/>
-              </a:rPr>
-              <a:t>direction: str | </a:t>
-            </a:r>
-            <a:r>
-              <a:rPr lang="en-AU" sz="2000" b="1" u="sng" dirty="0" err="1">
-                <a:latin typeface="Cascadia Mono" panose="020B0609020000020004" pitchFamily="49" charset="0"/>
-                <a:ea typeface="Cascadia Mono" panose="020B0609020000020004" pitchFamily="49" charset="0"/>
-                <a:cs typeface="Cascadia Mono" panose="020B0609020000020004" pitchFamily="49" charset="0"/>
-              </a:rPr>
-              <a:t>StudyDirection</a:t>
-            </a:r>
-            <a:r>
-              <a:rPr lang="en-AU" sz="2000" b="1" u="sng" dirty="0">
-                <a:latin typeface="Cascadia Mono" panose="020B0609020000020004" pitchFamily="49" charset="0"/>
-                <a:ea typeface="Cascadia Mono" panose="020B0609020000020004" pitchFamily="49" charset="0"/>
-                <a:cs typeface="Cascadia Mono" panose="020B0609020000020004" pitchFamily="49" charset="0"/>
-              </a:rPr>
-              <a:t> | None = None,</a:t>
-            </a:r>
-          </a:p>
-          <a:p>
-            <a:r>
-              <a:rPr lang="en-AU" sz="2000" dirty="0">
-                <a:latin typeface="Cascadia Mono" panose="020B0609020000020004" pitchFamily="49" charset="0"/>
-                <a:ea typeface="Cascadia Mono" panose="020B0609020000020004" pitchFamily="49" charset="0"/>
-                <a:cs typeface="Cascadia Mono" panose="020B0609020000020004" pitchFamily="49" charset="0"/>
-              </a:rPr>
-              <a:t>    </a:t>
-            </a:r>
-            <a:r>
-              <a:rPr lang="en-AU" sz="2000" dirty="0" err="1">
-                <a:solidFill>
-                  <a:schemeClr val="bg2"/>
-                </a:solidFill>
-                <a:latin typeface="Cascadia Mono" panose="020B0609020000020004" pitchFamily="49" charset="0"/>
-                <a:ea typeface="Cascadia Mono" panose="020B0609020000020004" pitchFamily="49" charset="0"/>
-                <a:cs typeface="Cascadia Mono" panose="020B0609020000020004" pitchFamily="49" charset="0"/>
-              </a:rPr>
-              <a:t>load_if_exists</a:t>
-            </a:r>
-            <a:r>
-              <a:rPr lang="en-AU" sz="2000" dirty="0">
-                <a:solidFill>
-                  <a:schemeClr val="bg2"/>
-                </a:solidFill>
-                <a:latin typeface="Cascadia Mono" panose="020B0609020000020004" pitchFamily="49" charset="0"/>
-                <a:ea typeface="Cascadia Mono" panose="020B0609020000020004" pitchFamily="49" charset="0"/>
-                <a:cs typeface="Cascadia Mono" panose="020B0609020000020004" pitchFamily="49" charset="0"/>
-              </a:rPr>
-              <a:t>: bool = False,</a:t>
-            </a:r>
-          </a:p>
-          <a:p>
-            <a:r>
-              <a:rPr lang="en-AU" sz="2000" dirty="0">
-                <a:latin typeface="Cascadia Mono" panose="020B0609020000020004" pitchFamily="49" charset="0"/>
-                <a:ea typeface="Cascadia Mono" panose="020B0609020000020004" pitchFamily="49" charset="0"/>
-                <a:cs typeface="Cascadia Mono" panose="020B0609020000020004" pitchFamily="49" charset="0"/>
-              </a:rPr>
-              <a:t>    </a:t>
-            </a:r>
-            <a:r>
-              <a:rPr lang="en-AU" sz="2000" b="1" u="sng" dirty="0">
-                <a:latin typeface="Cascadia Mono" panose="020B0609020000020004" pitchFamily="49" charset="0"/>
-                <a:ea typeface="Cascadia Mono" panose="020B0609020000020004" pitchFamily="49" charset="0"/>
-                <a:cs typeface="Cascadia Mono" panose="020B0609020000020004" pitchFamily="49" charset="0"/>
-              </a:rPr>
-              <a:t>directions: Sequence[str | </a:t>
-            </a:r>
-            <a:r>
-              <a:rPr lang="en-AU" sz="2000" b="1" u="sng" dirty="0" err="1">
-                <a:latin typeface="Cascadia Mono" panose="020B0609020000020004" pitchFamily="49" charset="0"/>
-                <a:ea typeface="Cascadia Mono" panose="020B0609020000020004" pitchFamily="49" charset="0"/>
-                <a:cs typeface="Cascadia Mono" panose="020B0609020000020004" pitchFamily="49" charset="0"/>
-              </a:rPr>
-              <a:t>StudyDirection</a:t>
-            </a:r>
-            <a:r>
-              <a:rPr lang="en-AU" sz="2000" b="1" u="sng" dirty="0">
-                <a:latin typeface="Cascadia Mono" panose="020B0609020000020004" pitchFamily="49" charset="0"/>
-                <a:ea typeface="Cascadia Mono" panose="020B0609020000020004" pitchFamily="49" charset="0"/>
-                <a:cs typeface="Cascadia Mono" panose="020B0609020000020004" pitchFamily="49" charset="0"/>
-              </a:rPr>
-              <a:t>] | None = None</a:t>
-            </a:r>
-            <a:r>
-              <a:rPr lang="en-AU" sz="2000" dirty="0">
-                <a:latin typeface="Cascadia Mono" panose="020B0609020000020004" pitchFamily="49" charset="0"/>
-                <a:ea typeface="Cascadia Mono" panose="020B0609020000020004" pitchFamily="49" charset="0"/>
-                <a:cs typeface="Cascadia Mono" panose="020B0609020000020004" pitchFamily="49" charset="0"/>
-              </a:rPr>
-              <a:t>,</a:t>
-            </a:r>
-          </a:p>
-          <a:p>
-            <a:r>
-              <a:rPr lang="en-AU" sz="2000" dirty="0">
-                <a:latin typeface="Cascadia Mono" panose="020B0609020000020004" pitchFamily="49" charset="0"/>
-                <a:ea typeface="Cascadia Mono" panose="020B0609020000020004" pitchFamily="49" charset="0"/>
-                <a:cs typeface="Cascadia Mono" panose="020B0609020000020004" pitchFamily="49" charset="0"/>
-              </a:rPr>
-              <a:t>) -&gt; Study:</a:t>
-            </a:r>
-          </a:p>
-          <a:p>
-            <a:endParaRPr lang="en-AU" sz="2000" dirty="0">
-              <a:latin typeface="Cascadia Mono" panose="020B0609020000020004" pitchFamily="49" charset="0"/>
-              <a:ea typeface="Cascadia Mono" panose="020B0609020000020004" pitchFamily="49" charset="0"/>
-              <a:cs typeface="Cascadia Mono" panose="020B0609020000020004" pitchFamily="49" charset="0"/>
-            </a:endParaRPr>
+          <p:cNvPr id="3" name="Content Placeholder 2">
+            <a:extLst>
+              <a:ext uri="{FF2B5EF4-FFF2-40B4-BE49-F238E27FC236}">
+                <a16:creationId xmlns:a16="http://schemas.microsoft.com/office/drawing/2014/main" id="{F8B9217C-148A-45F1-4829-F8EE8158572A}"/>
+              </a:ext>
+            </a:extLst>
+          </p:cNvPr>
+          <p:cNvSpPr>
+            <a:spLocks noGrp="1"/>
+          </p:cNvSpPr>
+          <p:nvPr>
+            <p:ph idx="1"/>
+          </p:nvPr>
+        </p:nvSpPr>
+        <p:spPr/>
+        <p:txBody>
+          <a:bodyPr/>
+          <a:lstStyle/>
+          <a:p>
+            <a:r>
+              <a:rPr lang="en-AU" dirty="0"/>
+              <a:t>Max depth</a:t>
+            </a:r>
+          </a:p>
+          <a:p>
+            <a:r>
+              <a:rPr lang="en-AU" dirty="0"/>
+              <a:t>Learning rate</a:t>
+            </a:r>
+          </a:p>
+          <a:p>
+            <a:r>
+              <a:rPr lang="en-AU" dirty="0"/>
+              <a:t>Number of estimators</a:t>
+            </a:r>
           </a:p>
         </p:txBody>
       </p:sp>
     </p:spTree>
     <p:extLst>
       <p:ext uri="{BB962C8B-B14F-4D97-AF65-F5344CB8AC3E}">
-        <p14:creationId xmlns:p14="http://schemas.microsoft.com/office/powerpoint/2010/main" val="1358032571"/>
-      </p:ext>
-    </p:extLst>
-  </p:cSld>
-  <p:clrMapOvr>
-    <a:masterClrMapping/>
-  </p:clrMapOvr>
-</p:sld>
-</file>
-
-<file path=ppt/slides/slide7.xml><?xml version="1.0" encoding="utf-8"?>
-<p:sld xmlns:a="http://schemas.openxmlformats.org/drawingml/2006/main" xmlns:r="http://schemas.openxmlformats.org/officeDocument/2006/relationships" xmlns:p="http://schemas.openxmlformats.org/presentationml/2006/main">
-  <p:cSld>
-    <p:spTree>
-      <p:nvGrpSpPr>
-        <p:cNvPr id="1" name="">
-          <a:extLst>
-            <a:ext uri="{FF2B5EF4-FFF2-40B4-BE49-F238E27FC236}">
-              <a16:creationId xmlns:a16="http://schemas.microsoft.com/office/drawing/2014/main" id="{BEA8C67C-8A74-5573-7220-4E854931E343}"/>
-            </a:ext>
-          </a:extLst>
-        </p:cNvPr>
-        <p:cNvGrpSpPr/>
-        <p:nvPr/>
-      </p:nvGrpSpPr>
-      <p:grpSpPr>
-        <a:xfrm>
-          <a:off x="0" y="0"/>
-          <a:ext cx="0" cy="0"/>
-          <a:chOff x="0" y="0"/>
-          <a:chExt cx="0" cy="0"/>
-        </a:xfrm>
-      </p:grpSpPr>
-      <p:sp>
-        <p:nvSpPr>
-          <p:cNvPr id="2" name="Title 1">
-            <a:extLst>
-              <a:ext uri="{FF2B5EF4-FFF2-40B4-BE49-F238E27FC236}">
-                <a16:creationId xmlns:a16="http://schemas.microsoft.com/office/drawing/2014/main" id="{AF33AAA7-4B85-8341-44C3-0DC9712223D7}"/>
-              </a:ext>
-            </a:extLst>
-          </p:cNvPr>
-          <p:cNvSpPr>
-            <a:spLocks noGrp="1"/>
-          </p:cNvSpPr>
-          <p:nvPr>
-            <p:ph type="title"/>
-          </p:nvPr>
-        </p:nvSpPr>
-        <p:spPr/>
-        <p:txBody>
-          <a:bodyPr/>
-          <a:lstStyle/>
-          <a:p>
-            <a:r>
-              <a:rPr lang="en-US" dirty="0"/>
-              <a:t>Creating a study – single objective</a:t>
-            </a:r>
-            <a:endParaRPr lang="en-AU" dirty="0"/>
-          </a:p>
-        </p:txBody>
-      </p:sp>
-      <p:sp>
-        <p:nvSpPr>
-          <p:cNvPr id="3" name="TextBox 2">
-            <a:extLst>
-              <a:ext uri="{FF2B5EF4-FFF2-40B4-BE49-F238E27FC236}">
-                <a16:creationId xmlns:a16="http://schemas.microsoft.com/office/drawing/2014/main" id="{890ECF2F-9246-23AA-58E8-16B55AE09555}"/>
-              </a:ext>
-            </a:extLst>
-          </p:cNvPr>
-          <p:cNvSpPr txBox="1"/>
-          <p:nvPr/>
-        </p:nvSpPr>
-        <p:spPr>
-          <a:xfrm>
-            <a:off x="1818525" y="1690688"/>
-            <a:ext cx="8979613" cy="3785652"/>
-          </a:xfrm>
-          <a:prstGeom prst="rect">
-            <a:avLst/>
-          </a:prstGeom>
-          <a:noFill/>
-        </p:spPr>
-        <p:txBody>
-          <a:bodyPr wrap="square" rtlCol="0">
-            <a:spAutoFit/>
-          </a:bodyPr>
-          <a:lstStyle/>
-          <a:p>
-            <a:r>
-              <a:rPr lang="en-AU" sz="2000" dirty="0">
-                <a:latin typeface="Cascadia Mono" panose="020B0609020000020004" pitchFamily="49" charset="0"/>
-                <a:ea typeface="Cascadia Mono" panose="020B0609020000020004" pitchFamily="49" charset="0"/>
-                <a:cs typeface="Cascadia Mono" panose="020B0609020000020004" pitchFamily="49" charset="0"/>
-              </a:rPr>
-              <a:t>def </a:t>
-            </a:r>
-            <a:r>
-              <a:rPr lang="en-AU" sz="2000" dirty="0" err="1">
-                <a:latin typeface="Cascadia Mono" panose="020B0609020000020004" pitchFamily="49" charset="0"/>
-                <a:ea typeface="Cascadia Mono" panose="020B0609020000020004" pitchFamily="49" charset="0"/>
-                <a:cs typeface="Cascadia Mono" panose="020B0609020000020004" pitchFamily="49" charset="0"/>
-              </a:rPr>
-              <a:t>create_study</a:t>
-            </a:r>
-            <a:r>
-              <a:rPr lang="en-AU" sz="2000" dirty="0">
-                <a:latin typeface="Cascadia Mono" panose="020B0609020000020004" pitchFamily="49" charset="0"/>
-                <a:ea typeface="Cascadia Mono" panose="020B0609020000020004" pitchFamily="49" charset="0"/>
-                <a:cs typeface="Cascadia Mono" panose="020B0609020000020004" pitchFamily="49" charset="0"/>
-              </a:rPr>
-              <a:t>(</a:t>
-            </a:r>
-          </a:p>
-          <a:p>
-            <a:r>
-              <a:rPr lang="en-AU" sz="2000" dirty="0">
-                <a:latin typeface="Cascadia Mono" panose="020B0609020000020004" pitchFamily="49" charset="0"/>
-                <a:ea typeface="Cascadia Mono" panose="020B0609020000020004" pitchFamily="49" charset="0"/>
-                <a:cs typeface="Cascadia Mono" panose="020B0609020000020004" pitchFamily="49" charset="0"/>
-              </a:rPr>
-              <a:t>    *,</a:t>
-            </a:r>
-          </a:p>
-          <a:p>
-            <a:r>
-              <a:rPr lang="en-AU" sz="2000" dirty="0">
-                <a:latin typeface="Cascadia Mono" panose="020B0609020000020004" pitchFamily="49" charset="0"/>
-                <a:ea typeface="Cascadia Mono" panose="020B0609020000020004" pitchFamily="49" charset="0"/>
-                <a:cs typeface="Cascadia Mono" panose="020B0609020000020004" pitchFamily="49" charset="0"/>
-              </a:rPr>
-              <a:t>    </a:t>
-            </a:r>
-            <a:r>
-              <a:rPr lang="en-AU" sz="2000" dirty="0">
-                <a:solidFill>
-                  <a:schemeClr val="bg2"/>
-                </a:solidFill>
-                <a:latin typeface="Cascadia Mono" panose="020B0609020000020004" pitchFamily="49" charset="0"/>
-                <a:ea typeface="Cascadia Mono" panose="020B0609020000020004" pitchFamily="49" charset="0"/>
-                <a:cs typeface="Cascadia Mono" panose="020B0609020000020004" pitchFamily="49" charset="0"/>
-              </a:rPr>
-              <a:t>storage: str | </a:t>
-            </a:r>
-            <a:r>
-              <a:rPr lang="en-AU" sz="2000" dirty="0" err="1">
-                <a:solidFill>
-                  <a:schemeClr val="bg2"/>
-                </a:solidFill>
-                <a:latin typeface="Cascadia Mono" panose="020B0609020000020004" pitchFamily="49" charset="0"/>
-                <a:ea typeface="Cascadia Mono" panose="020B0609020000020004" pitchFamily="49" charset="0"/>
-                <a:cs typeface="Cascadia Mono" panose="020B0609020000020004" pitchFamily="49" charset="0"/>
-              </a:rPr>
-              <a:t>storages.BaseStorage</a:t>
-            </a:r>
-            <a:r>
-              <a:rPr lang="en-AU" sz="2000" dirty="0">
-                <a:solidFill>
-                  <a:schemeClr val="bg2"/>
-                </a:solidFill>
-                <a:latin typeface="Cascadia Mono" panose="020B0609020000020004" pitchFamily="49" charset="0"/>
-                <a:ea typeface="Cascadia Mono" panose="020B0609020000020004" pitchFamily="49" charset="0"/>
-                <a:cs typeface="Cascadia Mono" panose="020B0609020000020004" pitchFamily="49" charset="0"/>
-              </a:rPr>
-              <a:t> | None = None,</a:t>
-            </a:r>
-          </a:p>
-          <a:p>
-            <a:r>
-              <a:rPr lang="en-AU" sz="2000" dirty="0">
-                <a:latin typeface="Cascadia Mono" panose="020B0609020000020004" pitchFamily="49" charset="0"/>
-                <a:ea typeface="Cascadia Mono" panose="020B0609020000020004" pitchFamily="49" charset="0"/>
-                <a:cs typeface="Cascadia Mono" panose="020B0609020000020004" pitchFamily="49" charset="0"/>
-              </a:rPr>
-              <a:t>    </a:t>
-            </a:r>
-            <a:r>
-              <a:rPr lang="en-AU" sz="2000" b="1" u="sng" dirty="0">
-                <a:latin typeface="Cascadia Mono" panose="020B0609020000020004" pitchFamily="49" charset="0"/>
-                <a:ea typeface="Cascadia Mono" panose="020B0609020000020004" pitchFamily="49" charset="0"/>
-                <a:cs typeface="Cascadia Mono" panose="020B0609020000020004" pitchFamily="49" charset="0"/>
-              </a:rPr>
-              <a:t>sampler</a:t>
-            </a:r>
-            <a:r>
-              <a:rPr lang="en-AU" sz="2000" u="sng" dirty="0">
-                <a:latin typeface="Cascadia Mono" panose="020B0609020000020004" pitchFamily="49" charset="0"/>
-                <a:ea typeface="Cascadia Mono" panose="020B0609020000020004" pitchFamily="49" charset="0"/>
-                <a:cs typeface="Cascadia Mono" panose="020B0609020000020004" pitchFamily="49" charset="0"/>
-              </a:rPr>
-              <a:t>: "</a:t>
-            </a:r>
-            <a:r>
-              <a:rPr lang="en-AU" sz="2000" u="sng" dirty="0" err="1">
-                <a:latin typeface="Cascadia Mono" panose="020B0609020000020004" pitchFamily="49" charset="0"/>
-                <a:ea typeface="Cascadia Mono" panose="020B0609020000020004" pitchFamily="49" charset="0"/>
-                <a:cs typeface="Cascadia Mono" panose="020B0609020000020004" pitchFamily="49" charset="0"/>
-              </a:rPr>
-              <a:t>samplers.BaseSampler</a:t>
-            </a:r>
-            <a:r>
-              <a:rPr lang="en-AU" sz="2000" u="sng" dirty="0">
-                <a:latin typeface="Cascadia Mono" panose="020B0609020000020004" pitchFamily="49" charset="0"/>
-                <a:ea typeface="Cascadia Mono" panose="020B0609020000020004" pitchFamily="49" charset="0"/>
-                <a:cs typeface="Cascadia Mono" panose="020B0609020000020004" pitchFamily="49" charset="0"/>
-              </a:rPr>
-              <a:t>" | None = None,</a:t>
-            </a:r>
-          </a:p>
-          <a:p>
-            <a:r>
-              <a:rPr lang="en-AU" sz="2000" dirty="0">
-                <a:latin typeface="Cascadia Mono" panose="020B0609020000020004" pitchFamily="49" charset="0"/>
-                <a:ea typeface="Cascadia Mono" panose="020B0609020000020004" pitchFamily="49" charset="0"/>
-                <a:cs typeface="Cascadia Mono" panose="020B0609020000020004" pitchFamily="49" charset="0"/>
-              </a:rPr>
-              <a:t>    </a:t>
-            </a:r>
-            <a:r>
-              <a:rPr lang="en-AU" sz="2000" dirty="0">
-                <a:solidFill>
-                  <a:schemeClr val="bg2"/>
-                </a:solidFill>
-                <a:latin typeface="Cascadia Mono" panose="020B0609020000020004" pitchFamily="49" charset="0"/>
-                <a:ea typeface="Cascadia Mono" panose="020B0609020000020004" pitchFamily="49" charset="0"/>
-                <a:cs typeface="Cascadia Mono" panose="020B0609020000020004" pitchFamily="49" charset="0"/>
-              </a:rPr>
-              <a:t>pruner: </a:t>
-            </a:r>
-            <a:r>
-              <a:rPr lang="en-AU" sz="2000" dirty="0" err="1">
-                <a:solidFill>
-                  <a:schemeClr val="bg2"/>
-                </a:solidFill>
-                <a:latin typeface="Cascadia Mono" panose="020B0609020000020004" pitchFamily="49" charset="0"/>
-                <a:ea typeface="Cascadia Mono" panose="020B0609020000020004" pitchFamily="49" charset="0"/>
-                <a:cs typeface="Cascadia Mono" panose="020B0609020000020004" pitchFamily="49" charset="0"/>
-              </a:rPr>
-              <a:t>pruners.BasePruner</a:t>
-            </a:r>
-            <a:r>
-              <a:rPr lang="en-AU" sz="2000" dirty="0">
-                <a:solidFill>
-                  <a:schemeClr val="bg2"/>
-                </a:solidFill>
-                <a:latin typeface="Cascadia Mono" panose="020B0609020000020004" pitchFamily="49" charset="0"/>
-                <a:ea typeface="Cascadia Mono" panose="020B0609020000020004" pitchFamily="49" charset="0"/>
-                <a:cs typeface="Cascadia Mono" panose="020B0609020000020004" pitchFamily="49" charset="0"/>
-              </a:rPr>
-              <a:t> | None = None,</a:t>
-            </a:r>
-          </a:p>
-          <a:p>
-            <a:r>
-              <a:rPr lang="en-AU" sz="2000" dirty="0">
-                <a:solidFill>
-                  <a:schemeClr val="bg2"/>
-                </a:solidFill>
-                <a:latin typeface="Cascadia Mono" panose="020B0609020000020004" pitchFamily="49" charset="0"/>
-                <a:ea typeface="Cascadia Mono" panose="020B0609020000020004" pitchFamily="49" charset="0"/>
-                <a:cs typeface="Cascadia Mono" panose="020B0609020000020004" pitchFamily="49" charset="0"/>
-              </a:rPr>
-              <a:t>    </a:t>
-            </a:r>
-            <a:r>
-              <a:rPr lang="en-AU" sz="2000" dirty="0" err="1">
-                <a:solidFill>
-                  <a:schemeClr val="bg2"/>
-                </a:solidFill>
-                <a:latin typeface="Cascadia Mono" panose="020B0609020000020004" pitchFamily="49" charset="0"/>
-                <a:ea typeface="Cascadia Mono" panose="020B0609020000020004" pitchFamily="49" charset="0"/>
-                <a:cs typeface="Cascadia Mono" panose="020B0609020000020004" pitchFamily="49" charset="0"/>
-              </a:rPr>
-              <a:t>study_name</a:t>
-            </a:r>
-            <a:r>
-              <a:rPr lang="en-AU" sz="2000" dirty="0">
-                <a:solidFill>
-                  <a:schemeClr val="bg2"/>
-                </a:solidFill>
-                <a:latin typeface="Cascadia Mono" panose="020B0609020000020004" pitchFamily="49" charset="0"/>
-                <a:ea typeface="Cascadia Mono" panose="020B0609020000020004" pitchFamily="49" charset="0"/>
-                <a:cs typeface="Cascadia Mono" panose="020B0609020000020004" pitchFamily="49" charset="0"/>
-              </a:rPr>
-              <a:t>: str | None = None,</a:t>
-            </a:r>
-          </a:p>
-          <a:p>
-            <a:r>
-              <a:rPr lang="en-AU" sz="2000" dirty="0">
-                <a:latin typeface="Cascadia Mono" panose="020B0609020000020004" pitchFamily="49" charset="0"/>
-                <a:ea typeface="Cascadia Mono" panose="020B0609020000020004" pitchFamily="49" charset="0"/>
-                <a:cs typeface="Cascadia Mono" panose="020B0609020000020004" pitchFamily="49" charset="0"/>
-              </a:rPr>
-              <a:t>    </a:t>
-            </a:r>
-            <a:r>
-              <a:rPr lang="en-AU" sz="2000" b="1" u="sng" dirty="0">
-                <a:latin typeface="Cascadia Mono" panose="020B0609020000020004" pitchFamily="49" charset="0"/>
-                <a:ea typeface="Cascadia Mono" panose="020B0609020000020004" pitchFamily="49" charset="0"/>
-                <a:cs typeface="Cascadia Mono" panose="020B0609020000020004" pitchFamily="49" charset="0"/>
-              </a:rPr>
-              <a:t>direction: str | </a:t>
-            </a:r>
-            <a:r>
-              <a:rPr lang="en-AU" sz="2000" b="1" u="sng" dirty="0" err="1">
-                <a:latin typeface="Cascadia Mono" panose="020B0609020000020004" pitchFamily="49" charset="0"/>
-                <a:ea typeface="Cascadia Mono" panose="020B0609020000020004" pitchFamily="49" charset="0"/>
-                <a:cs typeface="Cascadia Mono" panose="020B0609020000020004" pitchFamily="49" charset="0"/>
-              </a:rPr>
-              <a:t>StudyDirection</a:t>
-            </a:r>
-            <a:r>
-              <a:rPr lang="en-AU" sz="2000" b="1" u="sng" dirty="0">
-                <a:latin typeface="Cascadia Mono" panose="020B0609020000020004" pitchFamily="49" charset="0"/>
-                <a:ea typeface="Cascadia Mono" panose="020B0609020000020004" pitchFamily="49" charset="0"/>
-                <a:cs typeface="Cascadia Mono" panose="020B0609020000020004" pitchFamily="49" charset="0"/>
-              </a:rPr>
-              <a:t> | None = None,</a:t>
-            </a:r>
-          </a:p>
-          <a:p>
-            <a:r>
-              <a:rPr lang="en-AU" sz="2000" dirty="0">
-                <a:latin typeface="Cascadia Mono" panose="020B0609020000020004" pitchFamily="49" charset="0"/>
-                <a:ea typeface="Cascadia Mono" panose="020B0609020000020004" pitchFamily="49" charset="0"/>
-                <a:cs typeface="Cascadia Mono" panose="020B0609020000020004" pitchFamily="49" charset="0"/>
-              </a:rPr>
-              <a:t>    </a:t>
-            </a:r>
-            <a:r>
-              <a:rPr lang="en-AU" sz="2000" dirty="0" err="1">
-                <a:solidFill>
-                  <a:schemeClr val="bg2"/>
-                </a:solidFill>
-                <a:latin typeface="Cascadia Mono" panose="020B0609020000020004" pitchFamily="49" charset="0"/>
-                <a:ea typeface="Cascadia Mono" panose="020B0609020000020004" pitchFamily="49" charset="0"/>
-                <a:cs typeface="Cascadia Mono" panose="020B0609020000020004" pitchFamily="49" charset="0"/>
-              </a:rPr>
-              <a:t>load_if_exists</a:t>
-            </a:r>
-            <a:r>
-              <a:rPr lang="en-AU" sz="2000" dirty="0">
-                <a:solidFill>
-                  <a:schemeClr val="bg2"/>
-                </a:solidFill>
-                <a:latin typeface="Cascadia Mono" panose="020B0609020000020004" pitchFamily="49" charset="0"/>
-                <a:ea typeface="Cascadia Mono" panose="020B0609020000020004" pitchFamily="49" charset="0"/>
-                <a:cs typeface="Cascadia Mono" panose="020B0609020000020004" pitchFamily="49" charset="0"/>
-              </a:rPr>
-              <a:t>: bool = False,</a:t>
-            </a:r>
-          </a:p>
-          <a:p>
-            <a:r>
-              <a:rPr lang="en-AU" sz="2000" dirty="0">
-                <a:latin typeface="Cascadia Mono" panose="020B0609020000020004" pitchFamily="49" charset="0"/>
-                <a:ea typeface="Cascadia Mono" panose="020B0609020000020004" pitchFamily="49" charset="0"/>
-                <a:cs typeface="Cascadia Mono" panose="020B0609020000020004" pitchFamily="49" charset="0"/>
-              </a:rPr>
-              <a:t>    </a:t>
-            </a:r>
-            <a:r>
-              <a:rPr lang="en-AU" sz="2000" b="1" u="sng" dirty="0">
-                <a:latin typeface="Cascadia Mono" panose="020B0609020000020004" pitchFamily="49" charset="0"/>
-                <a:ea typeface="Cascadia Mono" panose="020B0609020000020004" pitchFamily="49" charset="0"/>
-                <a:cs typeface="Cascadia Mono" panose="020B0609020000020004" pitchFamily="49" charset="0"/>
-              </a:rPr>
-              <a:t>directions: Sequence[str | </a:t>
-            </a:r>
-            <a:r>
-              <a:rPr lang="en-AU" sz="2000" b="1" u="sng" dirty="0" err="1">
-                <a:latin typeface="Cascadia Mono" panose="020B0609020000020004" pitchFamily="49" charset="0"/>
-                <a:ea typeface="Cascadia Mono" panose="020B0609020000020004" pitchFamily="49" charset="0"/>
-                <a:cs typeface="Cascadia Mono" panose="020B0609020000020004" pitchFamily="49" charset="0"/>
-              </a:rPr>
-              <a:t>StudyDirection</a:t>
-            </a:r>
-            <a:r>
-              <a:rPr lang="en-AU" sz="2000" b="1" u="sng" dirty="0">
-                <a:latin typeface="Cascadia Mono" panose="020B0609020000020004" pitchFamily="49" charset="0"/>
-                <a:ea typeface="Cascadia Mono" panose="020B0609020000020004" pitchFamily="49" charset="0"/>
-                <a:cs typeface="Cascadia Mono" panose="020B0609020000020004" pitchFamily="49" charset="0"/>
-              </a:rPr>
-              <a:t>] | None = None</a:t>
-            </a:r>
-            <a:r>
-              <a:rPr lang="en-AU" sz="2000" dirty="0">
-                <a:latin typeface="Cascadia Mono" panose="020B0609020000020004" pitchFamily="49" charset="0"/>
-                <a:ea typeface="Cascadia Mono" panose="020B0609020000020004" pitchFamily="49" charset="0"/>
-                <a:cs typeface="Cascadia Mono" panose="020B0609020000020004" pitchFamily="49" charset="0"/>
-              </a:rPr>
-              <a:t>,</a:t>
-            </a:r>
-          </a:p>
-          <a:p>
-            <a:r>
-              <a:rPr lang="en-AU" sz="2000" dirty="0">
-                <a:latin typeface="Cascadia Mono" panose="020B0609020000020004" pitchFamily="49" charset="0"/>
-                <a:ea typeface="Cascadia Mono" panose="020B0609020000020004" pitchFamily="49" charset="0"/>
-                <a:cs typeface="Cascadia Mono" panose="020B0609020000020004" pitchFamily="49" charset="0"/>
-              </a:rPr>
-              <a:t>) -&gt; Study:</a:t>
-            </a:r>
-          </a:p>
-          <a:p>
-            <a:endParaRPr lang="en-AU" sz="2000" dirty="0">
-              <a:latin typeface="Cascadia Mono" panose="020B0609020000020004" pitchFamily="49" charset="0"/>
-              <a:ea typeface="Cascadia Mono" panose="020B0609020000020004" pitchFamily="49" charset="0"/>
-              <a:cs typeface="Cascadia Mono" panose="020B0609020000020004" pitchFamily="49" charset="0"/>
-            </a:endParaRPr>
-          </a:p>
-        </p:txBody>
-      </p:sp>
-    </p:spTree>
-    <p:extLst>
-      <p:ext uri="{BB962C8B-B14F-4D97-AF65-F5344CB8AC3E}">
-        <p14:creationId xmlns:p14="http://schemas.microsoft.com/office/powerpoint/2010/main" val="2025042473"/>
+        <p14:creationId xmlns:p14="http://schemas.microsoft.com/office/powerpoint/2010/main" val="36605389"/>
       </p:ext>
     </p:extLst>
   </p:cSld>
@@ -4792,6 +4429,42 @@
           </a:p>
         </p:txBody>
       </p:sp>
+      <p:pic>
+        <p:nvPicPr>
+          <p:cNvPr id="4" name="Picture 3" descr="A computer screen with colorful text&#10;&#10;AI-generated content may be incorrect.">
+            <a:extLst>
+              <a:ext uri="{FF2B5EF4-FFF2-40B4-BE49-F238E27FC236}">
+                <a16:creationId xmlns:a16="http://schemas.microsoft.com/office/drawing/2014/main" id="{896D6C49-A777-119D-BA5D-9392ABAE053B}"/>
+              </a:ext>
+            </a:extLst>
+          </p:cNvPr>
+          <p:cNvPicPr>
+            <a:picLocks noChangeAspect="1"/>
+          </p:cNvPicPr>
+          <p:nvPr/>
+        </p:nvPicPr>
+        <p:blipFill>
+          <a:blip r:embed="rId2">
+            <a:extLst>
+              <a:ext uri="{28A0092B-C50C-407E-A947-70E740481C1C}">
+                <a14:useLocalDpi xmlns:a14="http://schemas.microsoft.com/office/drawing/2010/main" val="0"/>
+              </a:ext>
+            </a:extLst>
+          </a:blip>
+          <a:stretch>
+            <a:fillRect/>
+          </a:stretch>
+        </p:blipFill>
+        <p:spPr>
+          <a:xfrm>
+            <a:off x="268614" y="1939247"/>
+            <a:ext cx="11654771" cy="2979505"/>
+          </a:xfrm>
+          <a:prstGeom prst="rect">
+            <a:avLst/>
+          </a:prstGeom>
+        </p:spPr>
+      </p:pic>
     </p:spTree>
     <p:extLst>
       <p:ext uri="{BB962C8B-B14F-4D97-AF65-F5344CB8AC3E}">
@@ -4813,7 +4486,7 @@
         <p:cNvPr id="1" name="">
           <a:extLst>
             <a:ext uri="{FF2B5EF4-FFF2-40B4-BE49-F238E27FC236}">
-              <a16:creationId xmlns:a16="http://schemas.microsoft.com/office/drawing/2014/main" id="{0F836E54-2626-22A8-445E-3F5866EB91A9}"/>
+              <a16:creationId xmlns:a16="http://schemas.microsoft.com/office/drawing/2014/main" id="{29A2FD24-1F4E-BF8A-FF3B-64888CA91CD9}"/>
             </a:ext>
           </a:extLst>
         </p:cNvPr>
@@ -4833,7 +4506,7 @@
           <p:cNvPr id="2" name="Title 1">
             <a:extLst>
               <a:ext uri="{FF2B5EF4-FFF2-40B4-BE49-F238E27FC236}">
-                <a16:creationId xmlns:a16="http://schemas.microsoft.com/office/drawing/2014/main" id="{47015DE4-4988-3C1F-C4FB-DE27BA51F11E}"/>
+                <a16:creationId xmlns:a16="http://schemas.microsoft.com/office/drawing/2014/main" id="{37882D76-4AC8-BBDB-99AE-D117F803CAA4}"/>
               </a:ext>
             </a:extLst>
           </p:cNvPr>
@@ -4843,377 +4516,65 @@
           <p:nvPr>
             <p:ph type="title"/>
           </p:nvPr>
-        </p:nvSpPr>
-        <p:spPr/>
-        <p:txBody>
-          <a:bodyPr/>
-          <a:lstStyle/>
-          <a:p>
-            <a:r>
-              <a:rPr lang="en-US" dirty="0"/>
-              <a:t>Creating a study – bi-objective</a:t>
-            </a:r>
-            <a:endParaRPr lang="en-AU" dirty="0"/>
-          </a:p>
-        </p:txBody>
-      </p:sp>
-      <p:sp>
-        <p:nvSpPr>
-          <p:cNvPr id="3" name="TextBox 2">
-            <a:extLst>
-              <a:ext uri="{FF2B5EF4-FFF2-40B4-BE49-F238E27FC236}">
-                <a16:creationId xmlns:a16="http://schemas.microsoft.com/office/drawing/2014/main" id="{BD89C595-3D99-BB12-5AF4-61B51E09905D}"/>
-              </a:ext>
-            </a:extLst>
-          </p:cNvPr>
-          <p:cNvSpPr txBox="1"/>
-          <p:nvPr/>
         </p:nvSpPr>
         <p:spPr>
           <a:xfrm>
-            <a:off x="1818525" y="1690688"/>
-            <a:ext cx="8979613" cy="3785652"/>
+            <a:off x="119009" y="-57498"/>
+            <a:ext cx="10515600" cy="1325563"/>
+          </a:xfrm>
+        </p:spPr>
+        <p:txBody>
+          <a:bodyPr/>
+          <a:lstStyle/>
+          <a:p>
+            <a:r>
+              <a:rPr lang="en-US" dirty="0"/>
+              <a:t>Study definition – single objective</a:t>
+            </a:r>
+            <a:endParaRPr lang="en-AU" dirty="0"/>
+          </a:p>
+        </p:txBody>
+      </p:sp>
+      <p:pic>
+        <p:nvPicPr>
+          <p:cNvPr id="4" name="Picture 3" descr="A screen shot of a computer program&#10;&#10;AI-generated content may be incorrect.">
+            <a:extLst>
+              <a:ext uri="{FF2B5EF4-FFF2-40B4-BE49-F238E27FC236}">
+                <a16:creationId xmlns:a16="http://schemas.microsoft.com/office/drawing/2014/main" id="{487C6E7A-6DD7-9E4B-6E82-1AF101A668BF}"/>
+              </a:ext>
+            </a:extLst>
+          </p:cNvPr>
+          <p:cNvPicPr>
+            <a:picLocks noChangeAspect="1"/>
+          </p:cNvPicPr>
+          <p:nvPr/>
+        </p:nvPicPr>
+        <p:blipFill>
+          <a:blip r:embed="rId2">
+            <a:extLst>
+              <a:ext uri="{28A0092B-C50C-407E-A947-70E740481C1C}">
+                <a14:useLocalDpi xmlns:a14="http://schemas.microsoft.com/office/drawing/2010/main" val="0"/>
+              </a:ext>
+            </a:extLst>
+          </a:blip>
+          <a:stretch>
+            <a:fillRect/>
+          </a:stretch>
+        </p:blipFill>
+        <p:spPr>
+          <a:xfrm>
+            <a:off x="554804" y="1442726"/>
+            <a:ext cx="10515600" cy="5141534"/>
           </a:xfrm>
           <a:prstGeom prst="rect">
             <a:avLst/>
           </a:prstGeom>
-          <a:noFill/>
         </p:spPr>
-        <p:txBody>
-          <a:bodyPr wrap="square" rtlCol="0">
-            <a:spAutoFit/>
-          </a:bodyPr>
-          <a:lstStyle/>
-          <a:p>
-            <a:r>
-              <a:rPr lang="en-AU" sz="2000" dirty="0">
-                <a:latin typeface="Cascadia Mono" panose="020B0609020000020004" pitchFamily="49" charset="0"/>
-                <a:ea typeface="Cascadia Mono" panose="020B0609020000020004" pitchFamily="49" charset="0"/>
-                <a:cs typeface="Cascadia Mono" panose="020B0609020000020004" pitchFamily="49" charset="0"/>
-              </a:rPr>
-              <a:t>def </a:t>
-            </a:r>
-            <a:r>
-              <a:rPr lang="en-AU" sz="2000" dirty="0" err="1">
-                <a:latin typeface="Cascadia Mono" panose="020B0609020000020004" pitchFamily="49" charset="0"/>
-                <a:ea typeface="Cascadia Mono" panose="020B0609020000020004" pitchFamily="49" charset="0"/>
-                <a:cs typeface="Cascadia Mono" panose="020B0609020000020004" pitchFamily="49" charset="0"/>
-              </a:rPr>
-              <a:t>create_study</a:t>
-            </a:r>
-            <a:r>
-              <a:rPr lang="en-AU" sz="2000" dirty="0">
-                <a:latin typeface="Cascadia Mono" panose="020B0609020000020004" pitchFamily="49" charset="0"/>
-                <a:ea typeface="Cascadia Mono" panose="020B0609020000020004" pitchFamily="49" charset="0"/>
-                <a:cs typeface="Cascadia Mono" panose="020B0609020000020004" pitchFamily="49" charset="0"/>
-              </a:rPr>
-              <a:t>(</a:t>
-            </a:r>
-          </a:p>
-          <a:p>
-            <a:r>
-              <a:rPr lang="en-AU" sz="2000" dirty="0">
-                <a:latin typeface="Cascadia Mono" panose="020B0609020000020004" pitchFamily="49" charset="0"/>
-                <a:ea typeface="Cascadia Mono" panose="020B0609020000020004" pitchFamily="49" charset="0"/>
-                <a:cs typeface="Cascadia Mono" panose="020B0609020000020004" pitchFamily="49" charset="0"/>
-              </a:rPr>
-              <a:t>    *,</a:t>
-            </a:r>
-          </a:p>
-          <a:p>
-            <a:r>
-              <a:rPr lang="en-AU" sz="2000" dirty="0">
-                <a:latin typeface="Cascadia Mono" panose="020B0609020000020004" pitchFamily="49" charset="0"/>
-                <a:ea typeface="Cascadia Mono" panose="020B0609020000020004" pitchFamily="49" charset="0"/>
-                <a:cs typeface="Cascadia Mono" panose="020B0609020000020004" pitchFamily="49" charset="0"/>
-              </a:rPr>
-              <a:t>    </a:t>
-            </a:r>
-            <a:r>
-              <a:rPr lang="en-AU" sz="2000" dirty="0">
-                <a:solidFill>
-                  <a:schemeClr val="bg2"/>
-                </a:solidFill>
-                <a:latin typeface="Cascadia Mono" panose="020B0609020000020004" pitchFamily="49" charset="0"/>
-                <a:ea typeface="Cascadia Mono" panose="020B0609020000020004" pitchFamily="49" charset="0"/>
-                <a:cs typeface="Cascadia Mono" panose="020B0609020000020004" pitchFamily="49" charset="0"/>
-              </a:rPr>
-              <a:t>storage: str | </a:t>
-            </a:r>
-            <a:r>
-              <a:rPr lang="en-AU" sz="2000" dirty="0" err="1">
-                <a:solidFill>
-                  <a:schemeClr val="bg2"/>
-                </a:solidFill>
-                <a:latin typeface="Cascadia Mono" panose="020B0609020000020004" pitchFamily="49" charset="0"/>
-                <a:ea typeface="Cascadia Mono" panose="020B0609020000020004" pitchFamily="49" charset="0"/>
-                <a:cs typeface="Cascadia Mono" panose="020B0609020000020004" pitchFamily="49" charset="0"/>
-              </a:rPr>
-              <a:t>storages.BaseStorage</a:t>
-            </a:r>
-            <a:r>
-              <a:rPr lang="en-AU" sz="2000" dirty="0">
-                <a:solidFill>
-                  <a:schemeClr val="bg2"/>
-                </a:solidFill>
-                <a:latin typeface="Cascadia Mono" panose="020B0609020000020004" pitchFamily="49" charset="0"/>
-                <a:ea typeface="Cascadia Mono" panose="020B0609020000020004" pitchFamily="49" charset="0"/>
-                <a:cs typeface="Cascadia Mono" panose="020B0609020000020004" pitchFamily="49" charset="0"/>
-              </a:rPr>
-              <a:t> | None = None,</a:t>
-            </a:r>
-          </a:p>
-          <a:p>
-            <a:r>
-              <a:rPr lang="en-AU" sz="2000" dirty="0">
-                <a:latin typeface="Cascadia Mono" panose="020B0609020000020004" pitchFamily="49" charset="0"/>
-                <a:ea typeface="Cascadia Mono" panose="020B0609020000020004" pitchFamily="49" charset="0"/>
-                <a:cs typeface="Cascadia Mono" panose="020B0609020000020004" pitchFamily="49" charset="0"/>
-              </a:rPr>
-              <a:t>    </a:t>
-            </a:r>
-            <a:r>
-              <a:rPr lang="en-AU" sz="2000" b="1" u="sng" dirty="0">
-                <a:latin typeface="Cascadia Mono" panose="020B0609020000020004" pitchFamily="49" charset="0"/>
-                <a:ea typeface="Cascadia Mono" panose="020B0609020000020004" pitchFamily="49" charset="0"/>
-                <a:cs typeface="Cascadia Mono" panose="020B0609020000020004" pitchFamily="49" charset="0"/>
-              </a:rPr>
-              <a:t>sampler</a:t>
-            </a:r>
-            <a:r>
-              <a:rPr lang="en-AU" sz="2000" u="sng" dirty="0">
-                <a:latin typeface="Cascadia Mono" panose="020B0609020000020004" pitchFamily="49" charset="0"/>
-                <a:ea typeface="Cascadia Mono" panose="020B0609020000020004" pitchFamily="49" charset="0"/>
-                <a:cs typeface="Cascadia Mono" panose="020B0609020000020004" pitchFamily="49" charset="0"/>
-              </a:rPr>
-              <a:t>: "</a:t>
-            </a:r>
-            <a:r>
-              <a:rPr lang="en-AU" sz="2000" u="sng" dirty="0" err="1">
-                <a:latin typeface="Cascadia Mono" panose="020B0609020000020004" pitchFamily="49" charset="0"/>
-                <a:ea typeface="Cascadia Mono" panose="020B0609020000020004" pitchFamily="49" charset="0"/>
-                <a:cs typeface="Cascadia Mono" panose="020B0609020000020004" pitchFamily="49" charset="0"/>
-              </a:rPr>
-              <a:t>samplers.BaseSampler</a:t>
-            </a:r>
-            <a:r>
-              <a:rPr lang="en-AU" sz="2000" u="sng" dirty="0">
-                <a:latin typeface="Cascadia Mono" panose="020B0609020000020004" pitchFamily="49" charset="0"/>
-                <a:ea typeface="Cascadia Mono" panose="020B0609020000020004" pitchFamily="49" charset="0"/>
-                <a:cs typeface="Cascadia Mono" panose="020B0609020000020004" pitchFamily="49" charset="0"/>
-              </a:rPr>
-              <a:t>" | None = None,</a:t>
-            </a:r>
-          </a:p>
-          <a:p>
-            <a:r>
-              <a:rPr lang="en-AU" sz="2000" dirty="0">
-                <a:latin typeface="Cascadia Mono" panose="020B0609020000020004" pitchFamily="49" charset="0"/>
-                <a:ea typeface="Cascadia Mono" panose="020B0609020000020004" pitchFamily="49" charset="0"/>
-                <a:cs typeface="Cascadia Mono" panose="020B0609020000020004" pitchFamily="49" charset="0"/>
-              </a:rPr>
-              <a:t>    </a:t>
-            </a:r>
-            <a:r>
-              <a:rPr lang="en-AU" sz="2000" dirty="0">
-                <a:solidFill>
-                  <a:schemeClr val="bg2"/>
-                </a:solidFill>
-                <a:latin typeface="Cascadia Mono" panose="020B0609020000020004" pitchFamily="49" charset="0"/>
-                <a:ea typeface="Cascadia Mono" panose="020B0609020000020004" pitchFamily="49" charset="0"/>
-                <a:cs typeface="Cascadia Mono" panose="020B0609020000020004" pitchFamily="49" charset="0"/>
-              </a:rPr>
-              <a:t>pruner: </a:t>
-            </a:r>
-            <a:r>
-              <a:rPr lang="en-AU" sz="2000" dirty="0" err="1">
-                <a:solidFill>
-                  <a:schemeClr val="bg2"/>
-                </a:solidFill>
-                <a:latin typeface="Cascadia Mono" panose="020B0609020000020004" pitchFamily="49" charset="0"/>
-                <a:ea typeface="Cascadia Mono" panose="020B0609020000020004" pitchFamily="49" charset="0"/>
-                <a:cs typeface="Cascadia Mono" panose="020B0609020000020004" pitchFamily="49" charset="0"/>
-              </a:rPr>
-              <a:t>pruners.BasePruner</a:t>
-            </a:r>
-            <a:r>
-              <a:rPr lang="en-AU" sz="2000" dirty="0">
-                <a:solidFill>
-                  <a:schemeClr val="bg2"/>
-                </a:solidFill>
-                <a:latin typeface="Cascadia Mono" panose="020B0609020000020004" pitchFamily="49" charset="0"/>
-                <a:ea typeface="Cascadia Mono" panose="020B0609020000020004" pitchFamily="49" charset="0"/>
-                <a:cs typeface="Cascadia Mono" panose="020B0609020000020004" pitchFamily="49" charset="0"/>
-              </a:rPr>
-              <a:t> | None = None,</a:t>
-            </a:r>
-          </a:p>
-          <a:p>
-            <a:r>
-              <a:rPr lang="en-AU" sz="2000" dirty="0">
-                <a:solidFill>
-                  <a:schemeClr val="bg2"/>
-                </a:solidFill>
-                <a:latin typeface="Cascadia Mono" panose="020B0609020000020004" pitchFamily="49" charset="0"/>
-                <a:ea typeface="Cascadia Mono" panose="020B0609020000020004" pitchFamily="49" charset="0"/>
-                <a:cs typeface="Cascadia Mono" panose="020B0609020000020004" pitchFamily="49" charset="0"/>
-              </a:rPr>
-              <a:t>    </a:t>
-            </a:r>
-            <a:r>
-              <a:rPr lang="en-AU" sz="2000" dirty="0" err="1">
-                <a:solidFill>
-                  <a:schemeClr val="bg2"/>
-                </a:solidFill>
-                <a:latin typeface="Cascadia Mono" panose="020B0609020000020004" pitchFamily="49" charset="0"/>
-                <a:ea typeface="Cascadia Mono" panose="020B0609020000020004" pitchFamily="49" charset="0"/>
-                <a:cs typeface="Cascadia Mono" panose="020B0609020000020004" pitchFamily="49" charset="0"/>
-              </a:rPr>
-              <a:t>study_name</a:t>
-            </a:r>
-            <a:r>
-              <a:rPr lang="en-AU" sz="2000" dirty="0">
-                <a:solidFill>
-                  <a:schemeClr val="bg2"/>
-                </a:solidFill>
-                <a:latin typeface="Cascadia Mono" panose="020B0609020000020004" pitchFamily="49" charset="0"/>
-                <a:ea typeface="Cascadia Mono" panose="020B0609020000020004" pitchFamily="49" charset="0"/>
-                <a:cs typeface="Cascadia Mono" panose="020B0609020000020004" pitchFamily="49" charset="0"/>
-              </a:rPr>
-              <a:t>: str | None = None,</a:t>
-            </a:r>
-          </a:p>
-          <a:p>
-            <a:r>
-              <a:rPr lang="en-AU" sz="2000" dirty="0">
-                <a:latin typeface="Cascadia Mono" panose="020B0609020000020004" pitchFamily="49" charset="0"/>
-                <a:ea typeface="Cascadia Mono" panose="020B0609020000020004" pitchFamily="49" charset="0"/>
-                <a:cs typeface="Cascadia Mono" panose="020B0609020000020004" pitchFamily="49" charset="0"/>
-              </a:rPr>
-              <a:t>    </a:t>
-            </a:r>
-            <a:r>
-              <a:rPr lang="en-AU" sz="2000" b="1" u="sng" dirty="0">
-                <a:latin typeface="Cascadia Mono" panose="020B0609020000020004" pitchFamily="49" charset="0"/>
-                <a:ea typeface="Cascadia Mono" panose="020B0609020000020004" pitchFamily="49" charset="0"/>
-                <a:cs typeface="Cascadia Mono" panose="020B0609020000020004" pitchFamily="49" charset="0"/>
-              </a:rPr>
-              <a:t>direction: str | </a:t>
-            </a:r>
-            <a:r>
-              <a:rPr lang="en-AU" sz="2000" b="1" u="sng" dirty="0" err="1">
-                <a:latin typeface="Cascadia Mono" panose="020B0609020000020004" pitchFamily="49" charset="0"/>
-                <a:ea typeface="Cascadia Mono" panose="020B0609020000020004" pitchFamily="49" charset="0"/>
-                <a:cs typeface="Cascadia Mono" panose="020B0609020000020004" pitchFamily="49" charset="0"/>
-              </a:rPr>
-              <a:t>StudyDirection</a:t>
-            </a:r>
-            <a:r>
-              <a:rPr lang="en-AU" sz="2000" b="1" u="sng" dirty="0">
-                <a:latin typeface="Cascadia Mono" panose="020B0609020000020004" pitchFamily="49" charset="0"/>
-                <a:ea typeface="Cascadia Mono" panose="020B0609020000020004" pitchFamily="49" charset="0"/>
-                <a:cs typeface="Cascadia Mono" panose="020B0609020000020004" pitchFamily="49" charset="0"/>
-              </a:rPr>
-              <a:t> | None = None,</a:t>
-            </a:r>
-          </a:p>
-          <a:p>
-            <a:r>
-              <a:rPr lang="en-AU" sz="2000" dirty="0">
-                <a:latin typeface="Cascadia Mono" panose="020B0609020000020004" pitchFamily="49" charset="0"/>
-                <a:ea typeface="Cascadia Mono" panose="020B0609020000020004" pitchFamily="49" charset="0"/>
-                <a:cs typeface="Cascadia Mono" panose="020B0609020000020004" pitchFamily="49" charset="0"/>
-              </a:rPr>
-              <a:t>    </a:t>
-            </a:r>
-            <a:r>
-              <a:rPr lang="en-AU" sz="2000" dirty="0" err="1">
-                <a:solidFill>
-                  <a:schemeClr val="bg2"/>
-                </a:solidFill>
-                <a:latin typeface="Cascadia Mono" panose="020B0609020000020004" pitchFamily="49" charset="0"/>
-                <a:ea typeface="Cascadia Mono" panose="020B0609020000020004" pitchFamily="49" charset="0"/>
-                <a:cs typeface="Cascadia Mono" panose="020B0609020000020004" pitchFamily="49" charset="0"/>
-              </a:rPr>
-              <a:t>load_if_exists</a:t>
-            </a:r>
-            <a:r>
-              <a:rPr lang="en-AU" sz="2000" dirty="0">
-                <a:solidFill>
-                  <a:schemeClr val="bg2"/>
-                </a:solidFill>
-                <a:latin typeface="Cascadia Mono" panose="020B0609020000020004" pitchFamily="49" charset="0"/>
-                <a:ea typeface="Cascadia Mono" panose="020B0609020000020004" pitchFamily="49" charset="0"/>
-                <a:cs typeface="Cascadia Mono" panose="020B0609020000020004" pitchFamily="49" charset="0"/>
-              </a:rPr>
-              <a:t>: bool = False,</a:t>
-            </a:r>
-          </a:p>
-          <a:p>
-            <a:r>
-              <a:rPr lang="en-AU" sz="2000" dirty="0">
-                <a:latin typeface="Cascadia Mono" panose="020B0609020000020004" pitchFamily="49" charset="0"/>
-                <a:ea typeface="Cascadia Mono" panose="020B0609020000020004" pitchFamily="49" charset="0"/>
-                <a:cs typeface="Cascadia Mono" panose="020B0609020000020004" pitchFamily="49" charset="0"/>
-              </a:rPr>
-              <a:t>    </a:t>
-            </a:r>
-            <a:r>
-              <a:rPr lang="en-AU" sz="2000" b="1" u="sng" dirty="0">
-                <a:latin typeface="Cascadia Mono" panose="020B0609020000020004" pitchFamily="49" charset="0"/>
-                <a:ea typeface="Cascadia Mono" panose="020B0609020000020004" pitchFamily="49" charset="0"/>
-                <a:cs typeface="Cascadia Mono" panose="020B0609020000020004" pitchFamily="49" charset="0"/>
-              </a:rPr>
-              <a:t>directions: Sequence[str | </a:t>
-            </a:r>
-            <a:r>
-              <a:rPr lang="en-AU" sz="2000" b="1" u="sng" dirty="0" err="1">
-                <a:latin typeface="Cascadia Mono" panose="020B0609020000020004" pitchFamily="49" charset="0"/>
-                <a:ea typeface="Cascadia Mono" panose="020B0609020000020004" pitchFamily="49" charset="0"/>
-                <a:cs typeface="Cascadia Mono" panose="020B0609020000020004" pitchFamily="49" charset="0"/>
-              </a:rPr>
-              <a:t>StudyDirection</a:t>
-            </a:r>
-            <a:r>
-              <a:rPr lang="en-AU" sz="2000" b="1" u="sng" dirty="0">
-                <a:latin typeface="Cascadia Mono" panose="020B0609020000020004" pitchFamily="49" charset="0"/>
-                <a:ea typeface="Cascadia Mono" panose="020B0609020000020004" pitchFamily="49" charset="0"/>
-                <a:cs typeface="Cascadia Mono" panose="020B0609020000020004" pitchFamily="49" charset="0"/>
-              </a:rPr>
-              <a:t>] | None = None</a:t>
-            </a:r>
-            <a:r>
-              <a:rPr lang="en-AU" sz="2000" dirty="0">
-                <a:latin typeface="Cascadia Mono" panose="020B0609020000020004" pitchFamily="49" charset="0"/>
-                <a:ea typeface="Cascadia Mono" panose="020B0609020000020004" pitchFamily="49" charset="0"/>
-                <a:cs typeface="Cascadia Mono" panose="020B0609020000020004" pitchFamily="49" charset="0"/>
-              </a:rPr>
-              <a:t>,</a:t>
-            </a:r>
-          </a:p>
-          <a:p>
-            <a:r>
-              <a:rPr lang="en-AU" sz="2000" dirty="0">
-                <a:latin typeface="Cascadia Mono" panose="020B0609020000020004" pitchFamily="49" charset="0"/>
-                <a:ea typeface="Cascadia Mono" panose="020B0609020000020004" pitchFamily="49" charset="0"/>
-                <a:cs typeface="Cascadia Mono" panose="020B0609020000020004" pitchFamily="49" charset="0"/>
-              </a:rPr>
-              <a:t>) -&gt; Study:</a:t>
-            </a:r>
-          </a:p>
-          <a:p>
-            <a:endParaRPr lang="en-AU" sz="2000" dirty="0">
-              <a:latin typeface="Cascadia Mono" panose="020B0609020000020004" pitchFamily="49" charset="0"/>
-              <a:ea typeface="Cascadia Mono" panose="020B0609020000020004" pitchFamily="49" charset="0"/>
-              <a:cs typeface="Cascadia Mono" panose="020B0609020000020004" pitchFamily="49" charset="0"/>
-            </a:endParaRPr>
-          </a:p>
-        </p:txBody>
-      </p:sp>
+      </p:pic>
     </p:spTree>
     <p:extLst>
       <p:ext uri="{BB962C8B-B14F-4D97-AF65-F5344CB8AC3E}">
-        <p14:creationId xmlns:p14="http://schemas.microsoft.com/office/powerpoint/2010/main" val="3134122353"/>
+        <p14:creationId xmlns:p14="http://schemas.microsoft.com/office/powerpoint/2010/main" val="1224710799"/>
       </p:ext>
     </p:extLst>
   </p:cSld>

--- a/Hyperparameter optimization using Optuna.pptx
+++ b/Hyperparameter optimization using Optuna.pptx
@@ -3842,7 +3842,7 @@
           <a:p>
             <a:r>
               <a:rPr lang="en-US" dirty="0"/>
-              <a:t>ML algorithms have parameters and objective functions – which are optimized</a:t>
+              <a:t>ML algorithms have model parameters and objective functions – which are optimized during the learning process</a:t>
             </a:r>
           </a:p>
           <a:p>
@@ -3851,9 +3851,13 @@
           <a:p>
             <a:r>
               <a:rPr lang="en-US" dirty="0"/>
-              <a:t>Hyperparameter tuning is the process of intelligently searching the search space of the parameters via optimization algorithms</a:t>
-            </a:r>
-            <a:endParaRPr lang="en-AU" dirty="0"/>
+              <a:t>Hyperparameter tuning is the process of intelligently searching the search space of the parameters that are specified for the learning  – i.e. </a:t>
+            </a:r>
+            <a:r>
+              <a:rPr lang="en-US" u="sng" dirty="0"/>
+              <a:t>user input/configuration</a:t>
+            </a:r>
+            <a:endParaRPr lang="en-AU" u="sng" dirty="0"/>
           </a:p>
         </p:txBody>
       </p:sp>
@@ -4077,7 +4081,11 @@
             </a:r>
             <a:r>
               <a:rPr lang="en-AU" dirty="0"/>
-              <a:t> as the ML algorithm</a:t>
+              <a:t> as the ML algorithm for </a:t>
+            </a:r>
+            <a:r>
+              <a:rPr lang="en-AU" u="sng" dirty="0"/>
+              <a:t>classification</a:t>
             </a:r>
           </a:p>
           <a:p>
@@ -4352,21 +4360,68 @@
           <a:lstStyle/>
           <a:p>
             <a:r>
+              <a:rPr lang="en-AU" u="sng" dirty="0"/>
+              <a:t>Learning rate</a:t>
+            </a:r>
+            <a:r>
               <a:rPr lang="en-AU" dirty="0"/>
+              <a:t>: step size of model weight update</a:t>
+            </a:r>
+          </a:p>
+          <a:p>
+            <a:r>
+              <a:rPr lang="en-AU" u="sng" dirty="0"/>
+              <a:t>Number of estimators</a:t>
+            </a:r>
+            <a:r>
+              <a:rPr lang="en-AU" dirty="0"/>
+              <a:t>: number of trees</a:t>
+            </a:r>
+          </a:p>
+          <a:p>
+            <a:r>
+              <a:rPr lang="en-AU" u="sng" dirty="0"/>
               <a:t>Max depth</a:t>
             </a:r>
-          </a:p>
-          <a:p>
             <a:r>
               <a:rPr lang="en-AU" dirty="0"/>
-              <a:t>Learning rate</a:t>
-            </a:r>
-          </a:p>
-          <a:p>
+              <a:t>: depth of each tree</a:t>
+            </a:r>
+          </a:p>
+          <a:p>
+            <a:endParaRPr lang="en-AU" dirty="0"/>
+          </a:p>
+          <a:p>
+            <a:pPr marL="0" indent="0">
+              <a:buNone/>
+            </a:pPr>
             <a:r>
               <a:rPr lang="en-AU" dirty="0"/>
-              <a:t>Number of estimators</a:t>
-            </a:r>
+              <a:t>Guidelines</a:t>
+            </a:r>
+          </a:p>
+          <a:p>
+            <a:pPr marL="514350" indent="-514350">
+              <a:buAutoNum type="arabicPeriod"/>
+            </a:pPr>
+            <a:r>
+              <a:rPr lang="en-AU" dirty="0"/>
+              <a:t>Small learning rate with larger number of estimators</a:t>
+            </a:r>
+          </a:p>
+          <a:p>
+            <a:pPr marL="514350" indent="-514350">
+              <a:buAutoNum type="arabicPeriod"/>
+            </a:pPr>
+            <a:r>
+              <a:rPr lang="en-AU" dirty="0"/>
+              <a:t>More depth results in potential overfitting the </a:t>
+            </a:r>
+            <a:r>
+              <a:rPr lang="en-AU"/>
+              <a:t>training data</a:t>
+            </a:r>
+            <a:endParaRPr lang="en-AU" dirty="0"/>
           </a:p>
         </p:txBody>
       </p:sp>

--- a/Hyperparameter optimization using Optuna.pptx
+++ b/Hyperparameter optimization using Optuna.pptx
@@ -15,9 +15,11 @@
     <p:sldId id="264" r:id="rId9"/>
     <p:sldId id="265" r:id="rId10"/>
     <p:sldId id="273" r:id="rId11"/>
-    <p:sldId id="271" r:id="rId12"/>
-    <p:sldId id="272" r:id="rId13"/>
-    <p:sldId id="274" r:id="rId14"/>
+    <p:sldId id="275" r:id="rId12"/>
+    <p:sldId id="276" r:id="rId13"/>
+    <p:sldId id="271" r:id="rId14"/>
+    <p:sldId id="272" r:id="rId15"/>
+    <p:sldId id="274" r:id="rId16"/>
   </p:sldIdLst>
   <p:sldSz cx="12192000" cy="6858000"/>
   <p:notesSz cx="6858000" cy="9144000"/>
@@ -3500,6 +3502,224 @@
   <p:cSld>
     <p:spTree>
       <p:nvGrpSpPr>
+        <p:cNvPr id="1" name=""/>
+        <p:cNvGrpSpPr/>
+        <p:nvPr/>
+      </p:nvGrpSpPr>
+      <p:grpSpPr>
+        <a:xfrm>
+          <a:off x="0" y="0"/>
+          <a:ext cx="0" cy="0"/>
+          <a:chOff x="0" y="0"/>
+          <a:chExt cx="0" cy="0"/>
+        </a:xfrm>
+      </p:grpSpPr>
+      <p:pic>
+        <p:nvPicPr>
+          <p:cNvPr id="3" name="Picture 2" descr="A graph with dots and numbers&#10;&#10;AI-generated content may be incorrect.">
+            <a:extLst>
+              <a:ext uri="{FF2B5EF4-FFF2-40B4-BE49-F238E27FC236}">
+                <a16:creationId xmlns:a16="http://schemas.microsoft.com/office/drawing/2014/main" id="{34130C55-39F5-9406-EC7E-C8DB9BB323B1}"/>
+              </a:ext>
+            </a:extLst>
+          </p:cNvPr>
+          <p:cNvPicPr>
+            <a:picLocks noChangeAspect="1"/>
+          </p:cNvPicPr>
+          <p:nvPr/>
+        </p:nvPicPr>
+        <p:blipFill>
+          <a:blip r:embed="rId2">
+            <a:extLst>
+              <a:ext uri="{28A0092B-C50C-407E-A947-70E740481C1C}">
+                <a14:useLocalDpi xmlns:a14="http://schemas.microsoft.com/office/drawing/2010/main" val="0"/>
+              </a:ext>
+            </a:extLst>
+          </a:blip>
+          <a:stretch>
+            <a:fillRect/>
+          </a:stretch>
+        </p:blipFill>
+        <p:spPr>
+          <a:xfrm>
+            <a:off x="1744894" y="287462"/>
+            <a:ext cx="8229600" cy="4762500"/>
+          </a:xfrm>
+          <a:prstGeom prst="rect">
+            <a:avLst/>
+          </a:prstGeom>
+        </p:spPr>
+      </p:pic>
+      <p:pic>
+        <p:nvPicPr>
+          <p:cNvPr id="5" name="Picture 4" descr="A graph with blue lines and red dots&#10;&#10;AI-generated content may be incorrect.">
+            <a:extLst>
+              <a:ext uri="{FF2B5EF4-FFF2-40B4-BE49-F238E27FC236}">
+                <a16:creationId xmlns:a16="http://schemas.microsoft.com/office/drawing/2014/main" id="{E5ECCD8E-3DE8-B853-5F17-8EB1626E3628}"/>
+              </a:ext>
+            </a:extLst>
+          </p:cNvPr>
+          <p:cNvPicPr>
+            <a:picLocks noChangeAspect="1"/>
+          </p:cNvPicPr>
+          <p:nvPr/>
+        </p:nvPicPr>
+        <p:blipFill>
+          <a:blip r:embed="rId3">
+            <a:extLst>
+              <a:ext uri="{28A0092B-C50C-407E-A947-70E740481C1C}">
+                <a14:useLocalDpi xmlns:a14="http://schemas.microsoft.com/office/drawing/2010/main" val="0"/>
+              </a:ext>
+            </a:extLst>
+          </a:blip>
+          <a:stretch>
+            <a:fillRect/>
+          </a:stretch>
+        </p:blipFill>
+        <p:spPr>
+          <a:xfrm>
+            <a:off x="1894894" y="437462"/>
+            <a:ext cx="8229600" cy="4762500"/>
+          </a:xfrm>
+          <a:prstGeom prst="rect">
+            <a:avLst/>
+          </a:prstGeom>
+        </p:spPr>
+      </p:pic>
+    </p:spTree>
+    <p:extLst>
+      <p:ext uri="{BB962C8B-B14F-4D97-AF65-F5344CB8AC3E}">
+        <p14:creationId xmlns:p14="http://schemas.microsoft.com/office/powerpoint/2010/main" val="3912687090"/>
+      </p:ext>
+    </p:extLst>
+  </p:cSld>
+  <p:clrMapOvr>
+    <a:masterClrMapping/>
+  </p:clrMapOvr>
+</p:sld>
+</file>
+
+<file path=ppt/slides/slide12.xml><?xml version="1.0" encoding="utf-8"?>
+<p:sld xmlns:a="http://schemas.openxmlformats.org/drawingml/2006/main" xmlns:r="http://schemas.openxmlformats.org/officeDocument/2006/relationships" xmlns:p="http://schemas.openxmlformats.org/presentationml/2006/main">
+  <p:cSld>
+    <p:spTree>
+      <p:nvGrpSpPr>
+        <p:cNvPr id="1" name=""/>
+        <p:cNvGrpSpPr/>
+        <p:nvPr/>
+      </p:nvGrpSpPr>
+      <p:grpSpPr>
+        <a:xfrm>
+          <a:off x="0" y="0"/>
+          <a:ext cx="0" cy="0"/>
+          <a:chOff x="0" y="0"/>
+          <a:chExt cx="0" cy="0"/>
+        </a:xfrm>
+      </p:grpSpPr>
+      <p:sp>
+        <p:nvSpPr>
+          <p:cNvPr id="2" name="Title 1">
+            <a:extLst>
+              <a:ext uri="{FF2B5EF4-FFF2-40B4-BE49-F238E27FC236}">
+                <a16:creationId xmlns:a16="http://schemas.microsoft.com/office/drawing/2014/main" id="{29921A9F-E4C2-820D-F31E-2B22C2B0A7B1}"/>
+              </a:ext>
+            </a:extLst>
+          </p:cNvPr>
+          <p:cNvSpPr>
+            <a:spLocks noGrp="1"/>
+          </p:cNvSpPr>
+          <p:nvPr>
+            <p:ph type="ctrTitle"/>
+          </p:nvPr>
+        </p:nvSpPr>
+        <p:spPr/>
+        <p:txBody>
+          <a:bodyPr/>
+          <a:lstStyle/>
+          <a:p>
+            <a:endParaRPr lang="en-AU"/>
+          </a:p>
+        </p:txBody>
+      </p:sp>
+      <p:sp>
+        <p:nvSpPr>
+          <p:cNvPr id="3" name="Subtitle 2">
+            <a:extLst>
+              <a:ext uri="{FF2B5EF4-FFF2-40B4-BE49-F238E27FC236}">
+                <a16:creationId xmlns:a16="http://schemas.microsoft.com/office/drawing/2014/main" id="{94CE0CEF-8F6A-3BF2-68CD-96142004273E}"/>
+              </a:ext>
+            </a:extLst>
+          </p:cNvPr>
+          <p:cNvSpPr>
+            <a:spLocks noGrp="1"/>
+          </p:cNvSpPr>
+          <p:nvPr>
+            <p:ph type="subTitle" idx="1"/>
+          </p:nvPr>
+        </p:nvSpPr>
+        <p:spPr/>
+        <p:txBody>
+          <a:bodyPr/>
+          <a:lstStyle/>
+          <a:p>
+            <a:endParaRPr lang="en-AU"/>
+          </a:p>
+        </p:txBody>
+      </p:sp>
+      <p:pic>
+        <p:nvPicPr>
+          <p:cNvPr id="5" name="Picture 4" descr="A graph with dots and numbers&#10;&#10;AI-generated content may be incorrect.">
+            <a:extLst>
+              <a:ext uri="{FF2B5EF4-FFF2-40B4-BE49-F238E27FC236}">
+                <a16:creationId xmlns:a16="http://schemas.microsoft.com/office/drawing/2014/main" id="{30C1813E-5A31-5142-A58F-80DAAC137088}"/>
+              </a:ext>
+            </a:extLst>
+          </p:cNvPr>
+          <p:cNvPicPr>
+            <a:picLocks noChangeAspect="1"/>
+          </p:cNvPicPr>
+          <p:nvPr/>
+        </p:nvPicPr>
+        <p:blipFill>
+          <a:blip r:embed="rId2">
+            <a:extLst>
+              <a:ext uri="{28A0092B-C50C-407E-A947-70E740481C1C}">
+                <a14:useLocalDpi xmlns:a14="http://schemas.microsoft.com/office/drawing/2010/main" val="0"/>
+              </a:ext>
+            </a:extLst>
+          </a:blip>
+          <a:stretch>
+            <a:fillRect/>
+          </a:stretch>
+        </p:blipFill>
+        <p:spPr>
+          <a:xfrm>
+            <a:off x="1981200" y="1047750"/>
+            <a:ext cx="8229600" cy="4762500"/>
+          </a:xfrm>
+          <a:prstGeom prst="rect">
+            <a:avLst/>
+          </a:prstGeom>
+        </p:spPr>
+      </p:pic>
+    </p:spTree>
+    <p:extLst>
+      <p:ext uri="{BB962C8B-B14F-4D97-AF65-F5344CB8AC3E}">
+        <p14:creationId xmlns:p14="http://schemas.microsoft.com/office/powerpoint/2010/main" val="2079368822"/>
+      </p:ext>
+    </p:extLst>
+  </p:cSld>
+  <p:clrMapOvr>
+    <a:masterClrMapping/>
+  </p:clrMapOvr>
+</p:sld>
+</file>
+
+<file path=ppt/slides/slide13.xml><?xml version="1.0" encoding="utf-8"?>
+<p:sld xmlns:a="http://schemas.openxmlformats.org/drawingml/2006/main" xmlns:r="http://schemas.openxmlformats.org/officeDocument/2006/relationships" xmlns:p="http://schemas.openxmlformats.org/presentationml/2006/main">
+  <p:cSld>
+    <p:spTree>
+      <p:nvGrpSpPr>
         <p:cNvPr id="1" name="">
           <a:extLst>
             <a:ext uri="{FF2B5EF4-FFF2-40B4-BE49-F238E27FC236}">
@@ -3596,7 +3816,7 @@
 </p:sld>
 </file>
 
-<file path=ppt/slides/slide12.xml><?xml version="1.0" encoding="utf-8"?>
+<file path=ppt/slides/slide14.xml><?xml version="1.0" encoding="utf-8"?>
 <p:sld xmlns:a="http://schemas.openxmlformats.org/drawingml/2006/main" xmlns:r="http://schemas.openxmlformats.org/officeDocument/2006/relationships" xmlns:p="http://schemas.openxmlformats.org/presentationml/2006/main">
   <p:cSld>
     <p:spTree>
@@ -3702,7 +3922,7 @@
 </p:sld>
 </file>
 
-<file path=ppt/slides/slide13.xml><?xml version="1.0" encoding="utf-8"?>
+<file path=ppt/slides/slide15.xml><?xml version="1.0" encoding="utf-8"?>
 <p:sld xmlns:a="http://schemas.openxmlformats.org/drawingml/2006/main" xmlns:r="http://schemas.openxmlformats.org/officeDocument/2006/relationships" xmlns:p="http://schemas.openxmlformats.org/presentationml/2006/main">
   <p:cSld>
     <p:spTree>
@@ -4410,18 +4630,22 @@
             </a:r>
           </a:p>
           <a:p>
+            <a:pPr marL="971550" lvl="1" indent="-514350">
+              <a:buAutoNum type="arabicPeriod"/>
+            </a:pPr>
+            <a:r>
+              <a:rPr lang="en-AU" dirty="0"/>
+              <a:t>Balance between stability and training speed (lower learning rate)</a:t>
+            </a:r>
+          </a:p>
+          <a:p>
             <a:pPr marL="514350" indent="-514350">
               <a:buAutoNum type="arabicPeriod"/>
             </a:pPr>
             <a:r>
               <a:rPr lang="en-AU" dirty="0"/>
-              <a:t>More depth results in potential overfitting the </a:t>
-            </a:r>
-            <a:r>
-              <a:rPr lang="en-AU"/>
-              <a:t>training data</a:t>
-            </a:r>
-            <a:endParaRPr lang="en-AU" dirty="0"/>
+              <a:t>More depth results in potential overfitting the training data</a:t>
+            </a:r>
           </a:p>
         </p:txBody>
       </p:sp>

--- a/Hyperparameter optimization using Optuna.pptx
+++ b/Hyperparameter optimization using Optuna.pptx
@@ -4,6 +4,9 @@
   <p:sldMasterIdLst>
     <p:sldMasterId id="2147483648" r:id="rId1"/>
   </p:sldMasterIdLst>
+  <p:notesMasterIdLst>
+    <p:notesMasterId r:id="rId20"/>
+  </p:notesMasterIdLst>
   <p:sldIdLst>
     <p:sldId id="256" r:id="rId2"/>
     <p:sldId id="259" r:id="rId3"/>
@@ -14,12 +17,15 @@
     <p:sldId id="269" r:id="rId8"/>
     <p:sldId id="264" r:id="rId9"/>
     <p:sldId id="265" r:id="rId10"/>
-    <p:sldId id="273" r:id="rId11"/>
-    <p:sldId id="275" r:id="rId12"/>
-    <p:sldId id="276" r:id="rId13"/>
-    <p:sldId id="271" r:id="rId14"/>
-    <p:sldId id="272" r:id="rId15"/>
-    <p:sldId id="274" r:id="rId16"/>
+    <p:sldId id="275" r:id="rId11"/>
+    <p:sldId id="276" r:id="rId12"/>
+    <p:sldId id="273" r:id="rId13"/>
+    <p:sldId id="278" r:id="rId14"/>
+    <p:sldId id="271" r:id="rId15"/>
+    <p:sldId id="272" r:id="rId16"/>
+    <p:sldId id="274" r:id="rId17"/>
+    <p:sldId id="277" r:id="rId18"/>
+    <p:sldId id="279" r:id="rId19"/>
   </p:sldIdLst>
   <p:sldSz cx="12192000" cy="6858000"/>
   <p:notesSz cx="6858000" cy="9144000"/>
@@ -124,6 +130,583 @@
     </p:ext>
   </p:extLst>
 </p:presentation>
+</file>
+
+<file path=ppt/notesMasters/notesMaster1.xml><?xml version="1.0" encoding="utf-8"?>
+<p:notesMaster xmlns:a="http://schemas.openxmlformats.org/drawingml/2006/main" xmlns:r="http://schemas.openxmlformats.org/officeDocument/2006/relationships" xmlns:p="http://schemas.openxmlformats.org/presentationml/2006/main">
+  <p:cSld>
+    <p:bg>
+      <p:bgRef idx="1001">
+        <a:schemeClr val="bg1"/>
+      </p:bgRef>
+    </p:bg>
+    <p:spTree>
+      <p:nvGrpSpPr>
+        <p:cNvPr id="1" name=""/>
+        <p:cNvGrpSpPr/>
+        <p:nvPr/>
+      </p:nvGrpSpPr>
+      <p:grpSpPr>
+        <a:xfrm>
+          <a:off x="0" y="0"/>
+          <a:ext cx="0" cy="0"/>
+          <a:chOff x="0" y="0"/>
+          <a:chExt cx="0" cy="0"/>
+        </a:xfrm>
+      </p:grpSpPr>
+      <p:sp>
+        <p:nvSpPr>
+          <p:cNvPr id="2" name="Header Placeholder 1"/>
+          <p:cNvSpPr>
+            <a:spLocks noGrp="1"/>
+          </p:cNvSpPr>
+          <p:nvPr>
+            <p:ph type="hdr" sz="quarter"/>
+          </p:nvPr>
+        </p:nvSpPr>
+        <p:spPr>
+          <a:xfrm>
+            <a:off x="0" y="0"/>
+            <a:ext cx="2971800" cy="458788"/>
+          </a:xfrm>
+          <a:prstGeom prst="rect">
+            <a:avLst/>
+          </a:prstGeom>
+        </p:spPr>
+        <p:txBody>
+          <a:bodyPr vert="horz" lIns="91440" tIns="45720" rIns="91440" bIns="45720" rtlCol="0"/>
+          <a:lstStyle>
+            <a:lvl1pPr algn="l">
+              <a:defRPr sz="1200"/>
+            </a:lvl1pPr>
+          </a:lstStyle>
+          <a:p>
+            <a:endParaRPr lang="en-AU"/>
+          </a:p>
+        </p:txBody>
+      </p:sp>
+      <p:sp>
+        <p:nvSpPr>
+          <p:cNvPr id="3" name="Date Placeholder 2"/>
+          <p:cNvSpPr>
+            <a:spLocks noGrp="1"/>
+          </p:cNvSpPr>
+          <p:nvPr>
+            <p:ph type="dt" idx="1"/>
+          </p:nvPr>
+        </p:nvSpPr>
+        <p:spPr>
+          <a:xfrm>
+            <a:off x="3884613" y="0"/>
+            <a:ext cx="2971800" cy="458788"/>
+          </a:xfrm>
+          <a:prstGeom prst="rect">
+            <a:avLst/>
+          </a:prstGeom>
+        </p:spPr>
+        <p:txBody>
+          <a:bodyPr vert="horz" lIns="91440" tIns="45720" rIns="91440" bIns="45720" rtlCol="0"/>
+          <a:lstStyle>
+            <a:lvl1pPr algn="r">
+              <a:defRPr sz="1200"/>
+            </a:lvl1pPr>
+          </a:lstStyle>
+          <a:p>
+            <a:fld id="{01FA97C2-49FE-488E-B038-FF874308A5DB}" type="datetimeFigureOut">
+              <a:rPr lang="en-AU" smtClean="0"/>
+              <a:t>25/10/2025</a:t>
+            </a:fld>
+            <a:endParaRPr lang="en-AU"/>
+          </a:p>
+        </p:txBody>
+      </p:sp>
+      <p:sp>
+        <p:nvSpPr>
+          <p:cNvPr id="4" name="Slide Image Placeholder 3"/>
+          <p:cNvSpPr>
+            <a:spLocks noGrp="1" noRot="1" noChangeAspect="1"/>
+          </p:cNvSpPr>
+          <p:nvPr>
+            <p:ph type="sldImg" idx="2"/>
+          </p:nvPr>
+        </p:nvSpPr>
+        <p:spPr>
+          <a:xfrm>
+            <a:off x="685800" y="1143000"/>
+            <a:ext cx="5486400" cy="3086100"/>
+          </a:xfrm>
+          <a:prstGeom prst="rect">
+            <a:avLst/>
+          </a:prstGeom>
+          <a:noFill/>
+          <a:ln w="12700">
+            <a:solidFill>
+              <a:prstClr val="black"/>
+            </a:solidFill>
+          </a:ln>
+        </p:spPr>
+        <p:txBody>
+          <a:bodyPr vert="horz" lIns="91440" tIns="45720" rIns="91440" bIns="45720" rtlCol="0" anchor="ctr"/>
+          <a:lstStyle/>
+          <a:p>
+            <a:endParaRPr lang="en-AU"/>
+          </a:p>
+        </p:txBody>
+      </p:sp>
+      <p:sp>
+        <p:nvSpPr>
+          <p:cNvPr id="5" name="Notes Placeholder 4"/>
+          <p:cNvSpPr>
+            <a:spLocks noGrp="1"/>
+          </p:cNvSpPr>
+          <p:nvPr>
+            <p:ph type="body" sz="quarter" idx="3"/>
+          </p:nvPr>
+        </p:nvSpPr>
+        <p:spPr>
+          <a:xfrm>
+            <a:off x="685800" y="4400550"/>
+            <a:ext cx="5486400" cy="3600450"/>
+          </a:xfrm>
+          <a:prstGeom prst="rect">
+            <a:avLst/>
+          </a:prstGeom>
+        </p:spPr>
+        <p:txBody>
+          <a:bodyPr vert="horz" lIns="91440" tIns="45720" rIns="91440" bIns="45720" rtlCol="0"/>
+          <a:lstStyle/>
+          <a:p>
+            <a:pPr lvl="0"/>
+            <a:r>
+              <a:rPr lang="en-US"/>
+              <a:t>Click to edit Master text styles</a:t>
+            </a:r>
+          </a:p>
+          <a:p>
+            <a:pPr lvl="1"/>
+            <a:r>
+              <a:rPr lang="en-US"/>
+              <a:t>Second level</a:t>
+            </a:r>
+          </a:p>
+          <a:p>
+            <a:pPr lvl="2"/>
+            <a:r>
+              <a:rPr lang="en-US"/>
+              <a:t>Third level</a:t>
+            </a:r>
+          </a:p>
+          <a:p>
+            <a:pPr lvl="3"/>
+            <a:r>
+              <a:rPr lang="en-US"/>
+              <a:t>Fourth level</a:t>
+            </a:r>
+          </a:p>
+          <a:p>
+            <a:pPr lvl="4"/>
+            <a:r>
+              <a:rPr lang="en-US"/>
+              <a:t>Fifth level</a:t>
+            </a:r>
+            <a:endParaRPr lang="en-AU"/>
+          </a:p>
+        </p:txBody>
+      </p:sp>
+      <p:sp>
+        <p:nvSpPr>
+          <p:cNvPr id="6" name="Footer Placeholder 5"/>
+          <p:cNvSpPr>
+            <a:spLocks noGrp="1"/>
+          </p:cNvSpPr>
+          <p:nvPr>
+            <p:ph type="ftr" sz="quarter" idx="4"/>
+          </p:nvPr>
+        </p:nvSpPr>
+        <p:spPr>
+          <a:xfrm>
+            <a:off x="0" y="8685213"/>
+            <a:ext cx="2971800" cy="458787"/>
+          </a:xfrm>
+          <a:prstGeom prst="rect">
+            <a:avLst/>
+          </a:prstGeom>
+        </p:spPr>
+        <p:txBody>
+          <a:bodyPr vert="horz" lIns="91440" tIns="45720" rIns="91440" bIns="45720" rtlCol="0" anchor="b"/>
+          <a:lstStyle>
+            <a:lvl1pPr algn="l">
+              <a:defRPr sz="1200"/>
+            </a:lvl1pPr>
+          </a:lstStyle>
+          <a:p>
+            <a:endParaRPr lang="en-AU"/>
+          </a:p>
+        </p:txBody>
+      </p:sp>
+      <p:sp>
+        <p:nvSpPr>
+          <p:cNvPr id="7" name="Slide Number Placeholder 6"/>
+          <p:cNvSpPr>
+            <a:spLocks noGrp="1"/>
+          </p:cNvSpPr>
+          <p:nvPr>
+            <p:ph type="sldNum" sz="quarter" idx="5"/>
+          </p:nvPr>
+        </p:nvSpPr>
+        <p:spPr>
+          <a:xfrm>
+            <a:off x="3884613" y="8685213"/>
+            <a:ext cx="2971800" cy="458787"/>
+          </a:xfrm>
+          <a:prstGeom prst="rect">
+            <a:avLst/>
+          </a:prstGeom>
+        </p:spPr>
+        <p:txBody>
+          <a:bodyPr vert="horz" lIns="91440" tIns="45720" rIns="91440" bIns="45720" rtlCol="0" anchor="b"/>
+          <a:lstStyle>
+            <a:lvl1pPr algn="r">
+              <a:defRPr sz="1200"/>
+            </a:lvl1pPr>
+          </a:lstStyle>
+          <a:p>
+            <a:fld id="{6A16E4C8-CBA7-4413-B623-0D6DC4863BB3}" type="slidenum">
+              <a:rPr lang="en-AU" smtClean="0"/>
+              <a:t>‹#›</a:t>
+            </a:fld>
+            <a:endParaRPr lang="en-AU"/>
+          </a:p>
+        </p:txBody>
+      </p:sp>
+    </p:spTree>
+    <p:extLst>
+      <p:ext uri="{BB962C8B-B14F-4D97-AF65-F5344CB8AC3E}">
+        <p14:creationId xmlns:p14="http://schemas.microsoft.com/office/powerpoint/2010/main" val="785920651"/>
+      </p:ext>
+    </p:extLst>
+  </p:cSld>
+  <p:clrMap bg1="lt1" tx1="dk1" bg2="lt2" tx2="dk2" accent1="accent1" accent2="accent2" accent3="accent3" accent4="accent4" accent5="accent5" accent6="accent6" hlink="hlink" folHlink="folHlink"/>
+  <p:notesStyle>
+    <a:lvl1pPr marL="0" algn="l" defTabSz="914400" rtl="0" eaLnBrk="1" latinLnBrk="0" hangingPunct="1">
+      <a:defRPr sz="1200" kern="1200">
+        <a:solidFill>
+          <a:schemeClr val="tx1"/>
+        </a:solidFill>
+        <a:latin typeface="+mn-lt"/>
+        <a:ea typeface="+mn-ea"/>
+        <a:cs typeface="+mn-cs"/>
+      </a:defRPr>
+    </a:lvl1pPr>
+    <a:lvl2pPr marL="457200" algn="l" defTabSz="914400" rtl="0" eaLnBrk="1" latinLnBrk="0" hangingPunct="1">
+      <a:defRPr sz="1200" kern="1200">
+        <a:solidFill>
+          <a:schemeClr val="tx1"/>
+        </a:solidFill>
+        <a:latin typeface="+mn-lt"/>
+        <a:ea typeface="+mn-ea"/>
+        <a:cs typeface="+mn-cs"/>
+      </a:defRPr>
+    </a:lvl2pPr>
+    <a:lvl3pPr marL="914400" algn="l" defTabSz="914400" rtl="0" eaLnBrk="1" latinLnBrk="0" hangingPunct="1">
+      <a:defRPr sz="1200" kern="1200">
+        <a:solidFill>
+          <a:schemeClr val="tx1"/>
+        </a:solidFill>
+        <a:latin typeface="+mn-lt"/>
+        <a:ea typeface="+mn-ea"/>
+        <a:cs typeface="+mn-cs"/>
+      </a:defRPr>
+    </a:lvl3pPr>
+    <a:lvl4pPr marL="1371600" algn="l" defTabSz="914400" rtl="0" eaLnBrk="1" latinLnBrk="0" hangingPunct="1">
+      <a:defRPr sz="1200" kern="1200">
+        <a:solidFill>
+          <a:schemeClr val="tx1"/>
+        </a:solidFill>
+        <a:latin typeface="+mn-lt"/>
+        <a:ea typeface="+mn-ea"/>
+        <a:cs typeface="+mn-cs"/>
+      </a:defRPr>
+    </a:lvl4pPr>
+    <a:lvl5pPr marL="1828800" algn="l" defTabSz="914400" rtl="0" eaLnBrk="1" latinLnBrk="0" hangingPunct="1">
+      <a:defRPr sz="1200" kern="1200">
+        <a:solidFill>
+          <a:schemeClr val="tx1"/>
+        </a:solidFill>
+        <a:latin typeface="+mn-lt"/>
+        <a:ea typeface="+mn-ea"/>
+        <a:cs typeface="+mn-cs"/>
+      </a:defRPr>
+    </a:lvl5pPr>
+    <a:lvl6pPr marL="2286000" algn="l" defTabSz="914400" rtl="0" eaLnBrk="1" latinLnBrk="0" hangingPunct="1">
+      <a:defRPr sz="1200" kern="1200">
+        <a:solidFill>
+          <a:schemeClr val="tx1"/>
+        </a:solidFill>
+        <a:latin typeface="+mn-lt"/>
+        <a:ea typeface="+mn-ea"/>
+        <a:cs typeface="+mn-cs"/>
+      </a:defRPr>
+    </a:lvl6pPr>
+    <a:lvl7pPr marL="2743200" algn="l" defTabSz="914400" rtl="0" eaLnBrk="1" latinLnBrk="0" hangingPunct="1">
+      <a:defRPr sz="1200" kern="1200">
+        <a:solidFill>
+          <a:schemeClr val="tx1"/>
+        </a:solidFill>
+        <a:latin typeface="+mn-lt"/>
+        <a:ea typeface="+mn-ea"/>
+        <a:cs typeface="+mn-cs"/>
+      </a:defRPr>
+    </a:lvl7pPr>
+    <a:lvl8pPr marL="3200400" algn="l" defTabSz="914400" rtl="0" eaLnBrk="1" latinLnBrk="0" hangingPunct="1">
+      <a:defRPr sz="1200" kern="1200">
+        <a:solidFill>
+          <a:schemeClr val="tx1"/>
+        </a:solidFill>
+        <a:latin typeface="+mn-lt"/>
+        <a:ea typeface="+mn-ea"/>
+        <a:cs typeface="+mn-cs"/>
+      </a:defRPr>
+    </a:lvl8pPr>
+    <a:lvl9pPr marL="3657600" algn="l" defTabSz="914400" rtl="0" eaLnBrk="1" latinLnBrk="0" hangingPunct="1">
+      <a:defRPr sz="1200" kern="1200">
+        <a:solidFill>
+          <a:schemeClr val="tx1"/>
+        </a:solidFill>
+        <a:latin typeface="+mn-lt"/>
+        <a:ea typeface="+mn-ea"/>
+        <a:cs typeface="+mn-cs"/>
+      </a:defRPr>
+    </a:lvl9pPr>
+  </p:notesStyle>
+</p:notesMaster>
+</file>
+
+<file path=ppt/notesSlides/notesSlide1.xml><?xml version="1.0" encoding="utf-8"?>
+<p:notes xmlns:a="http://schemas.openxmlformats.org/drawingml/2006/main" xmlns:r="http://schemas.openxmlformats.org/officeDocument/2006/relationships" xmlns:p="http://schemas.openxmlformats.org/presentationml/2006/main">
+  <p:cSld>
+    <p:spTree>
+      <p:nvGrpSpPr>
+        <p:cNvPr id="1" name=""/>
+        <p:cNvGrpSpPr/>
+        <p:nvPr/>
+      </p:nvGrpSpPr>
+      <p:grpSpPr>
+        <a:xfrm>
+          <a:off x="0" y="0"/>
+          <a:ext cx="0" cy="0"/>
+          <a:chOff x="0" y="0"/>
+          <a:chExt cx="0" cy="0"/>
+        </a:xfrm>
+      </p:grpSpPr>
+      <p:sp>
+        <p:nvSpPr>
+          <p:cNvPr id="2" name="Slide Image Placeholder 1"/>
+          <p:cNvSpPr>
+            <a:spLocks noGrp="1" noRot="1" noChangeAspect="1"/>
+          </p:cNvSpPr>
+          <p:nvPr>
+            <p:ph type="sldImg"/>
+          </p:nvPr>
+        </p:nvSpPr>
+        <p:spPr/>
+      </p:sp>
+      <p:sp>
+        <p:nvSpPr>
+          <p:cNvPr id="3" name="Notes Placeholder 2"/>
+          <p:cNvSpPr>
+            <a:spLocks noGrp="1"/>
+          </p:cNvSpPr>
+          <p:nvPr>
+            <p:ph type="body" idx="1"/>
+          </p:nvPr>
+        </p:nvSpPr>
+        <p:spPr/>
+        <p:txBody>
+          <a:bodyPr/>
+          <a:lstStyle/>
+          <a:p>
+            <a:r>
+              <a:rPr lang="en-US" dirty="0"/>
+              <a:t>Each </a:t>
+            </a:r>
+            <a:r>
+              <a:rPr lang="en-US" b="1" dirty="0"/>
+              <a:t>red star</a:t>
+            </a:r>
+            <a:r>
+              <a:rPr lang="en-US" dirty="0"/>
+              <a:t> = a </a:t>
+            </a:r>
+            <a:r>
+              <a:rPr lang="en-US" b="1" dirty="0"/>
+              <a:t>Pareto-optimal</a:t>
+            </a:r>
+            <a:r>
+              <a:rPr lang="en-US" dirty="0"/>
+              <a:t> model — one that offers the </a:t>
+            </a:r>
+            <a:r>
+              <a:rPr lang="en-US" i="1" dirty="0"/>
+              <a:t>best trade-off</a:t>
+            </a:r>
+            <a:r>
+              <a:rPr lang="en-US" dirty="0"/>
+              <a:t> between AUC and complexity.</a:t>
+            </a:r>
+          </a:p>
+          <a:p>
+            <a:r>
+              <a:rPr lang="en-US" dirty="0"/>
+              <a:t>You can see three main insights:</a:t>
+            </a:r>
+          </a:p>
+          <a:p>
+            <a:r>
+              <a:rPr lang="en-US" b="1" dirty="0"/>
+              <a:t>Rapid improvement early:</a:t>
+            </a:r>
+            <a:br>
+              <a:rPr lang="en-US" dirty="0"/>
+            </a:br>
+            <a:r>
+              <a:rPr lang="en-US" dirty="0"/>
+              <a:t>Increasing model complexity from low to moderate levels sharply increases AUC.</a:t>
+            </a:r>
+            <a:br>
+              <a:rPr lang="en-US" dirty="0"/>
+            </a:br>
+            <a:r>
+              <a:rPr lang="en-US" dirty="0"/>
+              <a:t>→ e.g., the jump between ~200–500 complexity yields big accuracy gain.</a:t>
+            </a:r>
+          </a:p>
+          <a:p>
+            <a:r>
+              <a:rPr lang="en-US" b="1" dirty="0"/>
+              <a:t>Diminishing returns:</a:t>
+            </a:r>
+            <a:br>
+              <a:rPr lang="en-US" dirty="0"/>
+            </a:br>
+            <a:r>
+              <a:rPr lang="en-US" dirty="0"/>
+              <a:t>Beyond ~1000–1500 complexity, the AUC gains flatten — more trees or deeper trees add little value.</a:t>
+            </a:r>
+          </a:p>
+          <a:p>
+            <a:r>
+              <a:rPr lang="en-US" b="1" dirty="0"/>
+              <a:t>Pareto frontier:</a:t>
+            </a:r>
+            <a:br>
+              <a:rPr lang="en-US" dirty="0"/>
+            </a:br>
+            <a:r>
+              <a:rPr lang="en-US" dirty="0"/>
+              <a:t>The red dashed line outlines the “efficient boundary”:</a:t>
+            </a:r>
+            <a:br>
+              <a:rPr lang="en-US" dirty="0"/>
+            </a:br>
+            <a:r>
+              <a:rPr lang="en-US" dirty="0"/>
+              <a:t>these are models that you </a:t>
+            </a:r>
+            <a:r>
+              <a:rPr lang="en-US" b="1" dirty="0"/>
+              <a:t>cannot improve on AUC without increasing complexity</a:t>
+            </a:r>
+            <a:r>
+              <a:rPr lang="en-US" dirty="0"/>
+              <a:t>.</a:t>
+            </a:r>
+          </a:p>
+          <a:p>
+            <a:br>
+              <a:rPr lang="en-US" dirty="0"/>
+            </a:br>
+            <a:endParaRPr lang="en-US" dirty="0"/>
+          </a:p>
+          <a:p>
+            <a:r>
+              <a:rPr lang="en-US" b="1" dirty="0"/>
+              <a:t>⚖️ In decision terms</a:t>
+            </a:r>
+          </a:p>
+          <a:p>
+            <a:r>
+              <a:rPr lang="en-US" dirty="0"/>
+              <a:t>If your goal is to balance accuracy and interpretability (or cost):</a:t>
+            </a:r>
+          </a:p>
+          <a:p>
+            <a:r>
+              <a:rPr lang="en-US" dirty="0"/>
+              <a:t>Choose a point on the </a:t>
+            </a:r>
+            <a:r>
+              <a:rPr lang="en-US" b="1" dirty="0"/>
+              <a:t>leftmost segment</a:t>
+            </a:r>
+            <a:r>
+              <a:rPr lang="en-US" dirty="0"/>
+              <a:t> of the Pareto front (e.g., around 400–600 complexity).</a:t>
+            </a:r>
+          </a:p>
+          <a:p>
+            <a:r>
+              <a:rPr lang="en-US" dirty="0"/>
+              <a:t>If resources allow and interpretability is less critical, pick the </a:t>
+            </a:r>
+            <a:r>
+              <a:rPr lang="en-US" b="1" dirty="0"/>
+              <a:t>rightmost Pareto point</a:t>
+            </a:r>
+            <a:r>
+              <a:rPr lang="en-US" dirty="0"/>
+              <a:t> (around 1500 complexity) — but beyond that, you’re paying for negligible AUC improvement.</a:t>
+            </a:r>
+          </a:p>
+          <a:p>
+            <a:endParaRPr lang="en-AU" dirty="0"/>
+          </a:p>
+        </p:txBody>
+      </p:sp>
+      <p:sp>
+        <p:nvSpPr>
+          <p:cNvPr id="4" name="Slide Number Placeholder 3"/>
+          <p:cNvSpPr>
+            <a:spLocks noGrp="1"/>
+          </p:cNvSpPr>
+          <p:nvPr>
+            <p:ph type="sldNum" sz="quarter" idx="5"/>
+          </p:nvPr>
+        </p:nvSpPr>
+        <p:spPr/>
+        <p:txBody>
+          <a:bodyPr/>
+          <a:lstStyle/>
+          <a:p>
+            <a:fld id="{6A16E4C8-CBA7-4413-B623-0D6DC4863BB3}" type="slidenum">
+              <a:rPr lang="en-AU" smtClean="0"/>
+              <a:t>17</a:t>
+            </a:fld>
+            <a:endParaRPr lang="en-AU"/>
+          </a:p>
+        </p:txBody>
+      </p:sp>
+    </p:spTree>
+    <p:extLst>
+      <p:ext uri="{BB962C8B-B14F-4D97-AF65-F5344CB8AC3E}">
+        <p14:creationId xmlns:p14="http://schemas.microsoft.com/office/powerpoint/2010/main" val="3644966925"/>
+      </p:ext>
+    </p:extLst>
+  </p:cSld>
+  <p:clrMapOvr>
+    <a:masterClrMapping/>
+  </p:clrMapOvr>
+</p:notes>
 </file>
 
 <file path=ppt/slideLayouts/slideLayout1.xml><?xml version="1.0" encoding="utf-8"?>
@@ -3449,71 +4032,6 @@
           <a:chExt cx="0" cy="0"/>
         </a:xfrm>
       </p:grpSpPr>
-      <p:sp>
-        <p:nvSpPr>
-          <p:cNvPr id="3" name="TextBox 2">
-            <a:extLst>
-              <a:ext uri="{FF2B5EF4-FFF2-40B4-BE49-F238E27FC236}">
-                <a16:creationId xmlns:a16="http://schemas.microsoft.com/office/drawing/2014/main" id="{E768AB6B-972C-9BC5-D5FE-536F655FE47A}"/>
-              </a:ext>
-            </a:extLst>
-          </p:cNvPr>
-          <p:cNvSpPr txBox="1"/>
-          <p:nvPr/>
-        </p:nvSpPr>
-        <p:spPr>
-          <a:xfrm>
-            <a:off x="2250040" y="3328827"/>
-            <a:ext cx="1744388" cy="769441"/>
-          </a:xfrm>
-          <a:prstGeom prst="rect">
-            <a:avLst/>
-          </a:prstGeom>
-          <a:noFill/>
-        </p:spPr>
-        <p:txBody>
-          <a:bodyPr wrap="none" rtlCol="0">
-            <a:spAutoFit/>
-          </a:bodyPr>
-          <a:lstStyle/>
-          <a:p>
-            <a:r>
-              <a:rPr lang="en-AU" sz="4400" dirty="0"/>
-              <a:t>DEMO</a:t>
-            </a:r>
-          </a:p>
-        </p:txBody>
-      </p:sp>
-    </p:spTree>
-    <p:extLst>
-      <p:ext uri="{BB962C8B-B14F-4D97-AF65-F5344CB8AC3E}">
-        <p14:creationId xmlns:p14="http://schemas.microsoft.com/office/powerpoint/2010/main" val="4069189448"/>
-      </p:ext>
-    </p:extLst>
-  </p:cSld>
-  <p:clrMapOvr>
-    <a:masterClrMapping/>
-  </p:clrMapOvr>
-</p:sld>
-</file>
-
-<file path=ppt/slides/slide11.xml><?xml version="1.0" encoding="utf-8"?>
-<p:sld xmlns:a="http://schemas.openxmlformats.org/drawingml/2006/main" xmlns:r="http://schemas.openxmlformats.org/officeDocument/2006/relationships" xmlns:p="http://schemas.openxmlformats.org/presentationml/2006/main">
-  <p:cSld>
-    <p:spTree>
-      <p:nvGrpSpPr>
-        <p:cNvPr id="1" name=""/>
-        <p:cNvGrpSpPr/>
-        <p:nvPr/>
-      </p:nvGrpSpPr>
-      <p:grpSpPr>
-        <a:xfrm>
-          <a:off x="0" y="0"/>
-          <a:ext cx="0" cy="0"/>
-          <a:chOff x="0" y="0"/>
-          <a:chExt cx="0" cy="0"/>
-        </a:xfrm>
-      </p:grpSpPr>
       <p:pic>
         <p:nvPicPr>
           <p:cNvPr id="3" name="Picture 2" descr="A graph with dots and numbers&#10;&#10;AI-generated content may be incorrect.">
@@ -3599,7 +4117,7 @@
 </p:sld>
 </file>
 
-<file path=ppt/slides/slide12.xml><?xml version="1.0" encoding="utf-8"?>
+<file path=ppt/slides/slide11.xml><?xml version="1.0" encoding="utf-8"?>
 <p:sld xmlns:a="http://schemas.openxmlformats.org/drawingml/2006/main" xmlns:r="http://schemas.openxmlformats.org/officeDocument/2006/relationships" xmlns:p="http://schemas.openxmlformats.org/presentationml/2006/main">
   <p:cSld>
     <p:spTree>
@@ -3715,7 +4233,102 @@
 </p:sld>
 </file>
 
+<file path=ppt/slides/slide12.xml><?xml version="1.0" encoding="utf-8"?>
+<p:sld xmlns:a="http://schemas.openxmlformats.org/drawingml/2006/main" xmlns:r="http://schemas.openxmlformats.org/officeDocument/2006/relationships" xmlns:p="http://schemas.openxmlformats.org/presentationml/2006/main">
+  <p:cSld>
+    <p:spTree>
+      <p:nvGrpSpPr>
+        <p:cNvPr id="1" name=""/>
+        <p:cNvGrpSpPr/>
+        <p:nvPr/>
+      </p:nvGrpSpPr>
+      <p:grpSpPr>
+        <a:xfrm>
+          <a:off x="0" y="0"/>
+          <a:ext cx="0" cy="0"/>
+          <a:chOff x="0" y="0"/>
+          <a:chExt cx="0" cy="0"/>
+        </a:xfrm>
+      </p:grpSpPr>
+      <p:sp>
+        <p:nvSpPr>
+          <p:cNvPr id="3" name="TextBox 2">
+            <a:extLst>
+              <a:ext uri="{FF2B5EF4-FFF2-40B4-BE49-F238E27FC236}">
+                <a16:creationId xmlns:a16="http://schemas.microsoft.com/office/drawing/2014/main" id="{E768AB6B-972C-9BC5-D5FE-536F655FE47A}"/>
+              </a:ext>
+            </a:extLst>
+          </p:cNvPr>
+          <p:cNvSpPr txBox="1"/>
+          <p:nvPr/>
+        </p:nvSpPr>
+        <p:spPr>
+          <a:xfrm>
+            <a:off x="2250040" y="3328827"/>
+            <a:ext cx="1744388" cy="769441"/>
+          </a:xfrm>
+          <a:prstGeom prst="rect">
+            <a:avLst/>
+          </a:prstGeom>
+          <a:noFill/>
+        </p:spPr>
+        <p:txBody>
+          <a:bodyPr wrap="none" rtlCol="0">
+            <a:spAutoFit/>
+          </a:bodyPr>
+          <a:lstStyle/>
+          <a:p>
+            <a:r>
+              <a:rPr lang="en-AU" sz="4400" dirty="0"/>
+              <a:t>DEMO</a:t>
+            </a:r>
+          </a:p>
+        </p:txBody>
+      </p:sp>
+    </p:spTree>
+    <p:extLst>
+      <p:ext uri="{BB962C8B-B14F-4D97-AF65-F5344CB8AC3E}">
+        <p14:creationId xmlns:p14="http://schemas.microsoft.com/office/powerpoint/2010/main" val="4069189448"/>
+      </p:ext>
+    </p:extLst>
+  </p:cSld>
+  <p:clrMapOvr>
+    <a:masterClrMapping/>
+  </p:clrMapOvr>
+</p:sld>
+</file>
+
 <file path=ppt/slides/slide13.xml><?xml version="1.0" encoding="utf-8"?>
+<p:sld xmlns:a="http://schemas.openxmlformats.org/drawingml/2006/main" xmlns:r="http://schemas.openxmlformats.org/officeDocument/2006/relationships" xmlns:p="http://schemas.openxmlformats.org/presentationml/2006/main">
+  <p:cSld>
+    <p:spTree>
+      <p:nvGrpSpPr>
+        <p:cNvPr id="1" name=""/>
+        <p:cNvGrpSpPr/>
+        <p:nvPr/>
+      </p:nvGrpSpPr>
+      <p:grpSpPr>
+        <a:xfrm>
+          <a:off x="0" y="0"/>
+          <a:ext cx="0" cy="0"/>
+          <a:chOff x="0" y="0"/>
+          <a:chExt cx="0" cy="0"/>
+        </a:xfrm>
+      </p:grpSpPr>
+    </p:spTree>
+    <p:extLst>
+      <p:ext uri="{BB962C8B-B14F-4D97-AF65-F5344CB8AC3E}">
+        <p14:creationId xmlns:p14="http://schemas.microsoft.com/office/powerpoint/2010/main" val="1143000591"/>
+      </p:ext>
+    </p:extLst>
+  </p:cSld>
+  <p:clrMapOvr>
+    <a:masterClrMapping/>
+  </p:clrMapOvr>
+</p:sld>
+</file>
+
+<file path=ppt/slides/slide14.xml><?xml version="1.0" encoding="utf-8"?>
 <p:sld xmlns:a="http://schemas.openxmlformats.org/drawingml/2006/main" xmlns:r="http://schemas.openxmlformats.org/officeDocument/2006/relationships" xmlns:p="http://schemas.openxmlformats.org/presentationml/2006/main">
   <p:cSld>
     <p:spTree>
@@ -3754,7 +4367,12 @@
             <p:ph type="title"/>
           </p:nvPr>
         </p:nvSpPr>
-        <p:spPr/>
+        <p:spPr>
+          <a:xfrm>
+            <a:off x="381000" y="-158857"/>
+            <a:ext cx="10515600" cy="1325563"/>
+          </a:xfrm>
+        </p:spPr>
         <p:txBody>
           <a:bodyPr/>
           <a:lstStyle/>
@@ -3769,10 +4387,10 @@
       </p:sp>
       <p:pic>
         <p:nvPicPr>
-          <p:cNvPr id="4" name="Picture 3" descr="A computer screen with colorful text&#10;&#10;AI-generated content may be incorrect.">
-            <a:extLst>
-              <a:ext uri="{FF2B5EF4-FFF2-40B4-BE49-F238E27FC236}">
-                <a16:creationId xmlns:a16="http://schemas.microsoft.com/office/drawing/2014/main" id="{7C93068E-C6EE-31B4-8836-C68A3FA02B63}"/>
+          <p:cNvPr id="5" name="Picture 4" descr="A screenshot of a computer program&#10;&#10;AI-generated content may be incorrect.">
+            <a:extLst>
+              <a:ext uri="{FF2B5EF4-FFF2-40B4-BE49-F238E27FC236}">
+                <a16:creationId xmlns:a16="http://schemas.microsoft.com/office/drawing/2014/main" id="{AA726ADE-BD6C-174F-3579-D21964D19784}"/>
               </a:ext>
             </a:extLst>
           </p:cNvPr>
@@ -3795,8 +4413,8 @@
         </p:blipFill>
         <p:spPr>
           <a:xfrm>
-            <a:off x="268614" y="1939247"/>
-            <a:ext cx="11654771" cy="2979505"/>
+            <a:off x="381000" y="899578"/>
+            <a:ext cx="10435360" cy="5819721"/>
           </a:xfrm>
           <a:prstGeom prst="rect">
             <a:avLst/>
@@ -3816,7 +4434,7 @@
 </p:sld>
 </file>
 
-<file path=ppt/slides/slide14.xml><?xml version="1.0" encoding="utf-8"?>
+<file path=ppt/slides/slide15.xml><?xml version="1.0" encoding="utf-8"?>
 <p:sld xmlns:a="http://schemas.openxmlformats.org/drawingml/2006/main" xmlns:r="http://schemas.openxmlformats.org/officeDocument/2006/relationships" xmlns:p="http://schemas.openxmlformats.org/presentationml/2006/main">
   <p:cSld>
     <p:spTree>
@@ -3875,10 +4493,10 @@
       </p:sp>
       <p:pic>
         <p:nvPicPr>
-          <p:cNvPr id="4" name="Picture 3" descr="A screen shot of a computer program&#10;&#10;AI-generated content may be incorrect.">
-            <a:extLst>
-              <a:ext uri="{FF2B5EF4-FFF2-40B4-BE49-F238E27FC236}">
-                <a16:creationId xmlns:a16="http://schemas.microsoft.com/office/drawing/2014/main" id="{AFC2BA6C-9F02-A58B-7AA9-6BA04590ABB8}"/>
+          <p:cNvPr id="5" name="Picture 4" descr="A screen shot of a computer program&#10;&#10;AI-generated content may be incorrect.">
+            <a:extLst>
+              <a:ext uri="{FF2B5EF4-FFF2-40B4-BE49-F238E27FC236}">
+                <a16:creationId xmlns:a16="http://schemas.microsoft.com/office/drawing/2014/main" id="{B657403D-C547-1BD0-F94F-038F64B19B28}"/>
               </a:ext>
             </a:extLst>
           </p:cNvPr>
@@ -3901,8 +4519,8 @@
         </p:blipFill>
         <p:spPr>
           <a:xfrm>
-            <a:off x="554804" y="1442726"/>
-            <a:ext cx="10515600" cy="5141534"/>
+            <a:off x="127414" y="1530849"/>
+            <a:ext cx="11981030" cy="3864348"/>
           </a:xfrm>
           <a:prstGeom prst="rect">
             <a:avLst/>
@@ -3922,7 +4540,7 @@
 </p:sld>
 </file>
 
-<file path=ppt/slides/slide15.xml><?xml version="1.0" encoding="utf-8"?>
+<file path=ppt/slides/slide16.xml><?xml version="1.0" encoding="utf-8"?>
 <p:sld xmlns:a="http://schemas.openxmlformats.org/drawingml/2006/main" xmlns:r="http://schemas.openxmlformats.org/officeDocument/2006/relationships" xmlns:p="http://schemas.openxmlformats.org/presentationml/2006/main">
   <p:cSld>
     <p:spTree>
@@ -3984,6 +4602,374 @@
     <p:extLst>
       <p:ext uri="{BB962C8B-B14F-4D97-AF65-F5344CB8AC3E}">
         <p14:creationId xmlns:p14="http://schemas.microsoft.com/office/powerpoint/2010/main" val="662839923"/>
+      </p:ext>
+    </p:extLst>
+  </p:cSld>
+  <p:clrMapOvr>
+    <a:masterClrMapping/>
+  </p:clrMapOvr>
+</p:sld>
+</file>
+
+<file path=ppt/slides/slide17.xml><?xml version="1.0" encoding="utf-8"?>
+<p:sld xmlns:a="http://schemas.openxmlformats.org/drawingml/2006/main" xmlns:r="http://schemas.openxmlformats.org/officeDocument/2006/relationships" xmlns:p="http://schemas.openxmlformats.org/presentationml/2006/main">
+  <p:cSld>
+    <p:spTree>
+      <p:nvGrpSpPr>
+        <p:cNvPr id="1" name=""/>
+        <p:cNvGrpSpPr/>
+        <p:nvPr/>
+      </p:nvGrpSpPr>
+      <p:grpSpPr>
+        <a:xfrm>
+          <a:off x="0" y="0"/>
+          <a:ext cx="0" cy="0"/>
+          <a:chOff x="0" y="0"/>
+          <a:chExt cx="0" cy="0"/>
+        </a:xfrm>
+      </p:grpSpPr>
+      <p:sp>
+        <p:nvSpPr>
+          <p:cNvPr id="4" name="TextBox 3">
+            <a:extLst>
+              <a:ext uri="{FF2B5EF4-FFF2-40B4-BE49-F238E27FC236}">
+                <a16:creationId xmlns:a16="http://schemas.microsoft.com/office/drawing/2014/main" id="{F03D29B4-5306-EA19-A8B2-B1C460BAE7D9}"/>
+              </a:ext>
+            </a:extLst>
+          </p:cNvPr>
+          <p:cNvSpPr txBox="1"/>
+          <p:nvPr/>
+        </p:nvSpPr>
+        <p:spPr>
+          <a:xfrm>
+            <a:off x="9265045" y="767993"/>
+            <a:ext cx="3111749" cy="3416320"/>
+          </a:xfrm>
+          <a:prstGeom prst="rect">
+            <a:avLst/>
+          </a:prstGeom>
+          <a:noFill/>
+        </p:spPr>
+        <p:txBody>
+          <a:bodyPr wrap="none" rtlCol="0">
+            <a:spAutoFit/>
+          </a:bodyPr>
+          <a:lstStyle/>
+          <a:p>
+            <a:r>
+              <a:rPr lang="en-AU" sz="2400" dirty="0"/>
+              <a:t>Goal:</a:t>
+            </a:r>
+          </a:p>
+          <a:p>
+            <a:endParaRPr lang="en-AU" sz="2400" dirty="0"/>
+          </a:p>
+          <a:p>
+            <a:r>
+              <a:rPr lang="en-AU" sz="2400" dirty="0"/>
+              <a:t>Minimize complexity</a:t>
+            </a:r>
+          </a:p>
+          <a:p>
+            <a:r>
+              <a:rPr lang="en-AU" sz="2400" dirty="0"/>
+              <a:t>Increase performance</a:t>
+            </a:r>
+          </a:p>
+          <a:p>
+            <a:endParaRPr lang="en-AU" sz="2400" dirty="0"/>
+          </a:p>
+          <a:p>
+            <a:r>
+              <a:rPr lang="en-AU" sz="2400" dirty="0"/>
+              <a:t>Conflicting objectives</a:t>
+            </a:r>
+          </a:p>
+          <a:p>
+            <a:endParaRPr lang="en-AU" sz="2400" dirty="0"/>
+          </a:p>
+          <a:p>
+            <a:r>
+              <a:rPr lang="en-AU" sz="2400" dirty="0"/>
+              <a:t>You cannot move up </a:t>
+            </a:r>
+          </a:p>
+          <a:p>
+            <a:r>
+              <a:rPr lang="en-AU" sz="2400" dirty="0"/>
+              <a:t>without moving right</a:t>
+            </a:r>
+          </a:p>
+        </p:txBody>
+      </p:sp>
+      <p:pic>
+        <p:nvPicPr>
+          <p:cNvPr id="6" name="Picture 5" descr="A graph with red dots and numbers&#10;&#10;AI-generated content may be incorrect.">
+            <a:extLst>
+              <a:ext uri="{FF2B5EF4-FFF2-40B4-BE49-F238E27FC236}">
+                <a16:creationId xmlns:a16="http://schemas.microsoft.com/office/drawing/2014/main" id="{78751828-BD08-621E-1DD7-ECBAF240507D}"/>
+              </a:ext>
+            </a:extLst>
+          </p:cNvPr>
+          <p:cNvPicPr>
+            <a:picLocks noChangeAspect="1"/>
+          </p:cNvPicPr>
+          <p:nvPr/>
+        </p:nvPicPr>
+        <p:blipFill>
+          <a:blip r:embed="rId3">
+            <a:extLst>
+              <a:ext uri="{28A0092B-C50C-407E-A947-70E740481C1C}">
+                <a14:useLocalDpi xmlns:a14="http://schemas.microsoft.com/office/drawing/2010/main" val="0"/>
+              </a:ext>
+            </a:extLst>
+          </a:blip>
+          <a:stretch>
+            <a:fillRect/>
+          </a:stretch>
+        </p:blipFill>
+        <p:spPr>
+          <a:xfrm>
+            <a:off x="573640" y="336479"/>
+            <a:ext cx="8229600" cy="5715000"/>
+          </a:xfrm>
+          <a:prstGeom prst="rect">
+            <a:avLst/>
+          </a:prstGeom>
+        </p:spPr>
+      </p:pic>
+    </p:spTree>
+    <p:extLst>
+      <p:ext uri="{BB962C8B-B14F-4D97-AF65-F5344CB8AC3E}">
+        <p14:creationId xmlns:p14="http://schemas.microsoft.com/office/powerpoint/2010/main" val="2100059201"/>
+      </p:ext>
+    </p:extLst>
+  </p:cSld>
+  <p:clrMapOvr>
+    <a:masterClrMapping/>
+  </p:clrMapOvr>
+</p:sld>
+</file>
+
+<file path=ppt/slides/slide18.xml><?xml version="1.0" encoding="utf-8"?>
+<p:sld xmlns:a="http://schemas.openxmlformats.org/drawingml/2006/main" xmlns:r="http://schemas.openxmlformats.org/officeDocument/2006/relationships" xmlns:p="http://schemas.openxmlformats.org/presentationml/2006/main">
+  <p:cSld>
+    <p:spTree>
+      <p:nvGrpSpPr>
+        <p:cNvPr id="1" name=""/>
+        <p:cNvGrpSpPr/>
+        <p:nvPr/>
+      </p:nvGrpSpPr>
+      <p:grpSpPr>
+        <a:xfrm>
+          <a:off x="0" y="0"/>
+          <a:ext cx="0" cy="0"/>
+          <a:chOff x="0" y="0"/>
+          <a:chExt cx="0" cy="0"/>
+        </a:xfrm>
+      </p:grpSpPr>
+      <p:sp>
+        <p:nvSpPr>
+          <p:cNvPr id="2" name="Title 1">
+            <a:extLst>
+              <a:ext uri="{FF2B5EF4-FFF2-40B4-BE49-F238E27FC236}">
+                <a16:creationId xmlns:a16="http://schemas.microsoft.com/office/drawing/2014/main" id="{29861822-AE61-AC96-25ED-EE61B5324111}"/>
+              </a:ext>
+            </a:extLst>
+          </p:cNvPr>
+          <p:cNvSpPr>
+            <a:spLocks noGrp="1"/>
+          </p:cNvSpPr>
+          <p:nvPr>
+            <p:ph type="title"/>
+          </p:nvPr>
+        </p:nvSpPr>
+        <p:spPr/>
+        <p:txBody>
+          <a:bodyPr/>
+          <a:lstStyle/>
+          <a:p>
+            <a:endParaRPr lang="en-AU"/>
+          </a:p>
+        </p:txBody>
+      </p:sp>
+      <p:sp>
+        <p:nvSpPr>
+          <p:cNvPr id="3" name="Content Placeholder 2">
+            <a:extLst>
+              <a:ext uri="{FF2B5EF4-FFF2-40B4-BE49-F238E27FC236}">
+                <a16:creationId xmlns:a16="http://schemas.microsoft.com/office/drawing/2014/main" id="{2CC02D2C-357F-E7B0-DE85-7BFD1A58F351}"/>
+              </a:ext>
+            </a:extLst>
+          </p:cNvPr>
+          <p:cNvSpPr>
+            <a:spLocks noGrp="1"/>
+          </p:cNvSpPr>
+          <p:nvPr>
+            <p:ph idx="1"/>
+          </p:nvPr>
+        </p:nvSpPr>
+        <p:spPr/>
+        <p:txBody>
+          <a:bodyPr>
+            <a:normAutofit fontScale="55000" lnSpcReduction="20000"/>
+          </a:bodyPr>
+          <a:lstStyle/>
+          <a:p>
+            <a:r>
+              <a:rPr lang="en-US" dirty="0"/>
+              <a:t>Each </a:t>
+            </a:r>
+            <a:r>
+              <a:rPr lang="en-US" b="1" dirty="0"/>
+              <a:t>red star</a:t>
+            </a:r>
+            <a:r>
+              <a:rPr lang="en-US" dirty="0"/>
+              <a:t> = a </a:t>
+            </a:r>
+            <a:r>
+              <a:rPr lang="en-US" b="1" dirty="0"/>
+              <a:t>Pareto-optimal</a:t>
+            </a:r>
+            <a:r>
+              <a:rPr lang="en-US" dirty="0"/>
+              <a:t> model — one that offers the </a:t>
+            </a:r>
+            <a:r>
+              <a:rPr lang="en-US" i="1" dirty="0"/>
+              <a:t>best trade-off</a:t>
+            </a:r>
+            <a:r>
+              <a:rPr lang="en-US" dirty="0"/>
+              <a:t> between AUC and complexity.</a:t>
+            </a:r>
+          </a:p>
+          <a:p>
+            <a:r>
+              <a:rPr lang="en-US" dirty="0"/>
+              <a:t>You can see three main insights:</a:t>
+            </a:r>
+          </a:p>
+          <a:p>
+            <a:r>
+              <a:rPr lang="en-US" b="1" dirty="0"/>
+              <a:t>Rapid improvement early:</a:t>
+            </a:r>
+            <a:br>
+              <a:rPr lang="en-US" dirty="0"/>
+            </a:br>
+            <a:r>
+              <a:rPr lang="en-US" dirty="0"/>
+              <a:t>Increasing model complexity from low to moderate levels sharply increases AUC.</a:t>
+            </a:r>
+            <a:br>
+              <a:rPr lang="en-US" dirty="0"/>
+            </a:br>
+            <a:r>
+              <a:rPr lang="en-US" dirty="0"/>
+              <a:t>→ e.g., the jump between ~200–500 complexity yields big accuracy gain.</a:t>
+            </a:r>
+          </a:p>
+          <a:p>
+            <a:r>
+              <a:rPr lang="en-US" b="1" dirty="0"/>
+              <a:t>Diminishing returns:</a:t>
+            </a:r>
+            <a:br>
+              <a:rPr lang="en-US" dirty="0"/>
+            </a:br>
+            <a:r>
+              <a:rPr lang="en-US" dirty="0"/>
+              <a:t>Beyond ~1000–1500 complexity, the AUC gains flatten — more trees or deeper trees add little value.</a:t>
+            </a:r>
+          </a:p>
+          <a:p>
+            <a:r>
+              <a:rPr lang="en-US" b="1" dirty="0"/>
+              <a:t>Pareto frontier:</a:t>
+            </a:r>
+            <a:br>
+              <a:rPr lang="en-US" dirty="0"/>
+            </a:br>
+            <a:r>
+              <a:rPr lang="en-US" dirty="0"/>
+              <a:t>The red dashed line outlines the “efficient boundary”:</a:t>
+            </a:r>
+            <a:br>
+              <a:rPr lang="en-US" dirty="0"/>
+            </a:br>
+            <a:r>
+              <a:rPr lang="en-US" dirty="0"/>
+              <a:t>these are models that you </a:t>
+            </a:r>
+            <a:r>
+              <a:rPr lang="en-US" b="1" dirty="0"/>
+              <a:t>cannot improve on AUC without increasing complexity</a:t>
+            </a:r>
+            <a:r>
+              <a:rPr lang="en-US" dirty="0"/>
+              <a:t>.</a:t>
+            </a:r>
+          </a:p>
+          <a:p>
+            <a:br>
+              <a:rPr lang="en-US" dirty="0"/>
+            </a:br>
+            <a:endParaRPr lang="en-US" dirty="0"/>
+          </a:p>
+          <a:p>
+            <a:r>
+              <a:rPr lang="en-US" b="1" dirty="0"/>
+              <a:t>⚖️ In decision terms</a:t>
+            </a:r>
+          </a:p>
+          <a:p>
+            <a:r>
+              <a:rPr lang="en-US" dirty="0"/>
+              <a:t>If your goal is to balance accuracy and interpretability (or cost):</a:t>
+            </a:r>
+          </a:p>
+          <a:p>
+            <a:r>
+              <a:rPr lang="en-US" dirty="0"/>
+              <a:t>Choose a point on the </a:t>
+            </a:r>
+            <a:r>
+              <a:rPr lang="en-US" b="1" dirty="0"/>
+              <a:t>leftmost segment</a:t>
+            </a:r>
+            <a:r>
+              <a:rPr lang="en-US" dirty="0"/>
+              <a:t> of the Pareto front (e.g., around 400–600 complexity).</a:t>
+            </a:r>
+          </a:p>
+          <a:p>
+            <a:r>
+              <a:rPr lang="en-US" dirty="0"/>
+              <a:t>If resources allow and interpretability is less critical, pick the </a:t>
+            </a:r>
+            <a:r>
+              <a:rPr lang="en-US" b="1" dirty="0"/>
+              <a:t>rightmost Pareto point</a:t>
+            </a:r>
+            <a:r>
+              <a:rPr lang="en-US" dirty="0"/>
+              <a:t> (around 1500 complexity) — but beyond that, you’re paying for negligible AUC improvement.</a:t>
+            </a:r>
+          </a:p>
+          <a:p>
+            <a:endParaRPr lang="en-AU" dirty="0"/>
+          </a:p>
+          <a:p>
+            <a:endParaRPr lang="en-AU" dirty="0"/>
+          </a:p>
+        </p:txBody>
+      </p:sp>
+    </p:spTree>
+    <p:extLst>
+      <p:ext uri="{BB962C8B-B14F-4D97-AF65-F5344CB8AC3E}">
+        <p14:creationId xmlns:p14="http://schemas.microsoft.com/office/powerpoint/2010/main" val="2953984584"/>
       </p:ext>
     </p:extLst>
   </p:cSld>
@@ -4576,7 +5562,9 @@
         </p:nvSpPr>
         <p:spPr/>
         <p:txBody>
-          <a:bodyPr/>
+          <a:bodyPr>
+            <a:normAutofit lnSpcReduction="10000"/>
+          </a:bodyPr>
           <a:lstStyle/>
           <a:p>
             <a:r>
@@ -4645,6 +5633,15 @@
             <a:r>
               <a:rPr lang="en-AU" dirty="0"/>
               <a:t>More depth results in potential overfitting the training data</a:t>
+            </a:r>
+          </a:p>
+          <a:p>
+            <a:pPr marL="514350" indent="-514350">
+              <a:buAutoNum type="arabicPeriod"/>
+            </a:pPr>
+            <a:r>
+              <a:rPr lang="en-AU" dirty="0"/>
+              <a:t>Higher number of estimators (boosting rounds), better accuracy</a:t>
             </a:r>
           </a:p>
         </p:txBody>
@@ -5176,4 +6173,319 @@
     </a:ext>
   </a:extLst>
 </a:theme>
+</file>
+
+<file path=ppt/theme/theme2.xml><?xml version="1.0" encoding="utf-8"?>
+<a:theme xmlns:a="http://schemas.openxmlformats.org/drawingml/2006/main" name="Office Theme">
+  <a:themeElements>
+    <a:clrScheme name="Office">
+      <a:dk1>
+        <a:sysClr val="windowText" lastClr="000000"/>
+      </a:dk1>
+      <a:lt1>
+        <a:sysClr val="window" lastClr="FFFFFF"/>
+      </a:lt1>
+      <a:dk2>
+        <a:srgbClr val="0E2841"/>
+      </a:dk2>
+      <a:lt2>
+        <a:srgbClr val="E8E8E8"/>
+      </a:lt2>
+      <a:accent1>
+        <a:srgbClr val="156082"/>
+      </a:accent1>
+      <a:accent2>
+        <a:srgbClr val="E97132"/>
+      </a:accent2>
+      <a:accent3>
+        <a:srgbClr val="196B24"/>
+      </a:accent3>
+      <a:accent4>
+        <a:srgbClr val="0F9ED5"/>
+      </a:accent4>
+      <a:accent5>
+        <a:srgbClr val="A02B93"/>
+      </a:accent5>
+      <a:accent6>
+        <a:srgbClr val="4EA72E"/>
+      </a:accent6>
+      <a:hlink>
+        <a:srgbClr val="467886"/>
+      </a:hlink>
+      <a:folHlink>
+        <a:srgbClr val="96607D"/>
+      </a:folHlink>
+    </a:clrScheme>
+    <a:fontScheme name="Office">
+      <a:majorFont>
+        <a:latin typeface="Aptos Display" panose="02110004020202020204"/>
+        <a:ea typeface=""/>
+        <a:cs typeface=""/>
+        <a:font script="Jpan" typeface="游ゴシック Light"/>
+        <a:font script="Hang" typeface="맑은 고딕"/>
+        <a:font script="Hans" typeface="等线 Light"/>
+        <a:font script="Hant" typeface="新細明體"/>
+        <a:font script="Arab" typeface="Times New Roman"/>
+        <a:font script="Hebr" typeface="Times New Roman"/>
+        <a:font script="Thai" typeface="Angsana New"/>
+        <a:font script="Ethi" typeface="Nyala"/>
+        <a:font script="Beng" typeface="Vrinda"/>
+        <a:font script="Gujr" typeface="Shruti"/>
+        <a:font script="Khmr" typeface="MoolBoran"/>
+        <a:font script="Knda" typeface="Tunga"/>
+        <a:font script="Guru" typeface="Raavi"/>
+        <a:font script="Cans" typeface="Euphemia"/>
+        <a:font script="Cher" typeface="Plantagenet Cherokee"/>
+        <a:font script="Yiii" typeface="Microsoft Yi Baiti"/>
+        <a:font script="Tibt" typeface="Microsoft Himalaya"/>
+        <a:font script="Thaa" typeface="MV Boli"/>
+        <a:font script="Deva" typeface="Mangal"/>
+        <a:font script="Telu" typeface="Gautami"/>
+        <a:font script="Taml" typeface="Latha"/>
+        <a:font script="Syrc" typeface="Estrangelo Edessa"/>
+        <a:font script="Orya" typeface="Kalinga"/>
+        <a:font script="Mlym" typeface="Kartika"/>
+        <a:font script="Laoo" typeface="DokChampa"/>
+        <a:font script="Sinh" typeface="Iskoola Pota"/>
+        <a:font script="Mong" typeface="Mongolian Baiti"/>
+        <a:font script="Viet" typeface="Times New Roman"/>
+        <a:font script="Uigh" typeface="Microsoft Uighur"/>
+        <a:font script="Geor" typeface="Sylfaen"/>
+        <a:font script="Armn" typeface="Arial"/>
+        <a:font script="Bugi" typeface="Leelawadee UI"/>
+        <a:font script="Bopo" typeface="Microsoft JhengHei"/>
+        <a:font script="Java" typeface="Javanese Text"/>
+        <a:font script="Lisu" typeface="Segoe UI"/>
+        <a:font script="Mymr" typeface="Myanmar Text"/>
+        <a:font script="Nkoo" typeface="Ebrima"/>
+        <a:font script="Olck" typeface="Nirmala UI"/>
+        <a:font script="Osma" typeface="Ebrima"/>
+        <a:font script="Phag" typeface="Phagspa"/>
+        <a:font script="Syrn" typeface="Estrangelo Edessa"/>
+        <a:font script="Syrj" typeface="Estrangelo Edessa"/>
+        <a:font script="Syre" typeface="Estrangelo Edessa"/>
+        <a:font script="Sora" typeface="Nirmala UI"/>
+        <a:font script="Tale" typeface="Microsoft Tai Le"/>
+        <a:font script="Talu" typeface="Microsoft New Tai Lue"/>
+        <a:font script="Tfng" typeface="Ebrima"/>
+      </a:majorFont>
+      <a:minorFont>
+        <a:latin typeface="Aptos" panose="02110004020202020204"/>
+        <a:ea typeface=""/>
+        <a:cs typeface=""/>
+        <a:font script="Jpan" typeface="游ゴシック"/>
+        <a:font script="Hang" typeface="맑은 고딕"/>
+        <a:font script="Hans" typeface="等线"/>
+        <a:font script="Hant" typeface="新細明體"/>
+        <a:font script="Arab" typeface="Arial"/>
+        <a:font script="Hebr" typeface="Arial"/>
+        <a:font script="Thai" typeface="Cordia New"/>
+        <a:font script="Ethi" typeface="Nyala"/>
+        <a:font script="Beng" typeface="Vrinda"/>
+        <a:font script="Gujr" typeface="Shruti"/>
+        <a:font script="Khmr" typeface="DaunPenh"/>
+        <a:font script="Knda" typeface="Tunga"/>
+        <a:font script="Guru" typeface="Raavi"/>
+        <a:font script="Cans" typeface="Euphemia"/>
+        <a:font script="Cher" typeface="Plantagenet Cherokee"/>
+        <a:font script="Yiii" typeface="Microsoft Yi Baiti"/>
+        <a:font script="Tibt" typeface="Microsoft Himalaya"/>
+        <a:font script="Thaa" typeface="MV Boli"/>
+        <a:font script="Deva" typeface="Mangal"/>
+        <a:font script="Telu" typeface="Gautami"/>
+        <a:font script="Taml" typeface="Latha"/>
+        <a:font script="Syrc" typeface="Estrangelo Edessa"/>
+        <a:font script="Orya" typeface="Kalinga"/>
+        <a:font script="Mlym" typeface="Kartika"/>
+        <a:font script="Laoo" typeface="DokChampa"/>
+        <a:font script="Sinh" typeface="Iskoola Pota"/>
+        <a:font script="Mong" typeface="Mongolian Baiti"/>
+        <a:font script="Viet" typeface="Arial"/>
+        <a:font script="Uigh" typeface="Microsoft Uighur"/>
+        <a:font script="Geor" typeface="Sylfaen"/>
+        <a:font script="Armn" typeface="Arial"/>
+        <a:font script="Bugi" typeface="Leelawadee UI"/>
+        <a:font script="Bopo" typeface="Microsoft JhengHei"/>
+        <a:font script="Java" typeface="Javanese Text"/>
+        <a:font script="Lisu" typeface="Segoe UI"/>
+        <a:font script="Mymr" typeface="Myanmar Text"/>
+        <a:font script="Nkoo" typeface="Ebrima"/>
+        <a:font script="Olck" typeface="Nirmala UI"/>
+        <a:font script="Osma" typeface="Ebrima"/>
+        <a:font script="Phag" typeface="Phagspa"/>
+        <a:font script="Syrn" typeface="Estrangelo Edessa"/>
+        <a:font script="Syrj" typeface="Estrangelo Edessa"/>
+        <a:font script="Syre" typeface="Estrangelo Edessa"/>
+        <a:font script="Sora" typeface="Nirmala UI"/>
+        <a:font script="Tale" typeface="Microsoft Tai Le"/>
+        <a:font script="Talu" typeface="Microsoft New Tai Lue"/>
+        <a:font script="Tfng" typeface="Ebrima"/>
+      </a:minorFont>
+    </a:fontScheme>
+    <a:fmtScheme name="Office">
+      <a:fillStyleLst>
+        <a:solidFill>
+          <a:schemeClr val="phClr"/>
+        </a:solidFill>
+        <a:gradFill rotWithShape="1">
+          <a:gsLst>
+            <a:gs pos="0">
+              <a:schemeClr val="phClr">
+                <a:lumMod val="110000"/>
+                <a:satMod val="105000"/>
+                <a:tint val="67000"/>
+              </a:schemeClr>
+            </a:gs>
+            <a:gs pos="50000">
+              <a:schemeClr val="phClr">
+                <a:lumMod val="105000"/>
+                <a:satMod val="103000"/>
+                <a:tint val="73000"/>
+              </a:schemeClr>
+            </a:gs>
+            <a:gs pos="100000">
+              <a:schemeClr val="phClr">
+                <a:lumMod val="105000"/>
+                <a:satMod val="109000"/>
+                <a:tint val="81000"/>
+              </a:schemeClr>
+            </a:gs>
+          </a:gsLst>
+          <a:lin ang="5400000" scaled="0"/>
+        </a:gradFill>
+        <a:gradFill rotWithShape="1">
+          <a:gsLst>
+            <a:gs pos="0">
+              <a:schemeClr val="phClr">
+                <a:satMod val="103000"/>
+                <a:lumMod val="102000"/>
+                <a:tint val="94000"/>
+              </a:schemeClr>
+            </a:gs>
+            <a:gs pos="50000">
+              <a:schemeClr val="phClr">
+                <a:satMod val="110000"/>
+                <a:lumMod val="100000"/>
+                <a:shade val="100000"/>
+              </a:schemeClr>
+            </a:gs>
+            <a:gs pos="100000">
+              <a:schemeClr val="phClr">
+                <a:lumMod val="99000"/>
+                <a:satMod val="120000"/>
+                <a:shade val="78000"/>
+              </a:schemeClr>
+            </a:gs>
+          </a:gsLst>
+          <a:lin ang="5400000" scaled="0"/>
+        </a:gradFill>
+      </a:fillStyleLst>
+      <a:lnStyleLst>
+        <a:ln w="12700" cap="flat" cmpd="sng" algn="ctr">
+          <a:solidFill>
+            <a:schemeClr val="phClr"/>
+          </a:solidFill>
+          <a:prstDash val="solid"/>
+          <a:miter lim="800000"/>
+        </a:ln>
+        <a:ln w="19050" cap="flat" cmpd="sng" algn="ctr">
+          <a:solidFill>
+            <a:schemeClr val="phClr"/>
+          </a:solidFill>
+          <a:prstDash val="solid"/>
+          <a:miter lim="800000"/>
+        </a:ln>
+        <a:ln w="25400" cap="flat" cmpd="sng" algn="ctr">
+          <a:solidFill>
+            <a:schemeClr val="phClr"/>
+          </a:solidFill>
+          <a:prstDash val="solid"/>
+          <a:miter lim="800000"/>
+        </a:ln>
+      </a:lnStyleLst>
+      <a:effectStyleLst>
+        <a:effectStyle>
+          <a:effectLst/>
+        </a:effectStyle>
+        <a:effectStyle>
+          <a:effectLst/>
+        </a:effectStyle>
+        <a:effectStyle>
+          <a:effectLst>
+            <a:outerShdw blurRad="57150" dist="19050" dir="5400000" algn="ctr" rotWithShape="0">
+              <a:srgbClr val="000000">
+                <a:alpha val="63000"/>
+              </a:srgbClr>
+            </a:outerShdw>
+          </a:effectLst>
+        </a:effectStyle>
+      </a:effectStyleLst>
+      <a:bgFillStyleLst>
+        <a:solidFill>
+          <a:schemeClr val="phClr"/>
+        </a:solidFill>
+        <a:solidFill>
+          <a:schemeClr val="phClr">
+            <a:tint val="95000"/>
+            <a:satMod val="170000"/>
+          </a:schemeClr>
+        </a:solidFill>
+        <a:gradFill rotWithShape="1">
+          <a:gsLst>
+            <a:gs pos="0">
+              <a:schemeClr val="phClr">
+                <a:tint val="93000"/>
+                <a:satMod val="150000"/>
+                <a:shade val="98000"/>
+                <a:lumMod val="102000"/>
+              </a:schemeClr>
+            </a:gs>
+            <a:gs pos="50000">
+              <a:schemeClr val="phClr">
+                <a:tint val="98000"/>
+                <a:satMod val="130000"/>
+                <a:shade val="90000"/>
+                <a:lumMod val="103000"/>
+              </a:schemeClr>
+            </a:gs>
+            <a:gs pos="100000">
+              <a:schemeClr val="phClr">
+                <a:shade val="63000"/>
+                <a:satMod val="120000"/>
+              </a:schemeClr>
+            </a:gs>
+          </a:gsLst>
+          <a:lin ang="5400000" scaled="0"/>
+        </a:gradFill>
+      </a:bgFillStyleLst>
+    </a:fmtScheme>
+  </a:themeElements>
+  <a:objectDefaults>
+    <a:lnDef>
+      <a:spPr/>
+      <a:bodyPr/>
+      <a:lstStyle/>
+      <a:style>
+        <a:lnRef idx="2">
+          <a:schemeClr val="accent1"/>
+        </a:lnRef>
+        <a:fillRef idx="0">
+          <a:schemeClr val="accent1"/>
+        </a:fillRef>
+        <a:effectRef idx="1">
+          <a:schemeClr val="accent1"/>
+        </a:effectRef>
+        <a:fontRef idx="minor">
+          <a:schemeClr val="tx1"/>
+        </a:fontRef>
+      </a:style>
+    </a:lnDef>
+  </a:objectDefaults>
+  <a:extraClrSchemeLst/>
+  <a:extLst>
+    <a:ext uri="{05A4C25C-085E-4340-85A3-A5531E510DB2}">
+      <thm15:themeFamily xmlns:thm15="http://schemas.microsoft.com/office/thememl/2012/main" name="Office Theme" id="{2E142A2C-CD16-42D6-873A-C26D2A0506FA}" vid="{1BDDFF52-6CD6-40A5-AB3C-68EB2F1E4D0A}"/>
+    </a:ext>
+  </a:extLst>
+</a:theme>
 </file>
--- a/Hyperparameter optimization using Optuna.pptx
+++ b/Hyperparameter optimization using Optuna.pptx
@@ -4773,7 +4773,7 @@
           <p:cNvPr id="2" name="Title 1">
             <a:extLst>
               <a:ext uri="{FF2B5EF4-FFF2-40B4-BE49-F238E27FC236}">
-                <a16:creationId xmlns:a16="http://schemas.microsoft.com/office/drawing/2014/main" id="{29861822-AE61-AC96-25ED-EE61B5324111}"/>
+                <a16:creationId xmlns:a16="http://schemas.microsoft.com/office/drawing/2014/main" id="{C67821FD-C302-0A83-AEDE-90820D53A445}"/>
               </a:ext>
             </a:extLst>
           </p:cNvPr>
@@ -4789,7 +4789,10 @@
           <a:bodyPr/>
           <a:lstStyle/>
           <a:p>
-            <a:endParaRPr lang="en-AU"/>
+            <a:r>
+              <a:rPr lang="en-AU" dirty="0"/>
+              <a:t>Conclusion</a:t>
+            </a:r>
           </a:p>
         </p:txBody>
       </p:sp>
@@ -4798,7 +4801,7 @@
           <p:cNvPr id="3" name="Content Placeholder 2">
             <a:extLst>
               <a:ext uri="{FF2B5EF4-FFF2-40B4-BE49-F238E27FC236}">
-                <a16:creationId xmlns:a16="http://schemas.microsoft.com/office/drawing/2014/main" id="{2CC02D2C-357F-E7B0-DE85-7BFD1A58F351}"/>
+                <a16:creationId xmlns:a16="http://schemas.microsoft.com/office/drawing/2014/main" id="{1D7E8E3B-4D34-B12F-C2C9-71475EAB0AB1}"/>
               </a:ext>
             </a:extLst>
           </p:cNvPr>
@@ -4811,151 +4814,35 @@
         </p:nvSpPr>
         <p:spPr/>
         <p:txBody>
-          <a:bodyPr>
-            <a:normAutofit fontScale="55000" lnSpcReduction="20000"/>
-          </a:bodyPr>
-          <a:lstStyle/>
-          <a:p>
-            <a:r>
-              <a:rPr lang="en-US" dirty="0"/>
-              <a:t>Each </a:t>
-            </a:r>
-            <a:r>
-              <a:rPr lang="en-US" b="1" dirty="0"/>
-              <a:t>red star</a:t>
-            </a:r>
-            <a:r>
-              <a:rPr lang="en-US" dirty="0"/>
-              <a:t> = a </a:t>
-            </a:r>
-            <a:r>
-              <a:rPr lang="en-US" b="1" dirty="0"/>
-              <a:t>Pareto-optimal</a:t>
-            </a:r>
-            <a:r>
-              <a:rPr lang="en-US" dirty="0"/>
-              <a:t> model — one that offers the </a:t>
-            </a:r>
-            <a:r>
-              <a:rPr lang="en-US" i="1" dirty="0"/>
-              <a:t>best trade-off</a:t>
-            </a:r>
-            <a:r>
-              <a:rPr lang="en-US" dirty="0"/>
-              <a:t> between AUC and complexity.</a:t>
-            </a:r>
-          </a:p>
-          <a:p>
-            <a:r>
-              <a:rPr lang="en-US" dirty="0"/>
-              <a:t>You can see three main insights:</a:t>
-            </a:r>
-          </a:p>
-          <a:p>
-            <a:r>
-              <a:rPr lang="en-US" b="1" dirty="0"/>
-              <a:t>Rapid improvement early:</a:t>
-            </a:r>
-            <a:br>
-              <a:rPr lang="en-US" dirty="0"/>
-            </a:br>
-            <a:r>
-              <a:rPr lang="en-US" dirty="0"/>
-              <a:t>Increasing model complexity from low to moderate levels sharply increases AUC.</a:t>
-            </a:r>
-            <a:br>
-              <a:rPr lang="en-US" dirty="0"/>
-            </a:br>
-            <a:r>
-              <a:rPr lang="en-US" dirty="0"/>
-              <a:t>→ e.g., the jump between ~200–500 complexity yields big accuracy gain.</a:t>
-            </a:r>
-          </a:p>
-          <a:p>
-            <a:r>
-              <a:rPr lang="en-US" b="1" dirty="0"/>
-              <a:t>Diminishing returns:</a:t>
-            </a:r>
-            <a:br>
-              <a:rPr lang="en-US" dirty="0"/>
-            </a:br>
-            <a:r>
-              <a:rPr lang="en-US" dirty="0"/>
-              <a:t>Beyond ~1000–1500 complexity, the AUC gains flatten — more trees or deeper trees add little value.</a:t>
-            </a:r>
-          </a:p>
-          <a:p>
-            <a:r>
-              <a:rPr lang="en-US" b="1" dirty="0"/>
-              <a:t>Pareto frontier:</a:t>
-            </a:r>
-            <a:br>
-              <a:rPr lang="en-US" dirty="0"/>
-            </a:br>
-            <a:r>
-              <a:rPr lang="en-US" dirty="0"/>
-              <a:t>The red dashed line outlines the “efficient boundary”:</a:t>
-            </a:r>
-            <a:br>
-              <a:rPr lang="en-US" dirty="0"/>
-            </a:br>
-            <a:r>
-              <a:rPr lang="en-US" dirty="0"/>
-              <a:t>these are models that you </a:t>
-            </a:r>
-            <a:r>
-              <a:rPr lang="en-US" b="1" dirty="0"/>
-              <a:t>cannot improve on AUC without increasing complexity</a:t>
-            </a:r>
-            <a:r>
-              <a:rPr lang="en-US" dirty="0"/>
-              <a:t>.</a:t>
-            </a:r>
-          </a:p>
-          <a:p>
-            <a:br>
-              <a:rPr lang="en-US" dirty="0"/>
-            </a:br>
-            <a:endParaRPr lang="en-US" dirty="0"/>
-          </a:p>
-          <a:p>
-            <a:r>
-              <a:rPr lang="en-US" b="1" dirty="0"/>
-              <a:t>⚖️ In decision terms</a:t>
-            </a:r>
-          </a:p>
-          <a:p>
-            <a:r>
-              <a:rPr lang="en-US" dirty="0"/>
-              <a:t>If your goal is to balance accuracy and interpretability (or cost):</a:t>
-            </a:r>
-          </a:p>
-          <a:p>
-            <a:r>
-              <a:rPr lang="en-US" dirty="0"/>
-              <a:t>Choose a point on the </a:t>
-            </a:r>
-            <a:r>
-              <a:rPr lang="en-US" b="1" dirty="0"/>
-              <a:t>leftmost segment</a:t>
-            </a:r>
-            <a:r>
-              <a:rPr lang="en-US" dirty="0"/>
-              <a:t> of the Pareto front (e.g., around 400–600 complexity).</a:t>
-            </a:r>
-          </a:p>
-          <a:p>
-            <a:r>
-              <a:rPr lang="en-US" dirty="0"/>
-              <a:t>If resources allow and interpretability is less critical, pick the </a:t>
-            </a:r>
-            <a:r>
-              <a:rPr lang="en-US" b="1" dirty="0"/>
-              <a:t>rightmost Pareto point</a:t>
-            </a:r>
-            <a:r>
-              <a:rPr lang="en-US" dirty="0"/>
-              <a:t> (around 1500 complexity) — but beyond that, you’re paying for negligible AUC improvement.</a:t>
+          <a:bodyPr/>
+          <a:lstStyle/>
+          <a:p>
+            <a:r>
+              <a:rPr lang="en-AU" dirty="0" err="1"/>
+              <a:t>Optuna</a:t>
+            </a:r>
+            <a:r>
+              <a:rPr lang="en-AU" dirty="0"/>
+              <a:t> makes hyperparameter tuning more manageable</a:t>
+            </a:r>
+          </a:p>
+          <a:p>
+            <a:endParaRPr lang="en-AU" dirty="0"/>
+          </a:p>
+          <a:p>
+            <a:r>
+              <a:rPr lang="en-AU" dirty="0"/>
+              <a:t>Demos and resources: </a:t>
+            </a:r>
+            <a:r>
+              <a:rPr lang="en-AU" dirty="0">
+                <a:hlinkClick r:id="rId2"/>
+              </a:rPr>
+              <a:t>https://github.com/amitsaha/optuna-demo</a:t>
+            </a:r>
+            <a:r>
+              <a:rPr lang="en-AU" dirty="0"/>
+              <a:t> </a:t>
             </a:r>
           </a:p>
           <a:p>
@@ -4969,7 +4856,7 @@
     </p:spTree>
     <p:extLst>
       <p:ext uri="{BB962C8B-B14F-4D97-AF65-F5344CB8AC3E}">
-        <p14:creationId xmlns:p14="http://schemas.microsoft.com/office/powerpoint/2010/main" val="2953984584"/>
+        <p14:creationId xmlns:p14="http://schemas.microsoft.com/office/powerpoint/2010/main" val="3147576290"/>
       </p:ext>
     </p:extLst>
   </p:cSld>

--- a/Hyperparameter optimization using Optuna.pptx
+++ b/Hyperparameter optimization using Optuna.pptx
@@ -5,27 +5,25 @@
     <p:sldMasterId id="2147483648" r:id="rId1"/>
   </p:sldMasterIdLst>
   <p:notesMasterIdLst>
-    <p:notesMasterId r:id="rId20"/>
+    <p:notesMasterId r:id="rId18"/>
   </p:notesMasterIdLst>
   <p:sldIdLst>
     <p:sldId id="256" r:id="rId2"/>
     <p:sldId id="259" r:id="rId3"/>
-    <p:sldId id="260" r:id="rId4"/>
-    <p:sldId id="267" r:id="rId5"/>
-    <p:sldId id="268" r:id="rId6"/>
-    <p:sldId id="266" r:id="rId7"/>
-    <p:sldId id="269" r:id="rId8"/>
-    <p:sldId id="264" r:id="rId9"/>
-    <p:sldId id="265" r:id="rId10"/>
-    <p:sldId id="275" r:id="rId11"/>
-    <p:sldId id="276" r:id="rId12"/>
-    <p:sldId id="273" r:id="rId13"/>
-    <p:sldId id="278" r:id="rId14"/>
-    <p:sldId id="271" r:id="rId15"/>
-    <p:sldId id="272" r:id="rId16"/>
-    <p:sldId id="274" r:id="rId17"/>
-    <p:sldId id="277" r:id="rId18"/>
-    <p:sldId id="279" r:id="rId19"/>
+    <p:sldId id="267" r:id="rId4"/>
+    <p:sldId id="266" r:id="rId5"/>
+    <p:sldId id="269" r:id="rId6"/>
+    <p:sldId id="260" r:id="rId7"/>
+    <p:sldId id="264" r:id="rId8"/>
+    <p:sldId id="265" r:id="rId9"/>
+    <p:sldId id="275" r:id="rId10"/>
+    <p:sldId id="276" r:id="rId11"/>
+    <p:sldId id="273" r:id="rId12"/>
+    <p:sldId id="271" r:id="rId13"/>
+    <p:sldId id="272" r:id="rId14"/>
+    <p:sldId id="274" r:id="rId15"/>
+    <p:sldId id="277" r:id="rId16"/>
+    <p:sldId id="279" r:id="rId17"/>
   </p:sldIdLst>
   <p:sldSz cx="12192000" cy="6858000"/>
   <p:notesSz cx="6858000" cy="9144000"/>
@@ -214,7 +212,7 @@
           <a:p>
             <a:fld id="{01FA97C2-49FE-488E-B038-FF874308A5DB}" type="datetimeFigureOut">
               <a:rPr lang="en-AU" smtClean="0"/>
-              <a:t>25/10/2025</a:t>
+              <a:t>29/10/2025</a:t>
             </a:fld>
             <a:endParaRPr lang="en-AU"/>
           </a:p>
@@ -690,7 +688,7 @@
           <a:p>
             <a:fld id="{6A16E4C8-CBA7-4413-B623-0D6DC4863BB3}" type="slidenum">
               <a:rPr lang="en-AU" smtClean="0"/>
-              <a:t>17</a:t>
+              <a:t>15</a:t>
             </a:fld>
             <a:endParaRPr lang="en-AU"/>
           </a:p>
@@ -858,7 +856,7 @@
           <a:p>
             <a:fld id="{D933234A-431E-4522-8F11-CED50FE00763}" type="datetimeFigureOut">
               <a:rPr lang="en-AU" smtClean="0"/>
-              <a:t>25/10/2025</a:t>
+              <a:t>29/10/2025</a:t>
             </a:fld>
             <a:endParaRPr lang="en-AU"/>
           </a:p>
@@ -1058,7 +1056,7 @@
           <a:p>
             <a:fld id="{D933234A-431E-4522-8F11-CED50FE00763}" type="datetimeFigureOut">
               <a:rPr lang="en-AU" smtClean="0"/>
-              <a:t>25/10/2025</a:t>
+              <a:t>29/10/2025</a:t>
             </a:fld>
             <a:endParaRPr lang="en-AU"/>
           </a:p>
@@ -1268,7 +1266,7 @@
           <a:p>
             <a:fld id="{D933234A-431E-4522-8F11-CED50FE00763}" type="datetimeFigureOut">
               <a:rPr lang="en-AU" smtClean="0"/>
-              <a:t>25/10/2025</a:t>
+              <a:t>29/10/2025</a:t>
             </a:fld>
             <a:endParaRPr lang="en-AU"/>
           </a:p>
@@ -1468,7 +1466,7 @@
           <a:p>
             <a:fld id="{D933234A-431E-4522-8F11-CED50FE00763}" type="datetimeFigureOut">
               <a:rPr lang="en-AU" smtClean="0"/>
-              <a:t>25/10/2025</a:t>
+              <a:t>29/10/2025</a:t>
             </a:fld>
             <a:endParaRPr lang="en-AU"/>
           </a:p>
@@ -1744,7 +1742,7 @@
           <a:p>
             <a:fld id="{D933234A-431E-4522-8F11-CED50FE00763}" type="datetimeFigureOut">
               <a:rPr lang="en-AU" smtClean="0"/>
-              <a:t>25/10/2025</a:t>
+              <a:t>29/10/2025</a:t>
             </a:fld>
             <a:endParaRPr lang="en-AU"/>
           </a:p>
@@ -2012,7 +2010,7 @@
           <a:p>
             <a:fld id="{D933234A-431E-4522-8F11-CED50FE00763}" type="datetimeFigureOut">
               <a:rPr lang="en-AU" smtClean="0"/>
-              <a:t>25/10/2025</a:t>
+              <a:t>29/10/2025</a:t>
             </a:fld>
             <a:endParaRPr lang="en-AU"/>
           </a:p>
@@ -2427,7 +2425,7 @@
           <a:p>
             <a:fld id="{D933234A-431E-4522-8F11-CED50FE00763}" type="datetimeFigureOut">
               <a:rPr lang="en-AU" smtClean="0"/>
-              <a:t>25/10/2025</a:t>
+              <a:t>29/10/2025</a:t>
             </a:fld>
             <a:endParaRPr lang="en-AU"/>
           </a:p>
@@ -2569,7 +2567,7 @@
           <a:p>
             <a:fld id="{D933234A-431E-4522-8F11-CED50FE00763}" type="datetimeFigureOut">
               <a:rPr lang="en-AU" smtClean="0"/>
-              <a:t>25/10/2025</a:t>
+              <a:t>29/10/2025</a:t>
             </a:fld>
             <a:endParaRPr lang="en-AU"/>
           </a:p>
@@ -2682,7 +2680,7 @@
           <a:p>
             <a:fld id="{D933234A-431E-4522-8F11-CED50FE00763}" type="datetimeFigureOut">
               <a:rPr lang="en-AU" smtClean="0"/>
-              <a:t>25/10/2025</a:t>
+              <a:t>29/10/2025</a:t>
             </a:fld>
             <a:endParaRPr lang="en-AU"/>
           </a:p>
@@ -2995,7 +2993,7 @@
           <a:p>
             <a:fld id="{D933234A-431E-4522-8F11-CED50FE00763}" type="datetimeFigureOut">
               <a:rPr lang="en-AU" smtClean="0"/>
-              <a:t>25/10/2025</a:t>
+              <a:t>29/10/2025</a:t>
             </a:fld>
             <a:endParaRPr lang="en-AU"/>
           </a:p>
@@ -3284,7 +3282,7 @@
           <a:p>
             <a:fld id="{D933234A-431E-4522-8F11-CED50FE00763}" type="datetimeFigureOut">
               <a:rPr lang="en-AU" smtClean="0"/>
-              <a:t>25/10/2025</a:t>
+              <a:t>29/10/2025</a:t>
             </a:fld>
             <a:endParaRPr lang="en-AU"/>
           </a:p>
@@ -3527,7 +3525,7 @@
           <a:p>
             <a:fld id="{D933234A-431E-4522-8F11-CED50FE00763}" type="datetimeFigureOut">
               <a:rPr lang="en-AU" smtClean="0"/>
-              <a:t>25/10/2025</a:t>
+              <a:t>29/10/2025</a:t>
             </a:fld>
             <a:endParaRPr lang="en-AU"/>
           </a:p>
@@ -3998,7 +3996,16 @@
           <a:bodyPr/>
           <a:lstStyle/>
           <a:p>
-            <a:endParaRPr lang="en-AU" dirty="0"/>
+            <a:r>
+              <a:rPr lang="en-AU" dirty="0"/>
+              <a:t>Clinical AI Study Group</a:t>
+            </a:r>
+          </a:p>
+          <a:p>
+            <a:r>
+              <a:rPr lang="en-AU" dirty="0"/>
+              <a:t>Amit Saha</a:t>
+            </a:r>
           </a:p>
         </p:txBody>
       </p:sp>
@@ -4032,108 +4039,6 @@
           <a:chExt cx="0" cy="0"/>
         </a:xfrm>
       </p:grpSpPr>
-      <p:pic>
-        <p:nvPicPr>
-          <p:cNvPr id="3" name="Picture 2" descr="A graph with dots and numbers&#10;&#10;AI-generated content may be incorrect.">
-            <a:extLst>
-              <a:ext uri="{FF2B5EF4-FFF2-40B4-BE49-F238E27FC236}">
-                <a16:creationId xmlns:a16="http://schemas.microsoft.com/office/drawing/2014/main" id="{34130C55-39F5-9406-EC7E-C8DB9BB323B1}"/>
-              </a:ext>
-            </a:extLst>
-          </p:cNvPr>
-          <p:cNvPicPr>
-            <a:picLocks noChangeAspect="1"/>
-          </p:cNvPicPr>
-          <p:nvPr/>
-        </p:nvPicPr>
-        <p:blipFill>
-          <a:blip r:embed="rId2">
-            <a:extLst>
-              <a:ext uri="{28A0092B-C50C-407E-A947-70E740481C1C}">
-                <a14:useLocalDpi xmlns:a14="http://schemas.microsoft.com/office/drawing/2010/main" val="0"/>
-              </a:ext>
-            </a:extLst>
-          </a:blip>
-          <a:stretch>
-            <a:fillRect/>
-          </a:stretch>
-        </p:blipFill>
-        <p:spPr>
-          <a:xfrm>
-            <a:off x="1744894" y="287462"/>
-            <a:ext cx="8229600" cy="4762500"/>
-          </a:xfrm>
-          <a:prstGeom prst="rect">
-            <a:avLst/>
-          </a:prstGeom>
-        </p:spPr>
-      </p:pic>
-      <p:pic>
-        <p:nvPicPr>
-          <p:cNvPr id="5" name="Picture 4" descr="A graph with blue lines and red dots&#10;&#10;AI-generated content may be incorrect.">
-            <a:extLst>
-              <a:ext uri="{FF2B5EF4-FFF2-40B4-BE49-F238E27FC236}">
-                <a16:creationId xmlns:a16="http://schemas.microsoft.com/office/drawing/2014/main" id="{E5ECCD8E-3DE8-B853-5F17-8EB1626E3628}"/>
-              </a:ext>
-            </a:extLst>
-          </p:cNvPr>
-          <p:cNvPicPr>
-            <a:picLocks noChangeAspect="1"/>
-          </p:cNvPicPr>
-          <p:nvPr/>
-        </p:nvPicPr>
-        <p:blipFill>
-          <a:blip r:embed="rId3">
-            <a:extLst>
-              <a:ext uri="{28A0092B-C50C-407E-A947-70E740481C1C}">
-                <a14:useLocalDpi xmlns:a14="http://schemas.microsoft.com/office/drawing/2010/main" val="0"/>
-              </a:ext>
-            </a:extLst>
-          </a:blip>
-          <a:stretch>
-            <a:fillRect/>
-          </a:stretch>
-        </p:blipFill>
-        <p:spPr>
-          <a:xfrm>
-            <a:off x="1894894" y="437462"/>
-            <a:ext cx="8229600" cy="4762500"/>
-          </a:xfrm>
-          <a:prstGeom prst="rect">
-            <a:avLst/>
-          </a:prstGeom>
-        </p:spPr>
-      </p:pic>
-    </p:spTree>
-    <p:extLst>
-      <p:ext uri="{BB962C8B-B14F-4D97-AF65-F5344CB8AC3E}">
-        <p14:creationId xmlns:p14="http://schemas.microsoft.com/office/powerpoint/2010/main" val="3912687090"/>
-      </p:ext>
-    </p:extLst>
-  </p:cSld>
-  <p:clrMapOvr>
-    <a:masterClrMapping/>
-  </p:clrMapOvr>
-</p:sld>
-</file>
-
-<file path=ppt/slides/slide11.xml><?xml version="1.0" encoding="utf-8"?>
-<p:sld xmlns:a="http://schemas.openxmlformats.org/drawingml/2006/main" xmlns:r="http://schemas.openxmlformats.org/officeDocument/2006/relationships" xmlns:p="http://schemas.openxmlformats.org/presentationml/2006/main">
-  <p:cSld>
-    <p:spTree>
-      <p:nvGrpSpPr>
-        <p:cNvPr id="1" name=""/>
-        <p:cNvGrpSpPr/>
-        <p:nvPr/>
-      </p:nvGrpSpPr>
-      <p:grpSpPr>
-        <a:xfrm>
-          <a:off x="0" y="0"/>
-          <a:ext cx="0" cy="0"/>
-          <a:chOff x="0" y="0"/>
-          <a:chExt cx="0" cy="0"/>
-        </a:xfrm>
-      </p:grpSpPr>
       <p:sp>
         <p:nvSpPr>
           <p:cNvPr id="2" name="Title 1">
@@ -4233,7 +4138,7 @@
 </p:sld>
 </file>
 
-<file path=ppt/slides/slide12.xml><?xml version="1.0" encoding="utf-8"?>
+<file path=ppt/slides/slide11.xml><?xml version="1.0" encoding="utf-8"?>
 <p:sld xmlns:a="http://schemas.openxmlformats.org/drawingml/2006/main" xmlns:r="http://schemas.openxmlformats.org/officeDocument/2006/relationships" xmlns:p="http://schemas.openxmlformats.org/presentationml/2006/main">
   <p:cSld>
     <p:spTree>
@@ -4298,37 +4203,7 @@
 </p:sld>
 </file>
 
-<file path=ppt/slides/slide13.xml><?xml version="1.0" encoding="utf-8"?>
-<p:sld xmlns:a="http://schemas.openxmlformats.org/drawingml/2006/main" xmlns:r="http://schemas.openxmlformats.org/officeDocument/2006/relationships" xmlns:p="http://schemas.openxmlformats.org/presentationml/2006/main">
-  <p:cSld>
-    <p:spTree>
-      <p:nvGrpSpPr>
-        <p:cNvPr id="1" name=""/>
-        <p:cNvGrpSpPr/>
-        <p:nvPr/>
-      </p:nvGrpSpPr>
-      <p:grpSpPr>
-        <a:xfrm>
-          <a:off x="0" y="0"/>
-          <a:ext cx="0" cy="0"/>
-          <a:chOff x="0" y="0"/>
-          <a:chExt cx="0" cy="0"/>
-        </a:xfrm>
-      </p:grpSpPr>
-    </p:spTree>
-    <p:extLst>
-      <p:ext uri="{BB962C8B-B14F-4D97-AF65-F5344CB8AC3E}">
-        <p14:creationId xmlns:p14="http://schemas.microsoft.com/office/powerpoint/2010/main" val="1143000591"/>
-      </p:ext>
-    </p:extLst>
-  </p:cSld>
-  <p:clrMapOvr>
-    <a:masterClrMapping/>
-  </p:clrMapOvr>
-</p:sld>
-</file>
-
-<file path=ppt/slides/slide14.xml><?xml version="1.0" encoding="utf-8"?>
+<file path=ppt/slides/slide12.xml><?xml version="1.0" encoding="utf-8"?>
 <p:sld xmlns:a="http://schemas.openxmlformats.org/drawingml/2006/main" xmlns:r="http://schemas.openxmlformats.org/officeDocument/2006/relationships" xmlns:p="http://schemas.openxmlformats.org/presentationml/2006/main">
   <p:cSld>
     <p:spTree>
@@ -4434,7 +4309,7 @@
 </p:sld>
 </file>
 
-<file path=ppt/slides/slide15.xml><?xml version="1.0" encoding="utf-8"?>
+<file path=ppt/slides/slide13.xml><?xml version="1.0" encoding="utf-8"?>
 <p:sld xmlns:a="http://schemas.openxmlformats.org/drawingml/2006/main" xmlns:r="http://schemas.openxmlformats.org/officeDocument/2006/relationships" xmlns:p="http://schemas.openxmlformats.org/presentationml/2006/main">
   <p:cSld>
     <p:spTree>
@@ -4540,7 +4415,7 @@
 </p:sld>
 </file>
 
-<file path=ppt/slides/slide16.xml><?xml version="1.0" encoding="utf-8"?>
+<file path=ppt/slides/slide14.xml><?xml version="1.0" encoding="utf-8"?>
 <p:sld xmlns:a="http://schemas.openxmlformats.org/drawingml/2006/main" xmlns:r="http://schemas.openxmlformats.org/officeDocument/2006/relationships" xmlns:p="http://schemas.openxmlformats.org/presentationml/2006/main">
   <p:cSld>
     <p:spTree>
@@ -4611,7 +4486,7 @@
 </p:sld>
 </file>
 
-<file path=ppt/slides/slide17.xml><?xml version="1.0" encoding="utf-8"?>
+<file path=ppt/slides/slide15.xml><?xml version="1.0" encoding="utf-8"?>
 <p:sld xmlns:a="http://schemas.openxmlformats.org/drawingml/2006/main" xmlns:r="http://schemas.openxmlformats.org/officeDocument/2006/relationships" xmlns:p="http://schemas.openxmlformats.org/presentationml/2006/main">
   <p:cSld>
     <p:spTree>
@@ -4751,7 +4626,7 @@
 </p:sld>
 </file>
 
-<file path=ppt/slides/slide18.xml><?xml version="1.0" encoding="utf-8"?>
+<file path=ppt/slides/slide16.xml><?xml version="1.0" encoding="utf-8"?>
 <p:sld xmlns:a="http://schemas.openxmlformats.org/drawingml/2006/main" xmlns:r="http://schemas.openxmlformats.org/officeDocument/2006/relationships" xmlns:p="http://schemas.openxmlformats.org/presentationml/2006/main">
   <p:cSld>
     <p:spTree>
@@ -4943,8 +4818,20 @@
           </a:p>
           <a:p>
             <a:r>
+              <a:rPr lang="en-US" u="sng" dirty="0"/>
+              <a:t>Hyperparameter tuning</a:t>
+            </a:r>
+            <a:r>
               <a:rPr lang="en-US" dirty="0"/>
-              <a:t>Hyperparameter tuning is the process of intelligently searching the search space of the parameters that are specified for the learning  – i.e. </a:t>
+              <a:t> is the process of intelligently searching the search space of the </a:t>
+            </a:r>
+            <a:r>
+              <a:rPr lang="en-US" u="sng" dirty="0"/>
+              <a:t>parameters</a:t>
+            </a:r>
+            <a:r>
+              <a:rPr lang="en-US" dirty="0"/>
+              <a:t> that are specified for the learning  – i.e., </a:t>
             </a:r>
             <a:r>
               <a:rPr lang="en-US" u="sng" dirty="0"/>
@@ -4968,6 +4855,416 @@
 </file>
 
 <file path=ppt/slides/slide3.xml><?xml version="1.0" encoding="utf-8"?>
+<p:sld xmlns:a="http://schemas.openxmlformats.org/drawingml/2006/main" xmlns:r="http://schemas.openxmlformats.org/officeDocument/2006/relationships" xmlns:p="http://schemas.openxmlformats.org/presentationml/2006/main">
+  <p:cSld>
+    <p:spTree>
+      <p:nvGrpSpPr>
+        <p:cNvPr id="1" name="">
+          <a:extLst>
+            <a:ext uri="{FF2B5EF4-FFF2-40B4-BE49-F238E27FC236}">
+              <a16:creationId xmlns:a16="http://schemas.microsoft.com/office/drawing/2014/main" id="{0074287A-FEB6-D5B3-7A99-7A7156429718}"/>
+            </a:ext>
+          </a:extLst>
+        </p:cNvPr>
+        <p:cNvGrpSpPr/>
+        <p:nvPr/>
+      </p:nvGrpSpPr>
+      <p:grpSpPr>
+        <a:xfrm>
+          <a:off x="0" y="0"/>
+          <a:ext cx="0" cy="0"/>
+          <a:chOff x="0" y="0"/>
+          <a:chExt cx="0" cy="0"/>
+        </a:xfrm>
+      </p:grpSpPr>
+      <p:sp>
+        <p:nvSpPr>
+          <p:cNvPr id="2" name="Title 1">
+            <a:extLst>
+              <a:ext uri="{FF2B5EF4-FFF2-40B4-BE49-F238E27FC236}">
+                <a16:creationId xmlns:a16="http://schemas.microsoft.com/office/drawing/2014/main" id="{FB9B1D6A-4015-A580-7750-79DE1F95987C}"/>
+              </a:ext>
+            </a:extLst>
+          </p:cNvPr>
+          <p:cNvSpPr>
+            <a:spLocks noGrp="1"/>
+          </p:cNvSpPr>
+          <p:nvPr>
+            <p:ph type="title"/>
+          </p:nvPr>
+        </p:nvSpPr>
+        <p:spPr/>
+        <p:txBody>
+          <a:bodyPr/>
+          <a:lstStyle/>
+          <a:p>
+            <a:r>
+              <a:rPr lang="en-US" dirty="0"/>
+              <a:t>Today’s demo</a:t>
+            </a:r>
+            <a:endParaRPr lang="en-AU" dirty="0"/>
+          </a:p>
+        </p:txBody>
+      </p:sp>
+      <p:sp>
+        <p:nvSpPr>
+          <p:cNvPr id="3" name="Content Placeholder 2">
+            <a:extLst>
+              <a:ext uri="{FF2B5EF4-FFF2-40B4-BE49-F238E27FC236}">
+                <a16:creationId xmlns:a16="http://schemas.microsoft.com/office/drawing/2014/main" id="{F2A523F7-69CC-B6E7-1744-C7691AAB65D0}"/>
+              </a:ext>
+            </a:extLst>
+          </p:cNvPr>
+          <p:cNvSpPr>
+            <a:spLocks noGrp="1"/>
+          </p:cNvSpPr>
+          <p:nvPr>
+            <p:ph idx="1"/>
+          </p:nvPr>
+        </p:nvSpPr>
+        <p:spPr/>
+        <p:txBody>
+          <a:bodyPr/>
+          <a:lstStyle/>
+          <a:p>
+            <a:r>
+              <a:rPr lang="en-AU" dirty="0" err="1"/>
+              <a:t>XGBoost</a:t>
+            </a:r>
+            <a:r>
+              <a:rPr lang="en-AU" dirty="0"/>
+              <a:t> (</a:t>
+            </a:r>
+            <a:r>
+              <a:rPr lang="en-AU" dirty="0" err="1"/>
+              <a:t>eXtreme</a:t>
+            </a:r>
+            <a:r>
+              <a:rPr lang="en-AU" dirty="0"/>
+              <a:t> Gradient Boosting) as the ML algorithm for </a:t>
+            </a:r>
+            <a:r>
+              <a:rPr lang="en-AU" u="sng" dirty="0"/>
+              <a:t>classification</a:t>
+            </a:r>
+          </a:p>
+          <a:p>
+            <a:pPr lvl="1"/>
+            <a:r>
+              <a:rPr lang="en-AU" dirty="0"/>
+              <a:t>Ensemble method, multiple trees</a:t>
+            </a:r>
+          </a:p>
+          <a:p>
+            <a:endParaRPr lang="en-AU" dirty="0"/>
+          </a:p>
+          <a:p>
+            <a:r>
+              <a:rPr lang="en-AU" dirty="0"/>
+              <a:t>UCI adult dataset – tabular data, classification task is the income &gt; 50k $ (USD)/year</a:t>
+            </a:r>
+          </a:p>
+        </p:txBody>
+      </p:sp>
+      <p:pic>
+        <p:nvPicPr>
+          <p:cNvPr id="5" name="Picture 4">
+            <a:extLst>
+              <a:ext uri="{FF2B5EF4-FFF2-40B4-BE49-F238E27FC236}">
+                <a16:creationId xmlns:a16="http://schemas.microsoft.com/office/drawing/2014/main" id="{F950051E-C61D-B25D-1CDB-1B2ACF33E923}"/>
+              </a:ext>
+            </a:extLst>
+          </p:cNvPr>
+          <p:cNvPicPr>
+            <a:picLocks noChangeAspect="1"/>
+          </p:cNvPicPr>
+          <p:nvPr/>
+        </p:nvPicPr>
+        <p:blipFill>
+          <a:blip r:embed="rId2"/>
+          <a:stretch>
+            <a:fillRect/>
+          </a:stretch>
+        </p:blipFill>
+        <p:spPr>
+          <a:xfrm>
+            <a:off x="1101213" y="3624120"/>
+            <a:ext cx="8504903" cy="2956063"/>
+          </a:xfrm>
+          <a:prstGeom prst="rect">
+            <a:avLst/>
+          </a:prstGeom>
+        </p:spPr>
+      </p:pic>
+    </p:spTree>
+    <p:extLst>
+      <p:ext uri="{BB962C8B-B14F-4D97-AF65-F5344CB8AC3E}">
+        <p14:creationId xmlns:p14="http://schemas.microsoft.com/office/powerpoint/2010/main" val="1977406335"/>
+      </p:ext>
+    </p:extLst>
+  </p:cSld>
+  <p:clrMapOvr>
+    <a:masterClrMapping/>
+  </p:clrMapOvr>
+</p:sld>
+</file>
+
+<file path=ppt/slides/slide4.xml><?xml version="1.0" encoding="utf-8"?>
+<p:sld xmlns:a="http://schemas.openxmlformats.org/drawingml/2006/main" xmlns:r="http://schemas.openxmlformats.org/officeDocument/2006/relationships" xmlns:p="http://schemas.openxmlformats.org/presentationml/2006/main">
+  <p:cSld>
+    <p:spTree>
+      <p:nvGrpSpPr>
+        <p:cNvPr id="1" name=""/>
+        <p:cNvGrpSpPr/>
+        <p:nvPr/>
+      </p:nvGrpSpPr>
+      <p:grpSpPr>
+        <a:xfrm>
+          <a:off x="0" y="0"/>
+          <a:ext cx="0" cy="0"/>
+          <a:chOff x="0" y="0"/>
+          <a:chExt cx="0" cy="0"/>
+        </a:xfrm>
+      </p:grpSpPr>
+      <p:sp>
+        <p:nvSpPr>
+          <p:cNvPr id="2" name="Title 1">
+            <a:extLst>
+              <a:ext uri="{FF2B5EF4-FFF2-40B4-BE49-F238E27FC236}">
+                <a16:creationId xmlns:a16="http://schemas.microsoft.com/office/drawing/2014/main" id="{7C8037A6-C3CD-DFC0-1F38-58FB94035E86}"/>
+              </a:ext>
+            </a:extLst>
+          </p:cNvPr>
+          <p:cNvSpPr>
+            <a:spLocks noGrp="1"/>
+          </p:cNvSpPr>
+          <p:nvPr>
+            <p:ph type="title"/>
+          </p:nvPr>
+        </p:nvSpPr>
+        <p:spPr/>
+        <p:txBody>
+          <a:bodyPr/>
+          <a:lstStyle/>
+          <a:p>
+            <a:r>
+              <a:rPr lang="en-AU" dirty="0" err="1"/>
+              <a:t>XGBoost</a:t>
+            </a:r>
+            <a:endParaRPr lang="en-AU" dirty="0"/>
+          </a:p>
+        </p:txBody>
+      </p:sp>
+      <p:pic>
+        <p:nvPicPr>
+          <p:cNvPr id="5" name="Content Placeholder 4">
+            <a:extLst>
+              <a:ext uri="{FF2B5EF4-FFF2-40B4-BE49-F238E27FC236}">
+                <a16:creationId xmlns:a16="http://schemas.microsoft.com/office/drawing/2014/main" id="{C72CFAE3-0843-7C2E-4D53-441E7E2233AD}"/>
+              </a:ext>
+            </a:extLst>
+          </p:cNvPr>
+          <p:cNvPicPr>
+            <a:picLocks noGrp="1" noChangeAspect="1"/>
+          </p:cNvPicPr>
+          <p:nvPr>
+            <p:ph idx="1"/>
+          </p:nvPr>
+        </p:nvPicPr>
+        <p:blipFill>
+          <a:blip r:embed="rId2"/>
+          <a:stretch>
+            <a:fillRect/>
+          </a:stretch>
+        </p:blipFill>
+        <p:spPr>
+          <a:xfrm>
+            <a:off x="2291838" y="2130860"/>
+            <a:ext cx="7372350" cy="3209925"/>
+          </a:xfrm>
+          <a:prstGeom prst="rect">
+            <a:avLst/>
+          </a:prstGeom>
+        </p:spPr>
+      </p:pic>
+    </p:spTree>
+    <p:extLst>
+      <p:ext uri="{BB962C8B-B14F-4D97-AF65-F5344CB8AC3E}">
+        <p14:creationId xmlns:p14="http://schemas.microsoft.com/office/powerpoint/2010/main" val="3952180696"/>
+      </p:ext>
+    </p:extLst>
+  </p:cSld>
+  <p:clrMapOvr>
+    <a:masterClrMapping/>
+  </p:clrMapOvr>
+</p:sld>
+</file>
+
+<file path=ppt/slides/slide5.xml><?xml version="1.0" encoding="utf-8"?>
+<p:sld xmlns:a="http://schemas.openxmlformats.org/drawingml/2006/main" xmlns:r="http://schemas.openxmlformats.org/officeDocument/2006/relationships" xmlns:p="http://schemas.openxmlformats.org/presentationml/2006/main">
+  <p:cSld>
+    <p:spTree>
+      <p:nvGrpSpPr>
+        <p:cNvPr id="1" name=""/>
+        <p:cNvGrpSpPr/>
+        <p:nvPr/>
+      </p:nvGrpSpPr>
+      <p:grpSpPr>
+        <a:xfrm>
+          <a:off x="0" y="0"/>
+          <a:ext cx="0" cy="0"/>
+          <a:chOff x="0" y="0"/>
+          <a:chExt cx="0" cy="0"/>
+        </a:xfrm>
+      </p:grpSpPr>
+      <p:sp>
+        <p:nvSpPr>
+          <p:cNvPr id="2" name="Title 1">
+            <a:extLst>
+              <a:ext uri="{FF2B5EF4-FFF2-40B4-BE49-F238E27FC236}">
+                <a16:creationId xmlns:a16="http://schemas.microsoft.com/office/drawing/2014/main" id="{2625DF89-B9C1-3858-1D6E-23AE73371E5F}"/>
+              </a:ext>
+            </a:extLst>
+          </p:cNvPr>
+          <p:cNvSpPr>
+            <a:spLocks noGrp="1"/>
+          </p:cNvSpPr>
+          <p:nvPr>
+            <p:ph type="title"/>
+          </p:nvPr>
+        </p:nvSpPr>
+        <p:spPr/>
+        <p:txBody>
+          <a:bodyPr/>
+          <a:lstStyle/>
+          <a:p>
+            <a:r>
+              <a:rPr lang="en-AU" dirty="0" err="1"/>
+              <a:t>XGBoost</a:t>
+            </a:r>
+            <a:r>
+              <a:rPr lang="en-AU" dirty="0"/>
+              <a:t> – Hyperparameters of interest</a:t>
+            </a:r>
+          </a:p>
+        </p:txBody>
+      </p:sp>
+      <p:sp>
+        <p:nvSpPr>
+          <p:cNvPr id="3" name="Content Placeholder 2">
+            <a:extLst>
+              <a:ext uri="{FF2B5EF4-FFF2-40B4-BE49-F238E27FC236}">
+                <a16:creationId xmlns:a16="http://schemas.microsoft.com/office/drawing/2014/main" id="{F8B9217C-148A-45F1-4829-F8EE8158572A}"/>
+              </a:ext>
+            </a:extLst>
+          </p:cNvPr>
+          <p:cNvSpPr>
+            <a:spLocks noGrp="1"/>
+          </p:cNvSpPr>
+          <p:nvPr>
+            <p:ph idx="1"/>
+          </p:nvPr>
+        </p:nvSpPr>
+        <p:spPr/>
+        <p:txBody>
+          <a:bodyPr>
+            <a:normAutofit lnSpcReduction="10000"/>
+          </a:bodyPr>
+          <a:lstStyle/>
+          <a:p>
+            <a:r>
+              <a:rPr lang="en-AU" u="sng" dirty="0"/>
+              <a:t>Learning rate</a:t>
+            </a:r>
+            <a:r>
+              <a:rPr lang="en-AU" dirty="0"/>
+              <a:t>: step size of model weight update</a:t>
+            </a:r>
+          </a:p>
+          <a:p>
+            <a:r>
+              <a:rPr lang="en-AU" u="sng" dirty="0"/>
+              <a:t>Number of estimators</a:t>
+            </a:r>
+            <a:r>
+              <a:rPr lang="en-AU" dirty="0"/>
+              <a:t>: number of trees</a:t>
+            </a:r>
+          </a:p>
+          <a:p>
+            <a:r>
+              <a:rPr lang="en-AU" u="sng" dirty="0"/>
+              <a:t>Max depth</a:t>
+            </a:r>
+            <a:r>
+              <a:rPr lang="en-AU" dirty="0"/>
+              <a:t>: depth of each tree</a:t>
+            </a:r>
+          </a:p>
+          <a:p>
+            <a:endParaRPr lang="en-AU" dirty="0"/>
+          </a:p>
+          <a:p>
+            <a:pPr marL="0" indent="0">
+              <a:buNone/>
+            </a:pPr>
+            <a:r>
+              <a:rPr lang="en-AU" dirty="0"/>
+              <a:t>Guidelines</a:t>
+            </a:r>
+          </a:p>
+          <a:p>
+            <a:pPr marL="514350" indent="-514350">
+              <a:buAutoNum type="arabicPeriod"/>
+            </a:pPr>
+            <a:r>
+              <a:rPr lang="en-AU" dirty="0"/>
+              <a:t>Small learning rate with larger number of estimators</a:t>
+            </a:r>
+          </a:p>
+          <a:p>
+            <a:pPr marL="971550" lvl="1" indent="-514350">
+              <a:buAutoNum type="arabicPeriod"/>
+            </a:pPr>
+            <a:r>
+              <a:rPr lang="en-AU" dirty="0"/>
+              <a:t>Balance between stability and training speed (lower learning rate)</a:t>
+            </a:r>
+          </a:p>
+          <a:p>
+            <a:pPr marL="514350" indent="-514350">
+              <a:buAutoNum type="arabicPeriod"/>
+            </a:pPr>
+            <a:r>
+              <a:rPr lang="en-AU" dirty="0"/>
+              <a:t>More depth results in potential overfitting the training data</a:t>
+            </a:r>
+          </a:p>
+          <a:p>
+            <a:pPr marL="514350" indent="-514350">
+              <a:buAutoNum type="arabicPeriod"/>
+            </a:pPr>
+            <a:r>
+              <a:rPr lang="en-AU" dirty="0"/>
+              <a:t>Higher number of estimators (boosting rounds), better accuracy</a:t>
+            </a:r>
+          </a:p>
+        </p:txBody>
+      </p:sp>
+    </p:spTree>
+    <p:extLst>
+      <p:ext uri="{BB962C8B-B14F-4D97-AF65-F5344CB8AC3E}">
+        <p14:creationId xmlns:p14="http://schemas.microsoft.com/office/powerpoint/2010/main" val="36605389"/>
+      </p:ext>
+    </p:extLst>
+  </p:cSld>
+  <p:clrMapOvr>
+    <a:masterClrMapping/>
+  </p:clrMapOvr>
+</p:sld>
+</file>
+
+<file path=ppt/slides/slide6.xml><?xml version="1.0" encoding="utf-8"?>
 <p:sld xmlns:a="http://schemas.openxmlformats.org/drawingml/2006/main" xmlns:r="http://schemas.openxmlformats.org/officeDocument/2006/relationships" xmlns:p="http://schemas.openxmlformats.org/presentationml/2006/main">
   <p:cSld>
     <p:spTree>
@@ -5059,12 +5356,17 @@
             </a:r>
             <a:r>
               <a:rPr lang="en-US" dirty="0"/>
-              <a:t> – set up range of the parameters, which sampling (optimization algorithm) algorithm to use, and whether to maximize or minimize </a:t>
-            </a:r>
-            <a:r>
-              <a:rPr lang="en-US" u="sng" dirty="0"/>
-              <a:t>objectives</a:t>
-            </a:r>
+              <a:t> – set up range of the parameters, which sampling (optimization algorithm) algorithm to use, and whether to maximize or </a:t>
+            </a:r>
+            <a:r>
+              <a:rPr lang="en-US"/>
+              <a:t>minimize </a:t>
+            </a:r>
+            <a:r>
+              <a:rPr lang="en-US" u="sng"/>
+              <a:t>objective(s)</a:t>
+            </a:r>
+            <a:endParaRPr lang="en-US" u="sng" dirty="0"/>
           </a:p>
           <a:p>
             <a:endParaRPr lang="en-US" dirty="0"/>
@@ -5095,458 +5397,7 @@
 </p:sld>
 </file>
 
-<file path=ppt/slides/slide4.xml><?xml version="1.0" encoding="utf-8"?>
-<p:sld xmlns:a="http://schemas.openxmlformats.org/drawingml/2006/main" xmlns:r="http://schemas.openxmlformats.org/officeDocument/2006/relationships" xmlns:p="http://schemas.openxmlformats.org/presentationml/2006/main">
-  <p:cSld>
-    <p:spTree>
-      <p:nvGrpSpPr>
-        <p:cNvPr id="1" name="">
-          <a:extLst>
-            <a:ext uri="{FF2B5EF4-FFF2-40B4-BE49-F238E27FC236}">
-              <a16:creationId xmlns:a16="http://schemas.microsoft.com/office/drawing/2014/main" id="{0074287A-FEB6-D5B3-7A99-7A7156429718}"/>
-            </a:ext>
-          </a:extLst>
-        </p:cNvPr>
-        <p:cNvGrpSpPr/>
-        <p:nvPr/>
-      </p:nvGrpSpPr>
-      <p:grpSpPr>
-        <a:xfrm>
-          <a:off x="0" y="0"/>
-          <a:ext cx="0" cy="0"/>
-          <a:chOff x="0" y="0"/>
-          <a:chExt cx="0" cy="0"/>
-        </a:xfrm>
-      </p:grpSpPr>
-      <p:sp>
-        <p:nvSpPr>
-          <p:cNvPr id="2" name="Title 1">
-            <a:extLst>
-              <a:ext uri="{FF2B5EF4-FFF2-40B4-BE49-F238E27FC236}">
-                <a16:creationId xmlns:a16="http://schemas.microsoft.com/office/drawing/2014/main" id="{FB9B1D6A-4015-A580-7750-79DE1F95987C}"/>
-              </a:ext>
-            </a:extLst>
-          </p:cNvPr>
-          <p:cNvSpPr>
-            <a:spLocks noGrp="1"/>
-          </p:cNvSpPr>
-          <p:nvPr>
-            <p:ph type="title"/>
-          </p:nvPr>
-        </p:nvSpPr>
-        <p:spPr/>
-        <p:txBody>
-          <a:bodyPr/>
-          <a:lstStyle/>
-          <a:p>
-            <a:r>
-              <a:rPr lang="en-US" dirty="0"/>
-              <a:t>Today’s demo</a:t>
-            </a:r>
-            <a:endParaRPr lang="en-AU" dirty="0"/>
-          </a:p>
-        </p:txBody>
-      </p:sp>
-      <p:sp>
-        <p:nvSpPr>
-          <p:cNvPr id="3" name="Content Placeholder 2">
-            <a:extLst>
-              <a:ext uri="{FF2B5EF4-FFF2-40B4-BE49-F238E27FC236}">
-                <a16:creationId xmlns:a16="http://schemas.microsoft.com/office/drawing/2014/main" id="{F2A523F7-69CC-B6E7-1744-C7691AAB65D0}"/>
-              </a:ext>
-            </a:extLst>
-          </p:cNvPr>
-          <p:cNvSpPr>
-            <a:spLocks noGrp="1"/>
-          </p:cNvSpPr>
-          <p:nvPr>
-            <p:ph idx="1"/>
-          </p:nvPr>
-        </p:nvSpPr>
-        <p:spPr/>
-        <p:txBody>
-          <a:bodyPr/>
-          <a:lstStyle/>
-          <a:p>
-            <a:r>
-              <a:rPr lang="en-AU" dirty="0" err="1"/>
-              <a:t>Xgboost</a:t>
-            </a:r>
-            <a:r>
-              <a:rPr lang="en-AU" dirty="0"/>
-              <a:t> as the ML algorithm for </a:t>
-            </a:r>
-            <a:r>
-              <a:rPr lang="en-AU" u="sng" dirty="0"/>
-              <a:t>classification</a:t>
-            </a:r>
-          </a:p>
-          <a:p>
-            <a:endParaRPr lang="en-AU" dirty="0"/>
-          </a:p>
-          <a:p>
-            <a:r>
-              <a:rPr lang="en-AU" dirty="0"/>
-              <a:t>UCI adult dataset</a:t>
-            </a:r>
-          </a:p>
-        </p:txBody>
-      </p:sp>
-    </p:spTree>
-    <p:extLst>
-      <p:ext uri="{BB962C8B-B14F-4D97-AF65-F5344CB8AC3E}">
-        <p14:creationId xmlns:p14="http://schemas.microsoft.com/office/powerpoint/2010/main" val="1977406335"/>
-      </p:ext>
-    </p:extLst>
-  </p:cSld>
-  <p:clrMapOvr>
-    <a:masterClrMapping/>
-  </p:clrMapOvr>
-</p:sld>
-</file>
-
-<file path=ppt/slides/slide5.xml><?xml version="1.0" encoding="utf-8"?>
-<p:sld xmlns:a="http://schemas.openxmlformats.org/drawingml/2006/main" xmlns:r="http://schemas.openxmlformats.org/officeDocument/2006/relationships" xmlns:p="http://schemas.openxmlformats.org/presentationml/2006/main">
-  <p:cSld>
-    <p:spTree>
-      <p:nvGrpSpPr>
-        <p:cNvPr id="1" name="">
-          <a:extLst>
-            <a:ext uri="{FF2B5EF4-FFF2-40B4-BE49-F238E27FC236}">
-              <a16:creationId xmlns:a16="http://schemas.microsoft.com/office/drawing/2014/main" id="{28DC40B3-A447-B00C-9825-634DC01DBDC5}"/>
-            </a:ext>
-          </a:extLst>
-        </p:cNvPr>
-        <p:cNvGrpSpPr/>
-        <p:nvPr/>
-      </p:nvGrpSpPr>
-      <p:grpSpPr>
-        <a:xfrm>
-          <a:off x="0" y="0"/>
-          <a:ext cx="0" cy="0"/>
-          <a:chOff x="0" y="0"/>
-          <a:chExt cx="0" cy="0"/>
-        </a:xfrm>
-      </p:grpSpPr>
-      <p:sp>
-        <p:nvSpPr>
-          <p:cNvPr id="2" name="Title 1">
-            <a:extLst>
-              <a:ext uri="{FF2B5EF4-FFF2-40B4-BE49-F238E27FC236}">
-                <a16:creationId xmlns:a16="http://schemas.microsoft.com/office/drawing/2014/main" id="{F88650E7-9C82-1FCC-3E75-7AE39F8F978D}"/>
-              </a:ext>
-            </a:extLst>
-          </p:cNvPr>
-          <p:cNvSpPr>
-            <a:spLocks noGrp="1"/>
-          </p:cNvSpPr>
-          <p:nvPr>
-            <p:ph type="title"/>
-          </p:nvPr>
-        </p:nvSpPr>
-        <p:spPr/>
-        <p:txBody>
-          <a:bodyPr/>
-          <a:lstStyle/>
-          <a:p>
-            <a:r>
-              <a:rPr lang="en-AU" dirty="0"/>
-              <a:t>UCI adult dataset</a:t>
-            </a:r>
-          </a:p>
-        </p:txBody>
-      </p:sp>
-      <p:sp>
-        <p:nvSpPr>
-          <p:cNvPr id="4" name="Content Placeholder 3">
-            <a:extLst>
-              <a:ext uri="{FF2B5EF4-FFF2-40B4-BE49-F238E27FC236}">
-                <a16:creationId xmlns:a16="http://schemas.microsoft.com/office/drawing/2014/main" id="{204C816E-FDCA-8248-2870-FB6904A08359}"/>
-              </a:ext>
-            </a:extLst>
-          </p:cNvPr>
-          <p:cNvSpPr>
-            <a:spLocks noGrp="1"/>
-          </p:cNvSpPr>
-          <p:nvPr>
-            <p:ph idx="1"/>
-          </p:nvPr>
-        </p:nvSpPr>
-        <p:spPr/>
-        <p:txBody>
-          <a:bodyPr/>
-          <a:lstStyle/>
-          <a:p>
-            <a:endParaRPr lang="en-AU"/>
-          </a:p>
-        </p:txBody>
-      </p:sp>
-    </p:spTree>
-    <p:extLst>
-      <p:ext uri="{BB962C8B-B14F-4D97-AF65-F5344CB8AC3E}">
-        <p14:creationId xmlns:p14="http://schemas.microsoft.com/office/powerpoint/2010/main" val="4250730261"/>
-      </p:ext>
-    </p:extLst>
-  </p:cSld>
-  <p:clrMapOvr>
-    <a:masterClrMapping/>
-  </p:clrMapOvr>
-</p:sld>
-</file>
-
-<file path=ppt/slides/slide6.xml><?xml version="1.0" encoding="utf-8"?>
-<p:sld xmlns:a="http://schemas.openxmlformats.org/drawingml/2006/main" xmlns:r="http://schemas.openxmlformats.org/officeDocument/2006/relationships" xmlns:p="http://schemas.openxmlformats.org/presentationml/2006/main">
-  <p:cSld>
-    <p:spTree>
-      <p:nvGrpSpPr>
-        <p:cNvPr id="1" name=""/>
-        <p:cNvGrpSpPr/>
-        <p:nvPr/>
-      </p:nvGrpSpPr>
-      <p:grpSpPr>
-        <a:xfrm>
-          <a:off x="0" y="0"/>
-          <a:ext cx="0" cy="0"/>
-          <a:chOff x="0" y="0"/>
-          <a:chExt cx="0" cy="0"/>
-        </a:xfrm>
-      </p:grpSpPr>
-      <p:sp>
-        <p:nvSpPr>
-          <p:cNvPr id="2" name="Title 1">
-            <a:extLst>
-              <a:ext uri="{FF2B5EF4-FFF2-40B4-BE49-F238E27FC236}">
-                <a16:creationId xmlns:a16="http://schemas.microsoft.com/office/drawing/2014/main" id="{7C8037A6-C3CD-DFC0-1F38-58FB94035E86}"/>
-              </a:ext>
-            </a:extLst>
-          </p:cNvPr>
-          <p:cNvSpPr>
-            <a:spLocks noGrp="1"/>
-          </p:cNvSpPr>
-          <p:nvPr>
-            <p:ph type="title"/>
-          </p:nvPr>
-        </p:nvSpPr>
-        <p:spPr/>
-        <p:txBody>
-          <a:bodyPr/>
-          <a:lstStyle/>
-          <a:p>
-            <a:r>
-              <a:rPr lang="en-AU" dirty="0" err="1"/>
-              <a:t>xgboost</a:t>
-            </a:r>
-            <a:endParaRPr lang="en-AU" dirty="0"/>
-          </a:p>
-        </p:txBody>
-      </p:sp>
-      <p:pic>
-        <p:nvPicPr>
-          <p:cNvPr id="5" name="Content Placeholder 4">
-            <a:extLst>
-              <a:ext uri="{FF2B5EF4-FFF2-40B4-BE49-F238E27FC236}">
-                <a16:creationId xmlns:a16="http://schemas.microsoft.com/office/drawing/2014/main" id="{C72CFAE3-0843-7C2E-4D53-441E7E2233AD}"/>
-              </a:ext>
-            </a:extLst>
-          </p:cNvPr>
-          <p:cNvPicPr>
-            <a:picLocks noGrp="1" noChangeAspect="1"/>
-          </p:cNvPicPr>
-          <p:nvPr>
-            <p:ph idx="1"/>
-          </p:nvPr>
-        </p:nvPicPr>
-        <p:blipFill>
-          <a:blip r:embed="rId2"/>
-          <a:stretch>
-            <a:fillRect/>
-          </a:stretch>
-        </p:blipFill>
-        <p:spPr>
-          <a:xfrm>
-            <a:off x="2409825" y="2396331"/>
-            <a:ext cx="7372350" cy="3209925"/>
-          </a:xfrm>
-          <a:prstGeom prst="rect">
-            <a:avLst/>
-          </a:prstGeom>
-        </p:spPr>
-      </p:pic>
-    </p:spTree>
-    <p:extLst>
-      <p:ext uri="{BB962C8B-B14F-4D97-AF65-F5344CB8AC3E}">
-        <p14:creationId xmlns:p14="http://schemas.microsoft.com/office/powerpoint/2010/main" val="3952180696"/>
-      </p:ext>
-    </p:extLst>
-  </p:cSld>
-  <p:clrMapOvr>
-    <a:masterClrMapping/>
-  </p:clrMapOvr>
-</p:sld>
-</file>
-
 <file path=ppt/slides/slide7.xml><?xml version="1.0" encoding="utf-8"?>
-<p:sld xmlns:a="http://schemas.openxmlformats.org/drawingml/2006/main" xmlns:r="http://schemas.openxmlformats.org/officeDocument/2006/relationships" xmlns:p="http://schemas.openxmlformats.org/presentationml/2006/main">
-  <p:cSld>
-    <p:spTree>
-      <p:nvGrpSpPr>
-        <p:cNvPr id="1" name=""/>
-        <p:cNvGrpSpPr/>
-        <p:nvPr/>
-      </p:nvGrpSpPr>
-      <p:grpSpPr>
-        <a:xfrm>
-          <a:off x="0" y="0"/>
-          <a:ext cx="0" cy="0"/>
-          <a:chOff x="0" y="0"/>
-          <a:chExt cx="0" cy="0"/>
-        </a:xfrm>
-      </p:grpSpPr>
-      <p:sp>
-        <p:nvSpPr>
-          <p:cNvPr id="2" name="Title 1">
-            <a:extLst>
-              <a:ext uri="{FF2B5EF4-FFF2-40B4-BE49-F238E27FC236}">
-                <a16:creationId xmlns:a16="http://schemas.microsoft.com/office/drawing/2014/main" id="{2625DF89-B9C1-3858-1D6E-23AE73371E5F}"/>
-              </a:ext>
-            </a:extLst>
-          </p:cNvPr>
-          <p:cNvSpPr>
-            <a:spLocks noGrp="1"/>
-          </p:cNvSpPr>
-          <p:nvPr>
-            <p:ph type="title"/>
-          </p:nvPr>
-        </p:nvSpPr>
-        <p:spPr/>
-        <p:txBody>
-          <a:bodyPr/>
-          <a:lstStyle/>
-          <a:p>
-            <a:r>
-              <a:rPr lang="en-AU" dirty="0" err="1"/>
-              <a:t>xgboost</a:t>
-            </a:r>
-            <a:endParaRPr lang="en-AU" dirty="0"/>
-          </a:p>
-        </p:txBody>
-      </p:sp>
-      <p:sp>
-        <p:nvSpPr>
-          <p:cNvPr id="3" name="Content Placeholder 2">
-            <a:extLst>
-              <a:ext uri="{FF2B5EF4-FFF2-40B4-BE49-F238E27FC236}">
-                <a16:creationId xmlns:a16="http://schemas.microsoft.com/office/drawing/2014/main" id="{F8B9217C-148A-45F1-4829-F8EE8158572A}"/>
-              </a:ext>
-            </a:extLst>
-          </p:cNvPr>
-          <p:cNvSpPr>
-            <a:spLocks noGrp="1"/>
-          </p:cNvSpPr>
-          <p:nvPr>
-            <p:ph idx="1"/>
-          </p:nvPr>
-        </p:nvSpPr>
-        <p:spPr/>
-        <p:txBody>
-          <a:bodyPr>
-            <a:normAutofit lnSpcReduction="10000"/>
-          </a:bodyPr>
-          <a:lstStyle/>
-          <a:p>
-            <a:r>
-              <a:rPr lang="en-AU" u="sng" dirty="0"/>
-              <a:t>Learning rate</a:t>
-            </a:r>
-            <a:r>
-              <a:rPr lang="en-AU" dirty="0"/>
-              <a:t>: step size of model weight update</a:t>
-            </a:r>
-          </a:p>
-          <a:p>
-            <a:r>
-              <a:rPr lang="en-AU" u="sng" dirty="0"/>
-              <a:t>Number of estimators</a:t>
-            </a:r>
-            <a:r>
-              <a:rPr lang="en-AU" dirty="0"/>
-              <a:t>: number of trees</a:t>
-            </a:r>
-          </a:p>
-          <a:p>
-            <a:r>
-              <a:rPr lang="en-AU" u="sng" dirty="0"/>
-              <a:t>Max depth</a:t>
-            </a:r>
-            <a:r>
-              <a:rPr lang="en-AU" dirty="0"/>
-              <a:t>: depth of each tree</a:t>
-            </a:r>
-          </a:p>
-          <a:p>
-            <a:endParaRPr lang="en-AU" dirty="0"/>
-          </a:p>
-          <a:p>
-            <a:pPr marL="0" indent="0">
-              <a:buNone/>
-            </a:pPr>
-            <a:r>
-              <a:rPr lang="en-AU" dirty="0"/>
-              <a:t>Guidelines</a:t>
-            </a:r>
-          </a:p>
-          <a:p>
-            <a:pPr marL="514350" indent="-514350">
-              <a:buAutoNum type="arabicPeriod"/>
-            </a:pPr>
-            <a:r>
-              <a:rPr lang="en-AU" dirty="0"/>
-              <a:t>Small learning rate with larger number of estimators</a:t>
-            </a:r>
-          </a:p>
-          <a:p>
-            <a:pPr marL="971550" lvl="1" indent="-514350">
-              <a:buAutoNum type="arabicPeriod"/>
-            </a:pPr>
-            <a:r>
-              <a:rPr lang="en-AU" dirty="0"/>
-              <a:t>Balance between stability and training speed (lower learning rate)</a:t>
-            </a:r>
-          </a:p>
-          <a:p>
-            <a:pPr marL="514350" indent="-514350">
-              <a:buAutoNum type="arabicPeriod"/>
-            </a:pPr>
-            <a:r>
-              <a:rPr lang="en-AU" dirty="0"/>
-              <a:t>More depth results in potential overfitting the training data</a:t>
-            </a:r>
-          </a:p>
-          <a:p>
-            <a:pPr marL="514350" indent="-514350">
-              <a:buAutoNum type="arabicPeriod"/>
-            </a:pPr>
-            <a:r>
-              <a:rPr lang="en-AU" dirty="0"/>
-              <a:t>Higher number of estimators (boosting rounds), better accuracy</a:t>
-            </a:r>
-          </a:p>
-        </p:txBody>
-      </p:sp>
-    </p:spTree>
-    <p:extLst>
-      <p:ext uri="{BB962C8B-B14F-4D97-AF65-F5344CB8AC3E}">
-        <p14:creationId xmlns:p14="http://schemas.microsoft.com/office/powerpoint/2010/main" val="36605389"/>
-      </p:ext>
-    </p:extLst>
-  </p:cSld>
-  <p:clrMapOvr>
-    <a:masterClrMapping/>
-  </p:clrMapOvr>
-</p:sld>
-</file>
-
-<file path=ppt/slides/slide8.xml><?xml version="1.0" encoding="utf-8"?>
 <p:sld xmlns:a="http://schemas.openxmlformats.org/drawingml/2006/main" xmlns:r="http://schemas.openxmlformats.org/officeDocument/2006/relationships" xmlns:p="http://schemas.openxmlformats.org/presentationml/2006/main">
   <p:cSld>
     <p:spTree>
@@ -5641,7 +5492,7 @@
 </p:sld>
 </file>
 
-<file path=ppt/slides/slide9.xml><?xml version="1.0" encoding="utf-8"?>
+<file path=ppt/slides/slide8.xml><?xml version="1.0" encoding="utf-8"?>
 <p:sld xmlns:a="http://schemas.openxmlformats.org/drawingml/2006/main" xmlns:r="http://schemas.openxmlformats.org/officeDocument/2006/relationships" xmlns:p="http://schemas.openxmlformats.org/presentationml/2006/main">
   <p:cSld>
     <p:spTree>
@@ -5738,6 +5589,108 @@
     <p:extLst>
       <p:ext uri="{BB962C8B-B14F-4D97-AF65-F5344CB8AC3E}">
         <p14:creationId xmlns:p14="http://schemas.microsoft.com/office/powerpoint/2010/main" val="1224710799"/>
+      </p:ext>
+    </p:extLst>
+  </p:cSld>
+  <p:clrMapOvr>
+    <a:masterClrMapping/>
+  </p:clrMapOvr>
+</p:sld>
+</file>
+
+<file path=ppt/slides/slide9.xml><?xml version="1.0" encoding="utf-8"?>
+<p:sld xmlns:a="http://schemas.openxmlformats.org/drawingml/2006/main" xmlns:r="http://schemas.openxmlformats.org/officeDocument/2006/relationships" xmlns:p="http://schemas.openxmlformats.org/presentationml/2006/main">
+  <p:cSld>
+    <p:spTree>
+      <p:nvGrpSpPr>
+        <p:cNvPr id="1" name=""/>
+        <p:cNvGrpSpPr/>
+        <p:nvPr/>
+      </p:nvGrpSpPr>
+      <p:grpSpPr>
+        <a:xfrm>
+          <a:off x="0" y="0"/>
+          <a:ext cx="0" cy="0"/>
+          <a:chOff x="0" y="0"/>
+          <a:chExt cx="0" cy="0"/>
+        </a:xfrm>
+      </p:grpSpPr>
+      <p:pic>
+        <p:nvPicPr>
+          <p:cNvPr id="3" name="Picture 2" descr="A graph with dots and numbers&#10;&#10;AI-generated content may be incorrect.">
+            <a:extLst>
+              <a:ext uri="{FF2B5EF4-FFF2-40B4-BE49-F238E27FC236}">
+                <a16:creationId xmlns:a16="http://schemas.microsoft.com/office/drawing/2014/main" id="{34130C55-39F5-9406-EC7E-C8DB9BB323B1}"/>
+              </a:ext>
+            </a:extLst>
+          </p:cNvPr>
+          <p:cNvPicPr>
+            <a:picLocks noChangeAspect="1"/>
+          </p:cNvPicPr>
+          <p:nvPr/>
+        </p:nvPicPr>
+        <p:blipFill>
+          <a:blip r:embed="rId2">
+            <a:extLst>
+              <a:ext uri="{28A0092B-C50C-407E-A947-70E740481C1C}">
+                <a14:useLocalDpi xmlns:a14="http://schemas.microsoft.com/office/drawing/2010/main" val="0"/>
+              </a:ext>
+            </a:extLst>
+          </a:blip>
+          <a:stretch>
+            <a:fillRect/>
+          </a:stretch>
+        </p:blipFill>
+        <p:spPr>
+          <a:xfrm>
+            <a:off x="1744894" y="287462"/>
+            <a:ext cx="8229600" cy="4762500"/>
+          </a:xfrm>
+          <a:prstGeom prst="rect">
+            <a:avLst/>
+          </a:prstGeom>
+        </p:spPr>
+      </p:pic>
+      <p:pic>
+        <p:nvPicPr>
+          <p:cNvPr id="5" name="Picture 4" descr="A graph with blue lines and red dots&#10;&#10;AI-generated content may be incorrect.">
+            <a:extLst>
+              <a:ext uri="{FF2B5EF4-FFF2-40B4-BE49-F238E27FC236}">
+                <a16:creationId xmlns:a16="http://schemas.microsoft.com/office/drawing/2014/main" id="{E5ECCD8E-3DE8-B853-5F17-8EB1626E3628}"/>
+              </a:ext>
+            </a:extLst>
+          </p:cNvPr>
+          <p:cNvPicPr>
+            <a:picLocks noChangeAspect="1"/>
+          </p:cNvPicPr>
+          <p:nvPr/>
+        </p:nvPicPr>
+        <p:blipFill>
+          <a:blip r:embed="rId3">
+            <a:extLst>
+              <a:ext uri="{28A0092B-C50C-407E-A947-70E740481C1C}">
+                <a14:useLocalDpi xmlns:a14="http://schemas.microsoft.com/office/drawing/2010/main" val="0"/>
+              </a:ext>
+            </a:extLst>
+          </a:blip>
+          <a:stretch>
+            <a:fillRect/>
+          </a:stretch>
+        </p:blipFill>
+        <p:spPr>
+          <a:xfrm>
+            <a:off x="1894894" y="437462"/>
+            <a:ext cx="8229600" cy="4762500"/>
+          </a:xfrm>
+          <a:prstGeom prst="rect">
+            <a:avLst/>
+          </a:prstGeom>
+        </p:spPr>
+      </p:pic>
+    </p:spTree>
+    <p:extLst>
+      <p:ext uri="{BB962C8B-B14F-4D97-AF65-F5344CB8AC3E}">
+        <p14:creationId xmlns:p14="http://schemas.microsoft.com/office/powerpoint/2010/main" val="3912687090"/>
       </p:ext>
     </p:extLst>
   </p:cSld>

--- a/Hyperparameter optimization using Optuna.pptx
+++ b/Hyperparameter optimization using Optuna.pptx
@@ -5,7 +5,7 @@
     <p:sldMasterId id="2147483648" r:id="rId1"/>
   </p:sldMasterIdLst>
   <p:notesMasterIdLst>
-    <p:notesMasterId r:id="rId18"/>
+    <p:notesMasterId r:id="rId19"/>
   </p:notesMasterIdLst>
   <p:sldIdLst>
     <p:sldId id="256" r:id="rId2"/>
@@ -23,7 +23,8 @@
     <p:sldId id="272" r:id="rId14"/>
     <p:sldId id="274" r:id="rId15"/>
     <p:sldId id="277" r:id="rId16"/>
-    <p:sldId id="279" r:id="rId17"/>
+    <p:sldId id="280" r:id="rId17"/>
+    <p:sldId id="279" r:id="rId18"/>
   </p:sldIdLst>
   <p:sldSz cx="12192000" cy="6858000"/>
   <p:notesSz cx="6858000" cy="9144000"/>
@@ -3958,7 +3959,12 @@
             <p:ph type="ctrTitle"/>
           </p:nvPr>
         </p:nvSpPr>
-        <p:spPr/>
+        <p:spPr>
+          <a:xfrm>
+            <a:off x="1630326" y="122865"/>
+            <a:ext cx="9144000" cy="2387600"/>
+          </a:xfrm>
+        </p:spPr>
         <p:txBody>
           <a:bodyPr/>
           <a:lstStyle/>
@@ -3991,7 +3997,12 @@
             <p:ph type="subTitle" idx="1"/>
           </p:nvPr>
         </p:nvSpPr>
-        <p:spPr/>
+        <p:spPr>
+          <a:xfrm>
+            <a:off x="1073889" y="5494670"/>
+            <a:ext cx="9144000" cy="1655762"/>
+          </a:xfrm>
+        </p:spPr>
         <p:txBody>
           <a:bodyPr/>
           <a:lstStyle/>
@@ -4009,6 +4020,36 @@
           </a:p>
         </p:txBody>
       </p:sp>
+      <p:pic>
+        <p:nvPicPr>
+          <p:cNvPr id="6" name="Picture 5">
+            <a:extLst>
+              <a:ext uri="{FF2B5EF4-FFF2-40B4-BE49-F238E27FC236}">
+                <a16:creationId xmlns:a16="http://schemas.microsoft.com/office/drawing/2014/main" id="{A171AE08-DB97-E832-B8C6-E9D7973AFE1F}"/>
+              </a:ext>
+            </a:extLst>
+          </p:cNvPr>
+          <p:cNvPicPr>
+            <a:picLocks noChangeAspect="1"/>
+          </p:cNvPicPr>
+          <p:nvPr/>
+        </p:nvPicPr>
+        <p:blipFill>
+          <a:blip r:embed="rId2"/>
+          <a:stretch>
+            <a:fillRect/>
+          </a:stretch>
+        </p:blipFill>
+        <p:spPr>
+          <a:xfrm>
+            <a:off x="4065182" y="2605038"/>
+            <a:ext cx="4274288" cy="2356615"/>
+          </a:xfrm>
+          <a:prstGeom prst="rect">
+            <a:avLst/>
+          </a:prstGeom>
+        </p:spPr>
+      </p:pic>
     </p:spTree>
     <p:extLst>
       <p:ext uri="{BB962C8B-B14F-4D97-AF65-F5344CB8AC3E}">
@@ -4489,6 +4530,14 @@
 <file path=ppt/slides/slide15.xml><?xml version="1.0" encoding="utf-8"?>
 <p:sld xmlns:a="http://schemas.openxmlformats.org/drawingml/2006/main" xmlns:r="http://schemas.openxmlformats.org/officeDocument/2006/relationships" xmlns:p="http://schemas.openxmlformats.org/presentationml/2006/main">
   <p:cSld>
+    <p:bg>
+      <p:bgPr>
+        <a:solidFill>
+          <a:schemeClr val="bg1"/>
+        </a:solidFill>
+        <a:effectLst/>
+      </p:bgPr>
+    </p:bg>
     <p:spTree>
       <p:nvGrpSpPr>
         <p:cNvPr id="1" name=""/>
@@ -4503,77 +4552,63 @@
           <a:chExt cx="0" cy="0"/>
         </a:xfrm>
       </p:grpSpPr>
-      <p:sp>
-        <p:nvSpPr>
-          <p:cNvPr id="4" name="TextBox 3">
-            <a:extLst>
-              <a:ext uri="{FF2B5EF4-FFF2-40B4-BE49-F238E27FC236}">
-                <a16:creationId xmlns:a16="http://schemas.microsoft.com/office/drawing/2014/main" id="{F03D29B4-5306-EA19-A8B2-B1C460BAE7D9}"/>
-              </a:ext>
-            </a:extLst>
-          </p:cNvPr>
-          <p:cNvSpPr txBox="1"/>
-          <p:nvPr/>
+      <p:sp useBgFill="1">
+        <p:nvSpPr>
+          <p:cNvPr id="11" name="Rectangle 10">
+            <a:extLst>
+              <a:ext uri="{FF2B5EF4-FFF2-40B4-BE49-F238E27FC236}">
+                <a16:creationId xmlns:a16="http://schemas.microsoft.com/office/drawing/2014/main" id="{04812C46-200A-4DEB-A05E-3ED6C68C2387}"/>
+              </a:ext>
+              <a:ext uri="{C183D7F6-B498-43B3-948B-1728B52AA6E4}">
+                <adec:decorative xmlns:adec="http://schemas.microsoft.com/office/drawing/2017/decorative" val="1"/>
+              </a:ext>
+            </a:extLst>
+          </p:cNvPr>
+          <p:cNvSpPr>
+            <a:spLocks noGrp="1" noRot="1" noChangeAspect="1" noMove="1" noResize="1" noEditPoints="1" noAdjustHandles="1" noChangeArrowheads="1" noChangeShapeType="1" noTextEdit="1"/>
+          </p:cNvSpPr>
+          <p:nvPr>
+            <p:extLst>
+              <p:ext uri="{386F3935-93C4-4BCD-93E2-E3B085C9AB24}">
+                <p16:designElem xmlns:p16="http://schemas.microsoft.com/office/powerpoint/2015/main" val="1"/>
+              </p:ext>
+            </p:extLst>
+          </p:nvPr>
         </p:nvSpPr>
         <p:spPr>
           <a:xfrm>
-            <a:off x="9265045" y="767993"/>
-            <a:ext cx="3111749" cy="3416320"/>
+            <a:off x="-1" y="0"/>
+            <a:ext cx="12188952" cy="6858000"/>
           </a:xfrm>
           <a:prstGeom prst="rect">
             <a:avLst/>
           </a:prstGeom>
-          <a:noFill/>
+          <a:ln>
+            <a:noFill/>
+          </a:ln>
         </p:spPr>
-        <p:txBody>
-          <a:bodyPr wrap="none" rtlCol="0">
-            <a:spAutoFit/>
-          </a:bodyPr>
-          <a:lstStyle/>
-          <a:p>
-            <a:r>
-              <a:rPr lang="en-AU" sz="2400" dirty="0"/>
-              <a:t>Goal:</a:t>
-            </a:r>
-          </a:p>
-          <a:p>
-            <a:endParaRPr lang="en-AU" sz="2400" dirty="0"/>
-          </a:p>
-          <a:p>
-            <a:r>
-              <a:rPr lang="en-AU" sz="2400" dirty="0"/>
-              <a:t>Minimize complexity</a:t>
-            </a:r>
-          </a:p>
-          <a:p>
-            <a:r>
-              <a:rPr lang="en-AU" sz="2400" dirty="0"/>
-              <a:t>Increase performance</a:t>
-            </a:r>
-          </a:p>
-          <a:p>
-            <a:endParaRPr lang="en-AU" sz="2400" dirty="0"/>
-          </a:p>
-          <a:p>
-            <a:r>
-              <a:rPr lang="en-AU" sz="2400" dirty="0"/>
-              <a:t>Conflicting objectives</a:t>
-            </a:r>
-          </a:p>
-          <a:p>
-            <a:endParaRPr lang="en-AU" sz="2400" dirty="0"/>
-          </a:p>
-          <a:p>
-            <a:r>
-              <a:rPr lang="en-AU" sz="2400" dirty="0"/>
-              <a:t>You cannot move up </a:t>
-            </a:r>
-          </a:p>
-          <a:p>
-            <a:r>
-              <a:rPr lang="en-AU" sz="2400" dirty="0"/>
-              <a:t>without moving right</a:t>
-            </a:r>
+        <p:style>
+          <a:lnRef idx="2">
+            <a:schemeClr val="accent1">
+              <a:shade val="50000"/>
+            </a:schemeClr>
+          </a:lnRef>
+          <a:fillRef idx="1">
+            <a:schemeClr val="accent1"/>
+          </a:fillRef>
+          <a:effectRef idx="0">
+            <a:schemeClr val="accent1"/>
+          </a:effectRef>
+          <a:fontRef idx="minor">
+            <a:schemeClr val="lt1"/>
+          </a:fontRef>
+        </p:style>
+        <p:txBody>
+          <a:bodyPr rtlCol="0" anchor="ctr"/>
+          <a:lstStyle/>
+          <a:p>
+            <a:pPr algn="ctr"/>
+            <a:endParaRPr lang="en-US"/>
           </a:p>
         </p:txBody>
       </p:sp>
@@ -4599,20 +4634,299 @@
               </a:ext>
             </a:extLst>
           </a:blip>
+          <a:srcRect r="2006"/>
           <a:stretch>
             <a:fillRect/>
           </a:stretch>
         </p:blipFill>
         <p:spPr>
           <a:xfrm>
-            <a:off x="573640" y="336479"/>
-            <a:ext cx="8229600" cy="5715000"/>
+            <a:off x="1" y="10"/>
+            <a:ext cx="9669642" cy="6857990"/>
           </a:xfrm>
           <a:prstGeom prst="rect">
             <a:avLst/>
           </a:prstGeom>
         </p:spPr>
       </p:pic>
+      <p:sp>
+        <p:nvSpPr>
+          <p:cNvPr id="13" name="Rectangle 12">
+            <a:extLst>
+              <a:ext uri="{FF2B5EF4-FFF2-40B4-BE49-F238E27FC236}">
+                <a16:creationId xmlns:a16="http://schemas.microsoft.com/office/drawing/2014/main" id="{D1EA859B-E555-4109-94F3-6700E046E008}"/>
+              </a:ext>
+              <a:ext uri="{C183D7F6-B498-43B3-948B-1728B52AA6E4}">
+                <adec:decorative xmlns:adec="http://schemas.microsoft.com/office/drawing/2017/decorative" val="1"/>
+              </a:ext>
+            </a:extLst>
+          </p:cNvPr>
+          <p:cNvSpPr>
+            <a:spLocks noGrp="1" noRot="1" noChangeAspect="1" noMove="1" noResize="1" noEditPoints="1" noAdjustHandles="1" noChangeArrowheads="1" noChangeShapeType="1" noTextEdit="1"/>
+          </p:cNvSpPr>
+          <p:nvPr>
+            <p:extLst>
+              <p:ext uri="{386F3935-93C4-4BCD-93E2-E3B085C9AB24}">
+                <p16:designElem xmlns:p16="http://schemas.microsoft.com/office/powerpoint/2015/main" val="1"/>
+              </p:ext>
+            </p:extLst>
+          </p:nvPr>
+        </p:nvSpPr>
+        <p:spPr>
+          <a:xfrm flipH="1">
+            <a:off x="5125019" y="0"/>
+            <a:ext cx="7066978" cy="6858000"/>
+          </a:xfrm>
+          <a:prstGeom prst="rect">
+            <a:avLst/>
+          </a:prstGeom>
+          <a:gradFill>
+            <a:gsLst>
+              <a:gs pos="48000">
+                <a:schemeClr val="bg1"/>
+              </a:gs>
+              <a:gs pos="35000">
+                <a:schemeClr val="bg1">
+                  <a:alpha val="77000"/>
+                </a:schemeClr>
+              </a:gs>
+              <a:gs pos="19000">
+                <a:schemeClr val="bg1">
+                  <a:alpha val="38000"/>
+                </a:schemeClr>
+              </a:gs>
+              <a:gs pos="0">
+                <a:schemeClr val="bg1">
+                  <a:alpha val="0"/>
+                </a:schemeClr>
+              </a:gs>
+              <a:gs pos="100000">
+                <a:schemeClr val="bg1"/>
+              </a:gs>
+            </a:gsLst>
+            <a:lin ang="10800000" scaled="0"/>
+          </a:gradFill>
+          <a:ln>
+            <a:noFill/>
+          </a:ln>
+        </p:spPr>
+        <p:style>
+          <a:lnRef idx="2">
+            <a:schemeClr val="accent1">
+              <a:shade val="50000"/>
+            </a:schemeClr>
+          </a:lnRef>
+          <a:fillRef idx="1">
+            <a:schemeClr val="accent1"/>
+          </a:fillRef>
+          <a:effectRef idx="0">
+            <a:schemeClr val="accent1"/>
+          </a:effectRef>
+          <a:fontRef idx="minor">
+            <a:schemeClr val="lt1"/>
+          </a:fontRef>
+        </p:style>
+        <p:txBody>
+          <a:bodyPr rtlCol="0" anchor="ctr"/>
+          <a:lstStyle/>
+          <a:p>
+            <a:pPr algn="ctr"/>
+            <a:endParaRPr lang="en-US" dirty="0"/>
+          </a:p>
+        </p:txBody>
+      </p:sp>
+      <p:sp>
+        <p:nvSpPr>
+          <p:cNvPr id="4" name="TextBox 3">
+            <a:extLst>
+              <a:ext uri="{FF2B5EF4-FFF2-40B4-BE49-F238E27FC236}">
+                <a16:creationId xmlns:a16="http://schemas.microsoft.com/office/drawing/2014/main" id="{F03D29B4-5306-EA19-A8B2-B1C460BAE7D9}"/>
+              </a:ext>
+            </a:extLst>
+          </p:cNvPr>
+          <p:cNvSpPr txBox="1"/>
+          <p:nvPr/>
+        </p:nvSpPr>
+        <p:spPr>
+          <a:xfrm>
+            <a:off x="7531610" y="2434201"/>
+            <a:ext cx="3822189" cy="3742762"/>
+          </a:xfrm>
+          <a:prstGeom prst="rect">
+            <a:avLst/>
+          </a:prstGeom>
+        </p:spPr>
+        <p:txBody>
+          <a:bodyPr vert="horz" lIns="91440" tIns="45720" rIns="91440" bIns="45720" rtlCol="0">
+            <a:normAutofit/>
+          </a:bodyPr>
+          <a:lstStyle/>
+          <a:p>
+            <a:pPr indent="-228600">
+              <a:lnSpc>
+                <a:spcPct val="90000"/>
+              </a:lnSpc>
+              <a:spcAft>
+                <a:spcPts val="600"/>
+              </a:spcAft>
+              <a:buFont typeface="Arial" panose="020B0604020202020204" pitchFamily="34" charset="0"/>
+              <a:buChar char="•"/>
+            </a:pPr>
+            <a:r>
+              <a:rPr lang="en-US" sz="1900"/>
+              <a:t>Goal:</a:t>
+            </a:r>
+          </a:p>
+          <a:p>
+            <a:pPr indent="-228600">
+              <a:lnSpc>
+                <a:spcPct val="90000"/>
+              </a:lnSpc>
+              <a:spcAft>
+                <a:spcPts val="600"/>
+              </a:spcAft>
+              <a:buFont typeface="Arial" panose="020B0604020202020204" pitchFamily="34" charset="0"/>
+              <a:buChar char="•"/>
+            </a:pPr>
+            <a:endParaRPr lang="en-US" sz="1900"/>
+          </a:p>
+          <a:p>
+            <a:pPr indent="-228600">
+              <a:lnSpc>
+                <a:spcPct val="90000"/>
+              </a:lnSpc>
+              <a:spcAft>
+                <a:spcPts val="600"/>
+              </a:spcAft>
+              <a:buFont typeface="Arial" panose="020B0604020202020204" pitchFamily="34" charset="0"/>
+              <a:buChar char="•"/>
+            </a:pPr>
+            <a:r>
+              <a:rPr lang="en-US" sz="1900"/>
+              <a:t>Minimize complexity</a:t>
+            </a:r>
+          </a:p>
+          <a:p>
+            <a:pPr indent="-228600">
+              <a:lnSpc>
+                <a:spcPct val="90000"/>
+              </a:lnSpc>
+              <a:spcAft>
+                <a:spcPts val="600"/>
+              </a:spcAft>
+              <a:buFont typeface="Arial" panose="020B0604020202020204" pitchFamily="34" charset="0"/>
+              <a:buChar char="•"/>
+            </a:pPr>
+            <a:r>
+              <a:rPr lang="en-US" sz="1900"/>
+              <a:t>Increase performance</a:t>
+            </a:r>
+          </a:p>
+          <a:p>
+            <a:pPr indent="-228600">
+              <a:lnSpc>
+                <a:spcPct val="90000"/>
+              </a:lnSpc>
+              <a:spcAft>
+                <a:spcPts val="600"/>
+              </a:spcAft>
+              <a:buFont typeface="Arial" panose="020B0604020202020204" pitchFamily="34" charset="0"/>
+              <a:buChar char="•"/>
+            </a:pPr>
+            <a:endParaRPr lang="en-US" sz="1900"/>
+          </a:p>
+          <a:p>
+            <a:pPr indent="-228600">
+              <a:lnSpc>
+                <a:spcPct val="90000"/>
+              </a:lnSpc>
+              <a:spcAft>
+                <a:spcPts val="600"/>
+              </a:spcAft>
+              <a:buFont typeface="Arial" panose="020B0604020202020204" pitchFamily="34" charset="0"/>
+              <a:buChar char="•"/>
+            </a:pPr>
+            <a:r>
+              <a:rPr lang="en-US" sz="1900"/>
+              <a:t>Conflicting objectives</a:t>
+            </a:r>
+          </a:p>
+          <a:p>
+            <a:pPr indent="-228600">
+              <a:lnSpc>
+                <a:spcPct val="90000"/>
+              </a:lnSpc>
+              <a:spcAft>
+                <a:spcPts val="600"/>
+              </a:spcAft>
+              <a:buFont typeface="Arial" panose="020B0604020202020204" pitchFamily="34" charset="0"/>
+              <a:buChar char="•"/>
+            </a:pPr>
+            <a:endParaRPr lang="en-US" sz="1900"/>
+          </a:p>
+          <a:p>
+            <a:pPr indent="-228600">
+              <a:lnSpc>
+                <a:spcPct val="90000"/>
+              </a:lnSpc>
+              <a:spcAft>
+                <a:spcPts val="600"/>
+              </a:spcAft>
+              <a:buFont typeface="Arial" panose="020B0604020202020204" pitchFamily="34" charset="0"/>
+              <a:buChar char="•"/>
+            </a:pPr>
+            <a:r>
+              <a:rPr lang="en-US" sz="1900"/>
+              <a:t>Decision making:</a:t>
+            </a:r>
+          </a:p>
+          <a:p>
+            <a:pPr indent="-228600">
+              <a:lnSpc>
+                <a:spcPct val="90000"/>
+              </a:lnSpc>
+              <a:spcAft>
+                <a:spcPts val="600"/>
+              </a:spcAft>
+              <a:buFont typeface="Arial" panose="020B0604020202020204" pitchFamily="34" charset="0"/>
+              <a:buChar char="•"/>
+            </a:pPr>
+            <a:endParaRPr lang="en-US" sz="1900"/>
+          </a:p>
+          <a:p>
+            <a:pPr indent="-228600">
+              <a:lnSpc>
+                <a:spcPct val="90000"/>
+              </a:lnSpc>
+              <a:spcAft>
+                <a:spcPts val="600"/>
+              </a:spcAft>
+              <a:buFont typeface="Arial" panose="020B0604020202020204" pitchFamily="34" charset="0"/>
+              <a:buChar char="•"/>
+            </a:pPr>
+            <a:r>
+              <a:rPr lang="en-US" sz="1900"/>
+              <a:t>You cannot move up </a:t>
+            </a:r>
+          </a:p>
+          <a:p>
+            <a:pPr indent="-228600">
+              <a:lnSpc>
+                <a:spcPct val="90000"/>
+              </a:lnSpc>
+              <a:spcAft>
+                <a:spcPts val="600"/>
+              </a:spcAft>
+              <a:buFont typeface="Arial" panose="020B0604020202020204" pitchFamily="34" charset="0"/>
+              <a:buChar char="•"/>
+            </a:pPr>
+            <a:r>
+              <a:rPr lang="en-US" sz="1900"/>
+              <a:t>without moving right</a:t>
+            </a:r>
+          </a:p>
+        </p:txBody>
+      </p:sp>
     </p:spTree>
     <p:extLst>
       <p:ext uri="{BB962C8B-B14F-4D97-AF65-F5344CB8AC3E}">
@@ -4629,6 +4943,14 @@
 <file path=ppt/slides/slide16.xml><?xml version="1.0" encoding="utf-8"?>
 <p:sld xmlns:a="http://schemas.openxmlformats.org/drawingml/2006/main" xmlns:r="http://schemas.openxmlformats.org/officeDocument/2006/relationships" xmlns:p="http://schemas.openxmlformats.org/presentationml/2006/main">
   <p:cSld>
+    <p:bg>
+      <p:bgPr>
+        <a:solidFill>
+          <a:schemeClr val="bg1"/>
+        </a:solidFill>
+        <a:effectLst/>
+      </p:bgPr>
+    </p:bg>
     <p:spTree>
       <p:nvGrpSpPr>
         <p:cNvPr id="1" name=""/>
@@ -4648,6 +4970,239 @@
           <p:cNvPr id="2" name="Title 1">
             <a:extLst>
               <a:ext uri="{FF2B5EF4-FFF2-40B4-BE49-F238E27FC236}">
+                <a16:creationId xmlns:a16="http://schemas.microsoft.com/office/drawing/2014/main" id="{3A64F990-2A54-5F01-A077-67F6C041DA9A}"/>
+              </a:ext>
+            </a:extLst>
+          </p:cNvPr>
+          <p:cNvSpPr>
+            <a:spLocks noGrp="1"/>
+          </p:cNvSpPr>
+          <p:nvPr>
+            <p:ph type="title"/>
+          </p:nvPr>
+        </p:nvSpPr>
+        <p:spPr>
+          <a:xfrm>
+            <a:off x="481013" y="3752849"/>
+            <a:ext cx="3290887" cy="2452687"/>
+          </a:xfrm>
+        </p:spPr>
+        <p:txBody>
+          <a:bodyPr anchor="ctr">
+            <a:normAutofit/>
+          </a:bodyPr>
+          <a:lstStyle/>
+          <a:p>
+            <a:r>
+              <a:rPr lang="en-AU" sz="3600"/>
+              <a:t>Optimization algorithms used</a:t>
+            </a:r>
+          </a:p>
+        </p:txBody>
+      </p:sp>
+      <p:pic>
+        <p:nvPicPr>
+          <p:cNvPr id="1026" name="Picture 2" descr="A screenshot of a computer&#10;&#10;AI-generated content may be incorrect.">
+            <a:extLst>
+              <a:ext uri="{FF2B5EF4-FFF2-40B4-BE49-F238E27FC236}">
+                <a16:creationId xmlns:a16="http://schemas.microsoft.com/office/drawing/2014/main" id="{9268B7D6-89BE-1BE6-93D2-40B35A823AD5}"/>
+              </a:ext>
+            </a:extLst>
+          </p:cNvPr>
+          <p:cNvPicPr>
+            <a:picLocks noChangeAspect="1" noChangeArrowheads="1"/>
+          </p:cNvPicPr>
+          <p:nvPr/>
+        </p:nvPicPr>
+        <p:blipFill>
+          <a:blip r:embed="rId2">
+            <a:extLst>
+              <a:ext uri="{28A0092B-C50C-407E-A947-70E740481C1C}">
+                <a14:useLocalDpi xmlns:a14="http://schemas.microsoft.com/office/drawing/2010/main" val="0"/>
+              </a:ext>
+            </a:extLst>
+          </a:blip>
+          <a:srcRect r="11285" b="-1"/>
+          <a:stretch>
+            <a:fillRect/>
+          </a:stretch>
+        </p:blipFill>
+        <p:spPr bwMode="auto">
+          <a:xfrm>
+            <a:off x="20" y="10"/>
+            <a:ext cx="12191980" cy="3710603"/>
+          </a:xfrm>
+          <a:custGeom>
+            <a:avLst/>
+            <a:gdLst/>
+            <a:ahLst/>
+            <a:cxnLst/>
+            <a:rect l="l" t="t" r="r" b="b"/>
+            <a:pathLst>
+              <a:path w="12192000" h="3692092">
+                <a:moveTo>
+                  <a:pt x="0" y="0"/>
+                </a:moveTo>
+                <a:lnTo>
+                  <a:pt x="12192000" y="0"/>
+                </a:lnTo>
+                <a:lnTo>
+                  <a:pt x="12192000" y="3504824"/>
+                </a:lnTo>
+                <a:lnTo>
+                  <a:pt x="12024691" y="3517794"/>
+                </a:lnTo>
+                <a:cubicBezTo>
+                  <a:pt x="8077523" y="3783195"/>
+                  <a:pt x="4094678" y="3026959"/>
+                  <a:pt x="160485" y="3663863"/>
+                </a:cubicBezTo>
+                <a:lnTo>
+                  <a:pt x="0" y="3692092"/>
+                </a:lnTo>
+                <a:close/>
+              </a:path>
+            </a:pathLst>
+          </a:custGeom>
+          <a:noFill/>
+          <a:extLst>
+            <a:ext uri="{909E8E84-426E-40DD-AFC4-6F175D3DCCD1}">
+              <a14:hiddenFill xmlns:a14="http://schemas.microsoft.com/office/drawing/2010/main">
+                <a:solidFill>
+                  <a:srgbClr val="FFFFFF"/>
+                </a:solidFill>
+              </a14:hiddenFill>
+            </a:ext>
+          </a:extLst>
+        </p:spPr>
+      </p:pic>
+      <p:sp>
+        <p:nvSpPr>
+          <p:cNvPr id="3" name="Content Placeholder 2">
+            <a:extLst>
+              <a:ext uri="{FF2B5EF4-FFF2-40B4-BE49-F238E27FC236}">
+                <a16:creationId xmlns:a16="http://schemas.microsoft.com/office/drawing/2014/main" id="{D9B686F3-0F5F-DA35-A831-871F07FA6F42}"/>
+              </a:ext>
+            </a:extLst>
+          </p:cNvPr>
+          <p:cNvSpPr>
+            <a:spLocks noGrp="1"/>
+          </p:cNvSpPr>
+          <p:nvPr>
+            <p:ph idx="1"/>
+          </p:nvPr>
+        </p:nvSpPr>
+        <p:spPr>
+          <a:xfrm>
+            <a:off x="4223982" y="3752850"/>
+            <a:ext cx="7485413" cy="2452687"/>
+          </a:xfrm>
+        </p:spPr>
+        <p:txBody>
+          <a:bodyPr anchor="ctr">
+            <a:normAutofit/>
+          </a:bodyPr>
+          <a:lstStyle/>
+          <a:p>
+            <a:r>
+              <a:rPr lang="en-AU" sz="1800"/>
+              <a:t>Optuna calls them </a:t>
+            </a:r>
+            <a:r>
+              <a:rPr lang="en-AU" sz="1800" u="sng">
+                <a:hlinkClick r:id="rId3"/>
+              </a:rPr>
+              <a:t>samplers</a:t>
+            </a:r>
+            <a:endParaRPr lang="en-AU" sz="1800" u="sng"/>
+          </a:p>
+          <a:p>
+            <a:endParaRPr lang="en-AU" sz="1800" u="sng"/>
+          </a:p>
+          <a:p>
+            <a:pPr lvl="1"/>
+            <a:r>
+              <a:rPr lang="en-AU" sz="1800"/>
+              <a:t>Single objective – </a:t>
+            </a:r>
+            <a:r>
+              <a:rPr lang="en-AU" sz="1800">
+                <a:hlinkClick r:id="rId4"/>
+              </a:rPr>
+              <a:t>TPESampler</a:t>
+            </a:r>
+            <a:r>
+              <a:rPr lang="en-AU" sz="1800"/>
+              <a:t> (Tree-structured Parzen Estimator)</a:t>
+            </a:r>
+          </a:p>
+          <a:p>
+            <a:pPr lvl="1"/>
+            <a:r>
+              <a:rPr lang="en-AU" sz="1800"/>
+              <a:t>Multi-objective – </a:t>
+            </a:r>
+            <a:r>
+              <a:rPr lang="en-AU" sz="1800">
+                <a:hlinkClick r:id="rId5"/>
+              </a:rPr>
+              <a:t>NSGA-IISampler</a:t>
+            </a:r>
+            <a:r>
+              <a:rPr lang="en-AU" sz="1800"/>
+              <a:t> (Evolutionary algorithm based optimizer)</a:t>
+            </a:r>
+          </a:p>
+          <a:p>
+            <a:r>
+              <a:rPr lang="en-AU" sz="1800"/>
+              <a:t>There is also an option to choose the sampling algorithm “automatically” based on your data - </a:t>
+            </a:r>
+            <a:r>
+              <a:rPr lang="en-AU" sz="1800">
+                <a:hlinkClick r:id="rId6"/>
+              </a:rPr>
+              <a:t>AutoSampler</a:t>
+            </a:r>
+            <a:endParaRPr lang="en-AU" sz="1800"/>
+          </a:p>
+        </p:txBody>
+      </p:sp>
+    </p:spTree>
+    <p:extLst>
+      <p:ext uri="{BB962C8B-B14F-4D97-AF65-F5344CB8AC3E}">
+        <p14:creationId xmlns:p14="http://schemas.microsoft.com/office/powerpoint/2010/main" val="2958761073"/>
+      </p:ext>
+    </p:extLst>
+  </p:cSld>
+  <p:clrMapOvr>
+    <a:masterClrMapping/>
+  </p:clrMapOvr>
+</p:sld>
+</file>
+
+<file path=ppt/slides/slide17.xml><?xml version="1.0" encoding="utf-8"?>
+<p:sld xmlns:a="http://schemas.openxmlformats.org/drawingml/2006/main" xmlns:r="http://schemas.openxmlformats.org/officeDocument/2006/relationships" xmlns:p="http://schemas.openxmlformats.org/presentationml/2006/main">
+  <p:cSld>
+    <p:spTree>
+      <p:nvGrpSpPr>
+        <p:cNvPr id="1" name=""/>
+        <p:cNvGrpSpPr/>
+        <p:nvPr/>
+      </p:nvGrpSpPr>
+      <p:grpSpPr>
+        <a:xfrm>
+          <a:off x="0" y="0"/>
+          <a:ext cx="0" cy="0"/>
+          <a:chOff x="0" y="0"/>
+          <a:chExt cx="0" cy="0"/>
+        </a:xfrm>
+      </p:grpSpPr>
+      <p:sp>
+        <p:nvSpPr>
+          <p:cNvPr id="2" name="Title 1">
+            <a:extLst>
+              <a:ext uri="{FF2B5EF4-FFF2-40B4-BE49-F238E27FC236}">
                 <a16:creationId xmlns:a16="http://schemas.microsoft.com/office/drawing/2014/main" id="{C67821FD-C302-0A83-AEDE-90820D53A445}"/>
               </a:ext>
             </a:extLst>
@@ -4698,7 +5253,7 @@
             </a:r>
             <a:r>
               <a:rPr lang="en-AU" dirty="0"/>
-              <a:t> makes hyperparameter tuning more manageable</a:t>
+              <a:t> makes hyperparameter tuning more manageable rather than having to manually try out various ranges</a:t>
             </a:r>
           </a:p>
           <a:p>
@@ -4707,7 +5262,7 @@
           <a:p>
             <a:r>
               <a:rPr lang="en-AU" dirty="0"/>
-              <a:t>Demos and resources: </a:t>
+              <a:t>Slides, and demos: </a:t>
             </a:r>
             <a:r>
               <a:rPr lang="en-AU" dirty="0">
@@ -5356,17 +5911,12 @@
             </a:r>
             <a:r>
               <a:rPr lang="en-US" dirty="0"/>
-              <a:t> – set up range of the parameters, which sampling (optimization algorithm) algorithm to use, and whether to maximize or </a:t>
-            </a:r>
-            <a:r>
-              <a:rPr lang="en-US"/>
-              <a:t>minimize </a:t>
-            </a:r>
-            <a:r>
-              <a:rPr lang="en-US" u="sng"/>
+              <a:t> – set up range of the parameters, which sampling (optimization algorithm) algorithm to use, and whether to maximize or minimize </a:t>
+            </a:r>
+            <a:r>
+              <a:rPr lang="en-US" u="sng" dirty="0"/>
               <a:t>objective(s)</a:t>
             </a:r>
-            <a:endParaRPr lang="en-US" u="sng" dirty="0"/>
           </a:p>
           <a:p>
             <a:endParaRPr lang="en-US" dirty="0"/>

--- a/Hyperparameter optimization using Optuna.pptx
+++ b/Hyperparameter optimization using Optuna.pptx
@@ -4773,7 +4773,7 @@
               <a:buChar char="•"/>
             </a:pPr>
             <a:r>
-              <a:rPr lang="en-US" sz="1900"/>
+              <a:rPr lang="en-US" sz="1900" dirty="0"/>
               <a:t>Goal:</a:t>
             </a:r>
           </a:p>
@@ -4788,7 +4788,39 @@
               <a:buFont typeface="Arial" panose="020B0604020202020204" pitchFamily="34" charset="0"/>
               <a:buChar char="•"/>
             </a:pPr>
-            <a:endParaRPr lang="en-US" sz="1900"/>
+            <a:endParaRPr lang="en-US" sz="1900" dirty="0"/>
+          </a:p>
+          <a:p>
+            <a:pPr lvl="1" indent="-228600">
+              <a:lnSpc>
+                <a:spcPct val="90000"/>
+              </a:lnSpc>
+              <a:spcAft>
+                <a:spcPts val="600"/>
+              </a:spcAft>
+              <a:buFont typeface="Arial" panose="020B0604020202020204" pitchFamily="34" charset="0"/>
+              <a:buChar char="•"/>
+            </a:pPr>
+            <a:r>
+              <a:rPr lang="en-US" sz="1900" dirty="0"/>
+              <a:t>Minimize complexity</a:t>
+            </a:r>
+          </a:p>
+          <a:p>
+            <a:pPr lvl="1" indent="-228600">
+              <a:lnSpc>
+                <a:spcPct val="90000"/>
+              </a:lnSpc>
+              <a:spcAft>
+                <a:spcPts val="600"/>
+              </a:spcAft>
+              <a:buFont typeface="Arial" panose="020B0604020202020204" pitchFamily="34" charset="0"/>
+              <a:buChar char="•"/>
+            </a:pPr>
+            <a:r>
+              <a:rPr lang="en-US" sz="1900" dirty="0"/>
+              <a:t>Increase performance</a:t>
+            </a:r>
           </a:p>
           <a:p>
             <a:pPr indent="-228600">
@@ -4801,10 +4833,7 @@
               <a:buFont typeface="Arial" panose="020B0604020202020204" pitchFamily="34" charset="0"/>
               <a:buChar char="•"/>
             </a:pPr>
-            <a:r>
-              <a:rPr lang="en-US" sz="1900"/>
-              <a:t>Minimize complexity</a:t>
-            </a:r>
+            <a:endParaRPr lang="en-US" sz="1900" dirty="0"/>
           </a:p>
           <a:p>
             <a:pPr indent="-228600">
@@ -4818,8 +4847,8 @@
               <a:buChar char="•"/>
             </a:pPr>
             <a:r>
-              <a:rPr lang="en-US" sz="1900"/>
-              <a:t>Increase performance</a:t>
+              <a:rPr lang="en-US" sz="1900" dirty="0"/>
+              <a:t>Conflicting objectives</a:t>
             </a:r>
           </a:p>
           <a:p>
@@ -4833,7 +4862,7 @@
               <a:buFont typeface="Arial" panose="020B0604020202020204" pitchFamily="34" charset="0"/>
               <a:buChar char="•"/>
             </a:pPr>
-            <a:endParaRPr lang="en-US" sz="1900"/>
+            <a:endParaRPr lang="en-US" sz="1900" dirty="0"/>
           </a:p>
           <a:p>
             <a:pPr indent="-228600">
@@ -4847,8 +4876,8 @@
               <a:buChar char="•"/>
             </a:pPr>
             <a:r>
-              <a:rPr lang="en-US" sz="1900"/>
-              <a:t>Conflicting objectives</a:t>
+              <a:rPr lang="en-US" sz="1900" dirty="0"/>
+              <a:t>Decision making:</a:t>
             </a:r>
           </a:p>
           <a:p>
@@ -4862,10 +4891,10 @@
               <a:buFont typeface="Arial" panose="020B0604020202020204" pitchFamily="34" charset="0"/>
               <a:buChar char="•"/>
             </a:pPr>
-            <a:endParaRPr lang="en-US" sz="1900"/>
-          </a:p>
-          <a:p>
-            <a:pPr indent="-228600">
+            <a:endParaRPr lang="en-US" sz="1900" dirty="0"/>
+          </a:p>
+          <a:p>
+            <a:pPr lvl="1" indent="-228600">
               <a:lnSpc>
                 <a:spcPct val="90000"/>
               </a:lnSpc>
@@ -4876,53 +4905,16 @@
               <a:buChar char="•"/>
             </a:pPr>
             <a:r>
+              <a:rPr lang="en-US" sz="1900" dirty="0"/>
+              <a:t>You cannot move </a:t>
+            </a:r>
+            <a:r>
               <a:rPr lang="en-US" sz="1900"/>
-              <a:t>Decision making:</a:t>
-            </a:r>
-          </a:p>
-          <a:p>
-            <a:pPr indent="-228600">
-              <a:lnSpc>
-                <a:spcPct val="90000"/>
-              </a:lnSpc>
-              <a:spcAft>
-                <a:spcPts val="600"/>
-              </a:spcAft>
-              <a:buFont typeface="Arial" panose="020B0604020202020204" pitchFamily="34" charset="0"/>
-              <a:buChar char="•"/>
-            </a:pPr>
-            <a:endParaRPr lang="en-US" sz="1900"/>
-          </a:p>
-          <a:p>
-            <a:pPr indent="-228600">
-              <a:lnSpc>
-                <a:spcPct val="90000"/>
-              </a:lnSpc>
-              <a:spcAft>
-                <a:spcPts val="600"/>
-              </a:spcAft>
-              <a:buFont typeface="Arial" panose="020B0604020202020204" pitchFamily="34" charset="0"/>
-              <a:buChar char="•"/>
-            </a:pPr>
-            <a:r>
-              <a:rPr lang="en-US" sz="1900"/>
-              <a:t>You cannot move up </a:t>
-            </a:r>
-          </a:p>
-          <a:p>
-            <a:pPr indent="-228600">
-              <a:lnSpc>
-                <a:spcPct val="90000"/>
-              </a:lnSpc>
-              <a:spcAft>
-                <a:spcPts val="600"/>
-              </a:spcAft>
-              <a:buFont typeface="Arial" panose="020B0604020202020204" pitchFamily="34" charset="0"/>
-              <a:buChar char="•"/>
-            </a:pPr>
-            <a:r>
-              <a:rPr lang="en-US" sz="1900"/>
-              <a:t>without moving right</a:t>
+              <a:t>up without </a:t>
+            </a:r>
+            <a:r>
+              <a:rPr lang="en-US" sz="1900" dirty="0"/>
+              <a:t>moving right</a:t>
             </a:r>
           </a:p>
         </p:txBody>
@@ -5543,7 +5535,7 @@
         </p:blipFill>
         <p:spPr>
           <a:xfrm>
-            <a:off x="1101213" y="3624120"/>
+            <a:off x="4248451" y="4001294"/>
             <a:ext cx="8504903" cy="2956063"/>
           </a:xfrm>
           <a:prstGeom prst="rect">
